--- a/33/200820_JavaScript_control_flow.pptx
+++ b/33/200820_JavaScript_control_flow.pptx
@@ -5,10 +5,10 @@
     <p:sldMasterId id="2147483672" r:id="rId1"/>
   </p:sldMasterIdLst>
   <p:notesMasterIdLst>
-    <p:notesMasterId r:id="rId36"/>
+    <p:notesMasterId r:id="rId43"/>
   </p:notesMasterIdLst>
   <p:handoutMasterIdLst>
-    <p:handoutMasterId r:id="rId37"/>
+    <p:handoutMasterId r:id="rId44"/>
   </p:handoutMasterIdLst>
   <p:sldIdLst>
     <p:sldId id="357" r:id="rId2"/>
@@ -44,31 +44,38 @@
     <p:sldId id="605" r:id="rId32"/>
     <p:sldId id="606" r:id="rId33"/>
     <p:sldId id="607" r:id="rId34"/>
-    <p:sldId id="546" r:id="rId35"/>
+    <p:sldId id="608" r:id="rId35"/>
+    <p:sldId id="609" r:id="rId36"/>
+    <p:sldId id="610" r:id="rId37"/>
+    <p:sldId id="611" r:id="rId38"/>
+    <p:sldId id="612" r:id="rId39"/>
+    <p:sldId id="613" r:id="rId40"/>
+    <p:sldId id="614" r:id="rId41"/>
+    <p:sldId id="615" r:id="rId42"/>
   </p:sldIdLst>
   <p:sldSz cx="10160000" cy="5715000"/>
   <p:notesSz cx="9996488" cy="6865938"/>
   <p:embeddedFontLst>
     <p:embeddedFont>
+      <p:font typeface="맑은 고딕 Semilight" panose="020B0502040204020203" pitchFamily="50" charset="-127"/>
+      <p:regular r:id="rId45"/>
+    </p:embeddedFont>
+    <p:embeddedFont>
       <p:font typeface="Calibri" panose="020F0502020204030204" pitchFamily="34" charset="0"/>
-      <p:regular r:id="rId38"/>
-      <p:bold r:id="rId39"/>
-      <p:italic r:id="rId40"/>
-      <p:boldItalic r:id="rId41"/>
+      <p:regular r:id="rId46"/>
+      <p:bold r:id="rId47"/>
+      <p:italic r:id="rId48"/>
+      <p:boldItalic r:id="rId49"/>
     </p:embeddedFont>
     <p:embeddedFont>
       <p:font typeface="맑은 고딕" panose="020B0503020000020004" pitchFamily="50" charset="-127"/>
-      <p:regular r:id="rId42"/>
-      <p:bold r:id="rId43"/>
-    </p:embeddedFont>
-    <p:embeddedFont>
-      <p:font typeface="맑은 고딕 Semilight" panose="020B0502040204020203" pitchFamily="50" charset="-127"/>
-      <p:regular r:id="rId44"/>
+      <p:regular r:id="rId50"/>
+      <p:bold r:id="rId51"/>
     </p:embeddedFont>
     <p:embeddedFont>
       <p:font typeface="Calibri Light" panose="020F0302020204030204" pitchFamily="34" charset="0"/>
-      <p:regular r:id="rId45"/>
-      <p:italic r:id="rId46"/>
+      <p:regular r:id="rId52"/>
+      <p:italic r:id="rId53"/>
     </p:embeddedFont>
   </p:embeddedFontLst>
   <p:defaultTextStyle>
@@ -256,7 +263,7 @@
           <a:p>
             <a:fld id="{9FE52F76-AF59-42F6-9CE2-B65810388E55}" type="datetimeFigureOut">
               <a:rPr lang="ko-KR" altLang="en-US" smtClean="0"/>
-              <a:t>2020-08-21</a:t>
+              <a:t>2020-08-24</a:t>
             </a:fld>
             <a:endParaRPr lang="ko-KR" altLang="en-US"/>
           </a:p>
@@ -421,7 +428,7 @@
           <a:p>
             <a:fld id="{75C19CB4-4756-4824-8E84-477C40131107}" type="datetimeFigureOut">
               <a:rPr lang="ko-KR" altLang="en-US" smtClean="0"/>
-              <a:t>2020-08-21</a:t>
+              <a:t>2020-08-24</a:t>
             </a:fld>
             <a:endParaRPr lang="ko-KR" altLang="en-US"/>
           </a:p>
@@ -3412,7 +3419,613 @@
     </p:spTree>
     <p:extLst>
       <p:ext uri="{BB962C8B-B14F-4D97-AF65-F5344CB8AC3E}">
-        <p14:creationId xmlns:p14="http://schemas.microsoft.com/office/powerpoint/2010/main" val="779742543"/>
+        <p14:creationId xmlns:p14="http://schemas.microsoft.com/office/powerpoint/2010/main" val="1447751103"/>
+      </p:ext>
+    </p:extLst>
+  </p:cSld>
+  <p:clrMapOvr>
+    <a:masterClrMapping/>
+  </p:clrMapOvr>
+</p:notes>
+</file>
+
+<file path=ppt/notesSlides/notesSlide34.xml><?xml version="1.0" encoding="utf-8"?>
+<p:notes xmlns:a="http://schemas.openxmlformats.org/drawingml/2006/main" xmlns:r="http://schemas.openxmlformats.org/officeDocument/2006/relationships" xmlns:p="http://schemas.openxmlformats.org/presentationml/2006/main">
+  <p:cSld>
+    <p:spTree>
+      <p:nvGrpSpPr>
+        <p:cNvPr id="1" name=""/>
+        <p:cNvGrpSpPr/>
+        <p:nvPr/>
+      </p:nvGrpSpPr>
+      <p:grpSpPr>
+        <a:xfrm>
+          <a:off x="0" y="0"/>
+          <a:ext cx="0" cy="0"/>
+          <a:chOff x="0" y="0"/>
+          <a:chExt cx="0" cy="0"/>
+        </a:xfrm>
+      </p:grpSpPr>
+      <p:sp>
+        <p:nvSpPr>
+          <p:cNvPr id="2" name="슬라이드 이미지 개체 틀 1"/>
+          <p:cNvSpPr>
+            <a:spLocks noGrp="1" noRot="1" noChangeAspect="1"/>
+          </p:cNvSpPr>
+          <p:nvPr>
+            <p:ph type="sldImg"/>
+          </p:nvPr>
+        </p:nvSpPr>
+        <p:spPr/>
+      </p:sp>
+      <p:sp>
+        <p:nvSpPr>
+          <p:cNvPr id="3" name="슬라이드 노트 개체 틀 2"/>
+          <p:cNvSpPr>
+            <a:spLocks noGrp="1"/>
+          </p:cNvSpPr>
+          <p:nvPr>
+            <p:ph type="body" idx="1"/>
+          </p:nvPr>
+        </p:nvSpPr>
+        <p:spPr/>
+        <p:txBody>
+          <a:bodyPr/>
+          <a:lstStyle/>
+          <a:p>
+            <a:pPr marL="0" marR="0" indent="0" algn="l" defTabSz="914400" rtl="0" eaLnBrk="1" fontAlgn="auto" latinLnBrk="1" hangingPunct="1">
+              <a:lnSpc>
+                <a:spcPct val="100000"/>
+              </a:lnSpc>
+              <a:spcBef>
+                <a:spcPts val="0"/>
+              </a:spcBef>
+              <a:spcAft>
+                <a:spcPts val="0"/>
+              </a:spcAft>
+              <a:buClrTx/>
+              <a:buSzTx/>
+              <a:buFontTx/>
+              <a:buNone/>
+              <a:tabLst/>
+              <a:defRPr/>
+            </a:pPr>
+            <a:endParaRPr lang="ko-KR" altLang="en-US" dirty="0"/>
+          </a:p>
+        </p:txBody>
+      </p:sp>
+      <p:sp>
+        <p:nvSpPr>
+          <p:cNvPr id="4" name="슬라이드 번호 개체 틀 3"/>
+          <p:cNvSpPr>
+            <a:spLocks noGrp="1"/>
+          </p:cNvSpPr>
+          <p:nvPr>
+            <p:ph type="sldNum" sz="quarter" idx="10"/>
+          </p:nvPr>
+        </p:nvSpPr>
+        <p:spPr/>
+        <p:txBody>
+          <a:bodyPr/>
+          <a:lstStyle/>
+          <a:p>
+            <a:fld id="{A6D625BF-EF7C-4F5D-B58E-C92BFFBBF146}" type="slidenum">
+              <a:rPr lang="ko-KR" altLang="en-US" smtClean="0"/>
+              <a:t>35</a:t>
+            </a:fld>
+            <a:endParaRPr lang="ko-KR" altLang="en-US"/>
+          </a:p>
+        </p:txBody>
+      </p:sp>
+    </p:spTree>
+    <p:extLst>
+      <p:ext uri="{BB962C8B-B14F-4D97-AF65-F5344CB8AC3E}">
+        <p14:creationId xmlns:p14="http://schemas.microsoft.com/office/powerpoint/2010/main" val="3280379679"/>
+      </p:ext>
+    </p:extLst>
+  </p:cSld>
+  <p:clrMapOvr>
+    <a:masterClrMapping/>
+  </p:clrMapOvr>
+</p:notes>
+</file>
+
+<file path=ppt/notesSlides/notesSlide35.xml><?xml version="1.0" encoding="utf-8"?>
+<p:notes xmlns:a="http://schemas.openxmlformats.org/drawingml/2006/main" xmlns:r="http://schemas.openxmlformats.org/officeDocument/2006/relationships" xmlns:p="http://schemas.openxmlformats.org/presentationml/2006/main">
+  <p:cSld>
+    <p:spTree>
+      <p:nvGrpSpPr>
+        <p:cNvPr id="1" name=""/>
+        <p:cNvGrpSpPr/>
+        <p:nvPr/>
+      </p:nvGrpSpPr>
+      <p:grpSpPr>
+        <a:xfrm>
+          <a:off x="0" y="0"/>
+          <a:ext cx="0" cy="0"/>
+          <a:chOff x="0" y="0"/>
+          <a:chExt cx="0" cy="0"/>
+        </a:xfrm>
+      </p:grpSpPr>
+      <p:sp>
+        <p:nvSpPr>
+          <p:cNvPr id="2" name="슬라이드 이미지 개체 틀 1"/>
+          <p:cNvSpPr>
+            <a:spLocks noGrp="1" noRot="1" noChangeAspect="1"/>
+          </p:cNvSpPr>
+          <p:nvPr>
+            <p:ph type="sldImg"/>
+          </p:nvPr>
+        </p:nvSpPr>
+        <p:spPr/>
+      </p:sp>
+      <p:sp>
+        <p:nvSpPr>
+          <p:cNvPr id="3" name="슬라이드 노트 개체 틀 2"/>
+          <p:cNvSpPr>
+            <a:spLocks noGrp="1"/>
+          </p:cNvSpPr>
+          <p:nvPr>
+            <p:ph type="body" idx="1"/>
+          </p:nvPr>
+        </p:nvSpPr>
+        <p:spPr/>
+        <p:txBody>
+          <a:bodyPr/>
+          <a:lstStyle/>
+          <a:p>
+            <a:pPr marL="0" marR="0" indent="0" algn="l" defTabSz="914400" rtl="0" eaLnBrk="1" fontAlgn="auto" latinLnBrk="1" hangingPunct="1">
+              <a:lnSpc>
+                <a:spcPct val="100000"/>
+              </a:lnSpc>
+              <a:spcBef>
+                <a:spcPts val="0"/>
+              </a:spcBef>
+              <a:spcAft>
+                <a:spcPts val="0"/>
+              </a:spcAft>
+              <a:buClrTx/>
+              <a:buSzTx/>
+              <a:buFontTx/>
+              <a:buNone/>
+              <a:tabLst/>
+              <a:defRPr/>
+            </a:pPr>
+            <a:endParaRPr lang="ko-KR" altLang="en-US" dirty="0"/>
+          </a:p>
+        </p:txBody>
+      </p:sp>
+      <p:sp>
+        <p:nvSpPr>
+          <p:cNvPr id="4" name="슬라이드 번호 개체 틀 3"/>
+          <p:cNvSpPr>
+            <a:spLocks noGrp="1"/>
+          </p:cNvSpPr>
+          <p:nvPr>
+            <p:ph type="sldNum" sz="quarter" idx="10"/>
+          </p:nvPr>
+        </p:nvSpPr>
+        <p:spPr/>
+        <p:txBody>
+          <a:bodyPr/>
+          <a:lstStyle/>
+          <a:p>
+            <a:fld id="{A6D625BF-EF7C-4F5D-B58E-C92BFFBBF146}" type="slidenum">
+              <a:rPr lang="ko-KR" altLang="en-US" smtClean="0"/>
+              <a:t>36</a:t>
+            </a:fld>
+            <a:endParaRPr lang="ko-KR" altLang="en-US"/>
+          </a:p>
+        </p:txBody>
+      </p:sp>
+    </p:spTree>
+    <p:extLst>
+      <p:ext uri="{BB962C8B-B14F-4D97-AF65-F5344CB8AC3E}">
+        <p14:creationId xmlns:p14="http://schemas.microsoft.com/office/powerpoint/2010/main" val="1014729808"/>
+      </p:ext>
+    </p:extLst>
+  </p:cSld>
+  <p:clrMapOvr>
+    <a:masterClrMapping/>
+  </p:clrMapOvr>
+</p:notes>
+</file>
+
+<file path=ppt/notesSlides/notesSlide36.xml><?xml version="1.0" encoding="utf-8"?>
+<p:notes xmlns:a="http://schemas.openxmlformats.org/drawingml/2006/main" xmlns:r="http://schemas.openxmlformats.org/officeDocument/2006/relationships" xmlns:p="http://schemas.openxmlformats.org/presentationml/2006/main">
+  <p:cSld>
+    <p:spTree>
+      <p:nvGrpSpPr>
+        <p:cNvPr id="1" name=""/>
+        <p:cNvGrpSpPr/>
+        <p:nvPr/>
+      </p:nvGrpSpPr>
+      <p:grpSpPr>
+        <a:xfrm>
+          <a:off x="0" y="0"/>
+          <a:ext cx="0" cy="0"/>
+          <a:chOff x="0" y="0"/>
+          <a:chExt cx="0" cy="0"/>
+        </a:xfrm>
+      </p:grpSpPr>
+      <p:sp>
+        <p:nvSpPr>
+          <p:cNvPr id="2" name="슬라이드 이미지 개체 틀 1"/>
+          <p:cNvSpPr>
+            <a:spLocks noGrp="1" noRot="1" noChangeAspect="1"/>
+          </p:cNvSpPr>
+          <p:nvPr>
+            <p:ph type="sldImg"/>
+          </p:nvPr>
+        </p:nvSpPr>
+        <p:spPr/>
+      </p:sp>
+      <p:sp>
+        <p:nvSpPr>
+          <p:cNvPr id="3" name="슬라이드 노트 개체 틀 2"/>
+          <p:cNvSpPr>
+            <a:spLocks noGrp="1"/>
+          </p:cNvSpPr>
+          <p:nvPr>
+            <p:ph type="body" idx="1"/>
+          </p:nvPr>
+        </p:nvSpPr>
+        <p:spPr/>
+        <p:txBody>
+          <a:bodyPr/>
+          <a:lstStyle/>
+          <a:p>
+            <a:pPr marL="0" marR="0" indent="0" algn="l" defTabSz="914400" rtl="0" eaLnBrk="1" fontAlgn="auto" latinLnBrk="1" hangingPunct="1">
+              <a:lnSpc>
+                <a:spcPct val="100000"/>
+              </a:lnSpc>
+              <a:spcBef>
+                <a:spcPts val="0"/>
+              </a:spcBef>
+              <a:spcAft>
+                <a:spcPts val="0"/>
+              </a:spcAft>
+              <a:buClrTx/>
+              <a:buSzTx/>
+              <a:buFontTx/>
+              <a:buNone/>
+              <a:tabLst/>
+              <a:defRPr/>
+            </a:pPr>
+            <a:endParaRPr lang="ko-KR" altLang="en-US" dirty="0"/>
+          </a:p>
+        </p:txBody>
+      </p:sp>
+      <p:sp>
+        <p:nvSpPr>
+          <p:cNvPr id="4" name="슬라이드 번호 개체 틀 3"/>
+          <p:cNvSpPr>
+            <a:spLocks noGrp="1"/>
+          </p:cNvSpPr>
+          <p:nvPr>
+            <p:ph type="sldNum" sz="quarter" idx="10"/>
+          </p:nvPr>
+        </p:nvSpPr>
+        <p:spPr/>
+        <p:txBody>
+          <a:bodyPr/>
+          <a:lstStyle/>
+          <a:p>
+            <a:fld id="{A6D625BF-EF7C-4F5D-B58E-C92BFFBBF146}" type="slidenum">
+              <a:rPr lang="ko-KR" altLang="en-US" smtClean="0"/>
+              <a:t>37</a:t>
+            </a:fld>
+            <a:endParaRPr lang="ko-KR" altLang="en-US"/>
+          </a:p>
+        </p:txBody>
+      </p:sp>
+    </p:spTree>
+    <p:extLst>
+      <p:ext uri="{BB962C8B-B14F-4D97-AF65-F5344CB8AC3E}">
+        <p14:creationId xmlns:p14="http://schemas.microsoft.com/office/powerpoint/2010/main" val="832743252"/>
+      </p:ext>
+    </p:extLst>
+  </p:cSld>
+  <p:clrMapOvr>
+    <a:masterClrMapping/>
+  </p:clrMapOvr>
+</p:notes>
+</file>
+
+<file path=ppt/notesSlides/notesSlide37.xml><?xml version="1.0" encoding="utf-8"?>
+<p:notes xmlns:a="http://schemas.openxmlformats.org/drawingml/2006/main" xmlns:r="http://schemas.openxmlformats.org/officeDocument/2006/relationships" xmlns:p="http://schemas.openxmlformats.org/presentationml/2006/main">
+  <p:cSld>
+    <p:spTree>
+      <p:nvGrpSpPr>
+        <p:cNvPr id="1" name=""/>
+        <p:cNvGrpSpPr/>
+        <p:nvPr/>
+      </p:nvGrpSpPr>
+      <p:grpSpPr>
+        <a:xfrm>
+          <a:off x="0" y="0"/>
+          <a:ext cx="0" cy="0"/>
+          <a:chOff x="0" y="0"/>
+          <a:chExt cx="0" cy="0"/>
+        </a:xfrm>
+      </p:grpSpPr>
+      <p:sp>
+        <p:nvSpPr>
+          <p:cNvPr id="2" name="슬라이드 이미지 개체 틀 1"/>
+          <p:cNvSpPr>
+            <a:spLocks noGrp="1" noRot="1" noChangeAspect="1"/>
+          </p:cNvSpPr>
+          <p:nvPr>
+            <p:ph type="sldImg"/>
+          </p:nvPr>
+        </p:nvSpPr>
+        <p:spPr/>
+      </p:sp>
+      <p:sp>
+        <p:nvSpPr>
+          <p:cNvPr id="3" name="슬라이드 노트 개체 틀 2"/>
+          <p:cNvSpPr>
+            <a:spLocks noGrp="1"/>
+          </p:cNvSpPr>
+          <p:nvPr>
+            <p:ph type="body" idx="1"/>
+          </p:nvPr>
+        </p:nvSpPr>
+        <p:spPr/>
+        <p:txBody>
+          <a:bodyPr/>
+          <a:lstStyle/>
+          <a:p>
+            <a:pPr marL="0" marR="0" indent="0" algn="l" defTabSz="914400" rtl="0" eaLnBrk="1" fontAlgn="auto" latinLnBrk="1" hangingPunct="1">
+              <a:lnSpc>
+                <a:spcPct val="100000"/>
+              </a:lnSpc>
+              <a:spcBef>
+                <a:spcPts val="0"/>
+              </a:spcBef>
+              <a:spcAft>
+                <a:spcPts val="0"/>
+              </a:spcAft>
+              <a:buClrTx/>
+              <a:buSzTx/>
+              <a:buFontTx/>
+              <a:buNone/>
+              <a:tabLst/>
+              <a:defRPr/>
+            </a:pPr>
+            <a:endParaRPr lang="ko-KR" altLang="en-US" dirty="0"/>
+          </a:p>
+        </p:txBody>
+      </p:sp>
+      <p:sp>
+        <p:nvSpPr>
+          <p:cNvPr id="4" name="슬라이드 번호 개체 틀 3"/>
+          <p:cNvSpPr>
+            <a:spLocks noGrp="1"/>
+          </p:cNvSpPr>
+          <p:nvPr>
+            <p:ph type="sldNum" sz="quarter" idx="10"/>
+          </p:nvPr>
+        </p:nvSpPr>
+        <p:spPr/>
+        <p:txBody>
+          <a:bodyPr/>
+          <a:lstStyle/>
+          <a:p>
+            <a:fld id="{A6D625BF-EF7C-4F5D-B58E-C92BFFBBF146}" type="slidenum">
+              <a:rPr lang="ko-KR" altLang="en-US" smtClean="0"/>
+              <a:t>38</a:t>
+            </a:fld>
+            <a:endParaRPr lang="ko-KR" altLang="en-US"/>
+          </a:p>
+        </p:txBody>
+      </p:sp>
+    </p:spTree>
+    <p:extLst>
+      <p:ext uri="{BB962C8B-B14F-4D97-AF65-F5344CB8AC3E}">
+        <p14:creationId xmlns:p14="http://schemas.microsoft.com/office/powerpoint/2010/main" val="205275291"/>
+      </p:ext>
+    </p:extLst>
+  </p:cSld>
+  <p:clrMapOvr>
+    <a:masterClrMapping/>
+  </p:clrMapOvr>
+</p:notes>
+</file>
+
+<file path=ppt/notesSlides/notesSlide38.xml><?xml version="1.0" encoding="utf-8"?>
+<p:notes xmlns:a="http://schemas.openxmlformats.org/drawingml/2006/main" xmlns:r="http://schemas.openxmlformats.org/officeDocument/2006/relationships" xmlns:p="http://schemas.openxmlformats.org/presentationml/2006/main">
+  <p:cSld>
+    <p:spTree>
+      <p:nvGrpSpPr>
+        <p:cNvPr id="1" name=""/>
+        <p:cNvGrpSpPr/>
+        <p:nvPr/>
+      </p:nvGrpSpPr>
+      <p:grpSpPr>
+        <a:xfrm>
+          <a:off x="0" y="0"/>
+          <a:ext cx="0" cy="0"/>
+          <a:chOff x="0" y="0"/>
+          <a:chExt cx="0" cy="0"/>
+        </a:xfrm>
+      </p:grpSpPr>
+      <p:sp>
+        <p:nvSpPr>
+          <p:cNvPr id="2" name="슬라이드 이미지 개체 틀 1"/>
+          <p:cNvSpPr>
+            <a:spLocks noGrp="1" noRot="1" noChangeAspect="1"/>
+          </p:cNvSpPr>
+          <p:nvPr>
+            <p:ph type="sldImg"/>
+          </p:nvPr>
+        </p:nvSpPr>
+        <p:spPr/>
+      </p:sp>
+      <p:sp>
+        <p:nvSpPr>
+          <p:cNvPr id="3" name="슬라이드 노트 개체 틀 2"/>
+          <p:cNvSpPr>
+            <a:spLocks noGrp="1"/>
+          </p:cNvSpPr>
+          <p:nvPr>
+            <p:ph type="body" idx="1"/>
+          </p:nvPr>
+        </p:nvSpPr>
+        <p:spPr/>
+        <p:txBody>
+          <a:bodyPr/>
+          <a:lstStyle/>
+          <a:p>
+            <a:pPr marL="0" marR="0" indent="0" algn="l" defTabSz="914400" rtl="0" eaLnBrk="1" fontAlgn="auto" latinLnBrk="1" hangingPunct="1">
+              <a:lnSpc>
+                <a:spcPct val="100000"/>
+              </a:lnSpc>
+              <a:spcBef>
+                <a:spcPts val="0"/>
+              </a:spcBef>
+              <a:spcAft>
+                <a:spcPts val="0"/>
+              </a:spcAft>
+              <a:buClrTx/>
+              <a:buSzTx/>
+              <a:buFontTx/>
+              <a:buNone/>
+              <a:tabLst/>
+              <a:defRPr/>
+            </a:pPr>
+            <a:endParaRPr lang="ko-KR" altLang="en-US" dirty="0"/>
+          </a:p>
+        </p:txBody>
+      </p:sp>
+      <p:sp>
+        <p:nvSpPr>
+          <p:cNvPr id="4" name="슬라이드 번호 개체 틀 3"/>
+          <p:cNvSpPr>
+            <a:spLocks noGrp="1"/>
+          </p:cNvSpPr>
+          <p:nvPr>
+            <p:ph type="sldNum" sz="quarter" idx="10"/>
+          </p:nvPr>
+        </p:nvSpPr>
+        <p:spPr/>
+        <p:txBody>
+          <a:bodyPr/>
+          <a:lstStyle/>
+          <a:p>
+            <a:fld id="{A6D625BF-EF7C-4F5D-B58E-C92BFFBBF146}" type="slidenum">
+              <a:rPr lang="ko-KR" altLang="en-US" smtClean="0"/>
+              <a:t>39</a:t>
+            </a:fld>
+            <a:endParaRPr lang="ko-KR" altLang="en-US"/>
+          </a:p>
+        </p:txBody>
+      </p:sp>
+    </p:spTree>
+    <p:extLst>
+      <p:ext uri="{BB962C8B-B14F-4D97-AF65-F5344CB8AC3E}">
+        <p14:creationId xmlns:p14="http://schemas.microsoft.com/office/powerpoint/2010/main" val="1359649370"/>
+      </p:ext>
+    </p:extLst>
+  </p:cSld>
+  <p:clrMapOvr>
+    <a:masterClrMapping/>
+  </p:clrMapOvr>
+</p:notes>
+</file>
+
+<file path=ppt/notesSlides/notesSlide39.xml><?xml version="1.0" encoding="utf-8"?>
+<p:notes xmlns:a="http://schemas.openxmlformats.org/drawingml/2006/main" xmlns:r="http://schemas.openxmlformats.org/officeDocument/2006/relationships" xmlns:p="http://schemas.openxmlformats.org/presentationml/2006/main">
+  <p:cSld>
+    <p:spTree>
+      <p:nvGrpSpPr>
+        <p:cNvPr id="1" name=""/>
+        <p:cNvGrpSpPr/>
+        <p:nvPr/>
+      </p:nvGrpSpPr>
+      <p:grpSpPr>
+        <a:xfrm>
+          <a:off x="0" y="0"/>
+          <a:ext cx="0" cy="0"/>
+          <a:chOff x="0" y="0"/>
+          <a:chExt cx="0" cy="0"/>
+        </a:xfrm>
+      </p:grpSpPr>
+      <p:sp>
+        <p:nvSpPr>
+          <p:cNvPr id="2" name="슬라이드 이미지 개체 틀 1"/>
+          <p:cNvSpPr>
+            <a:spLocks noGrp="1" noRot="1" noChangeAspect="1"/>
+          </p:cNvSpPr>
+          <p:nvPr>
+            <p:ph type="sldImg"/>
+          </p:nvPr>
+        </p:nvSpPr>
+        <p:spPr/>
+      </p:sp>
+      <p:sp>
+        <p:nvSpPr>
+          <p:cNvPr id="3" name="슬라이드 노트 개체 틀 2"/>
+          <p:cNvSpPr>
+            <a:spLocks noGrp="1"/>
+          </p:cNvSpPr>
+          <p:nvPr>
+            <p:ph type="body" idx="1"/>
+          </p:nvPr>
+        </p:nvSpPr>
+        <p:spPr/>
+        <p:txBody>
+          <a:bodyPr/>
+          <a:lstStyle/>
+          <a:p>
+            <a:pPr marL="0" marR="0" indent="0" algn="l" defTabSz="914400" rtl="0" eaLnBrk="1" fontAlgn="auto" latinLnBrk="1" hangingPunct="1">
+              <a:lnSpc>
+                <a:spcPct val="100000"/>
+              </a:lnSpc>
+              <a:spcBef>
+                <a:spcPts val="0"/>
+              </a:spcBef>
+              <a:spcAft>
+                <a:spcPts val="0"/>
+              </a:spcAft>
+              <a:buClrTx/>
+              <a:buSzTx/>
+              <a:buFontTx/>
+              <a:buNone/>
+              <a:tabLst/>
+              <a:defRPr/>
+            </a:pPr>
+            <a:endParaRPr lang="ko-KR" altLang="en-US" dirty="0"/>
+          </a:p>
+        </p:txBody>
+      </p:sp>
+      <p:sp>
+        <p:nvSpPr>
+          <p:cNvPr id="4" name="슬라이드 번호 개체 틀 3"/>
+          <p:cNvSpPr>
+            <a:spLocks noGrp="1"/>
+          </p:cNvSpPr>
+          <p:nvPr>
+            <p:ph type="sldNum" sz="quarter" idx="10"/>
+          </p:nvPr>
+        </p:nvSpPr>
+        <p:spPr/>
+        <p:txBody>
+          <a:bodyPr/>
+          <a:lstStyle/>
+          <a:p>
+            <a:fld id="{A6D625BF-EF7C-4F5D-B58E-C92BFFBBF146}" type="slidenum">
+              <a:rPr lang="ko-KR" altLang="en-US" smtClean="0"/>
+              <a:t>40</a:t>
+            </a:fld>
+            <a:endParaRPr lang="ko-KR" altLang="en-US"/>
+          </a:p>
+        </p:txBody>
+      </p:sp>
+    </p:spTree>
+    <p:extLst>
+      <p:ext uri="{BB962C8B-B14F-4D97-AF65-F5344CB8AC3E}">
+        <p14:creationId xmlns:p14="http://schemas.microsoft.com/office/powerpoint/2010/main" val="708302137"/>
       </p:ext>
     </p:extLst>
   </p:cSld>
@@ -3514,6 +4127,107 @@
     <p:extLst>
       <p:ext uri="{BB962C8B-B14F-4D97-AF65-F5344CB8AC3E}">
         <p14:creationId xmlns:p14="http://schemas.microsoft.com/office/powerpoint/2010/main" val="4048756124"/>
+      </p:ext>
+    </p:extLst>
+  </p:cSld>
+  <p:clrMapOvr>
+    <a:masterClrMapping/>
+  </p:clrMapOvr>
+</p:notes>
+</file>
+
+<file path=ppt/notesSlides/notesSlide40.xml><?xml version="1.0" encoding="utf-8"?>
+<p:notes xmlns:a="http://schemas.openxmlformats.org/drawingml/2006/main" xmlns:r="http://schemas.openxmlformats.org/officeDocument/2006/relationships" xmlns:p="http://schemas.openxmlformats.org/presentationml/2006/main">
+  <p:cSld>
+    <p:spTree>
+      <p:nvGrpSpPr>
+        <p:cNvPr id="1" name=""/>
+        <p:cNvGrpSpPr/>
+        <p:nvPr/>
+      </p:nvGrpSpPr>
+      <p:grpSpPr>
+        <a:xfrm>
+          <a:off x="0" y="0"/>
+          <a:ext cx="0" cy="0"/>
+          <a:chOff x="0" y="0"/>
+          <a:chExt cx="0" cy="0"/>
+        </a:xfrm>
+      </p:grpSpPr>
+      <p:sp>
+        <p:nvSpPr>
+          <p:cNvPr id="2" name="슬라이드 이미지 개체 틀 1"/>
+          <p:cNvSpPr>
+            <a:spLocks noGrp="1" noRot="1" noChangeAspect="1"/>
+          </p:cNvSpPr>
+          <p:nvPr>
+            <p:ph type="sldImg"/>
+          </p:nvPr>
+        </p:nvSpPr>
+        <p:spPr/>
+      </p:sp>
+      <p:sp>
+        <p:nvSpPr>
+          <p:cNvPr id="3" name="슬라이드 노트 개체 틀 2"/>
+          <p:cNvSpPr>
+            <a:spLocks noGrp="1"/>
+          </p:cNvSpPr>
+          <p:nvPr>
+            <p:ph type="body" idx="1"/>
+          </p:nvPr>
+        </p:nvSpPr>
+        <p:spPr/>
+        <p:txBody>
+          <a:bodyPr/>
+          <a:lstStyle/>
+          <a:p>
+            <a:pPr marL="0" marR="0" indent="0" algn="l" defTabSz="914400" rtl="0" eaLnBrk="1" fontAlgn="auto" latinLnBrk="1" hangingPunct="1">
+              <a:lnSpc>
+                <a:spcPct val="100000"/>
+              </a:lnSpc>
+              <a:spcBef>
+                <a:spcPts val="0"/>
+              </a:spcBef>
+              <a:spcAft>
+                <a:spcPts val="0"/>
+              </a:spcAft>
+              <a:buClrTx/>
+              <a:buSzTx/>
+              <a:buFontTx/>
+              <a:buNone/>
+              <a:tabLst/>
+              <a:defRPr/>
+            </a:pPr>
+            <a:endParaRPr lang="ko-KR" altLang="en-US" dirty="0"/>
+          </a:p>
+        </p:txBody>
+      </p:sp>
+      <p:sp>
+        <p:nvSpPr>
+          <p:cNvPr id="4" name="슬라이드 번호 개체 틀 3"/>
+          <p:cNvSpPr>
+            <a:spLocks noGrp="1"/>
+          </p:cNvSpPr>
+          <p:nvPr>
+            <p:ph type="sldNum" sz="quarter" idx="10"/>
+          </p:nvPr>
+        </p:nvSpPr>
+        <p:spPr/>
+        <p:txBody>
+          <a:bodyPr/>
+          <a:lstStyle/>
+          <a:p>
+            <a:fld id="{A6D625BF-EF7C-4F5D-B58E-C92BFFBBF146}" type="slidenum">
+              <a:rPr lang="ko-KR" altLang="en-US" smtClean="0"/>
+              <a:t>41</a:t>
+            </a:fld>
+            <a:endParaRPr lang="ko-KR" altLang="en-US"/>
+          </a:p>
+        </p:txBody>
+      </p:sp>
+    </p:spTree>
+    <p:extLst>
+      <p:ext uri="{BB962C8B-B14F-4D97-AF65-F5344CB8AC3E}">
+        <p14:creationId xmlns:p14="http://schemas.microsoft.com/office/powerpoint/2010/main" val="3014057472"/>
       </p:ext>
     </p:extLst>
   </p:cSld>
@@ -4159,7 +4873,7 @@
           <a:p>
             <a:fld id="{D9D21D2B-B161-4A2C-A0F2-324F8DD03E7E}" type="datetimeFigureOut">
               <a:rPr lang="ko-KR" altLang="en-US" smtClean="0"/>
-              <a:t>2020-08-21</a:t>
+              <a:t>2020-08-24</a:t>
             </a:fld>
             <a:endParaRPr lang="ko-KR" altLang="en-US"/>
           </a:p>
@@ -4366,7 +5080,7 @@
           <a:p>
             <a:fld id="{D9D21D2B-B161-4A2C-A0F2-324F8DD03E7E}" type="datetimeFigureOut">
               <a:rPr lang="ko-KR" altLang="en-US" smtClean="0"/>
-              <a:t>2020-08-21</a:t>
+              <a:t>2020-08-24</a:t>
             </a:fld>
             <a:endParaRPr lang="ko-KR" altLang="en-US"/>
           </a:p>
@@ -4546,7 +5260,7 @@
           <a:p>
             <a:fld id="{D9D21D2B-B161-4A2C-A0F2-324F8DD03E7E}" type="datetimeFigureOut">
               <a:rPr lang="ko-KR" altLang="en-US" smtClean="0"/>
-              <a:t>2020-08-21</a:t>
+              <a:t>2020-08-24</a:t>
             </a:fld>
             <a:endParaRPr lang="ko-KR" altLang="en-US"/>
           </a:p>
@@ -4716,7 +5430,7 @@
           <a:p>
             <a:fld id="{D9D21D2B-B161-4A2C-A0F2-324F8DD03E7E}" type="datetimeFigureOut">
               <a:rPr lang="ko-KR" altLang="en-US" smtClean="0"/>
-              <a:t>2020-08-21</a:t>
+              <a:t>2020-08-24</a:t>
             </a:fld>
             <a:endParaRPr lang="ko-KR" altLang="en-US"/>
           </a:p>
@@ -4969,7 +5683,7 @@
           <a:p>
             <a:fld id="{D9D21D2B-B161-4A2C-A0F2-324F8DD03E7E}" type="datetimeFigureOut">
               <a:rPr lang="ko-KR" altLang="en-US" smtClean="0"/>
-              <a:t>2020-08-21</a:t>
+              <a:t>2020-08-24</a:t>
             </a:fld>
             <a:endParaRPr lang="ko-KR" altLang="en-US"/>
           </a:p>
@@ -5208,7 +5922,7 @@
           <a:p>
             <a:fld id="{D9D21D2B-B161-4A2C-A0F2-324F8DD03E7E}" type="datetimeFigureOut">
               <a:rPr lang="ko-KR" altLang="en-US" smtClean="0"/>
-              <a:t>2020-08-21</a:t>
+              <a:t>2020-08-24</a:t>
             </a:fld>
             <a:endParaRPr lang="ko-KR" altLang="en-US"/>
           </a:p>
@@ -5582,7 +6296,7 @@
           <a:p>
             <a:fld id="{D9D21D2B-B161-4A2C-A0F2-324F8DD03E7E}" type="datetimeFigureOut">
               <a:rPr lang="ko-KR" altLang="en-US" smtClean="0"/>
-              <a:t>2020-08-21</a:t>
+              <a:t>2020-08-24</a:t>
             </a:fld>
             <a:endParaRPr lang="ko-KR" altLang="en-US"/>
           </a:p>
@@ -5700,7 +6414,7 @@
           <a:p>
             <a:fld id="{D9D21D2B-B161-4A2C-A0F2-324F8DD03E7E}" type="datetimeFigureOut">
               <a:rPr lang="ko-KR" altLang="en-US" smtClean="0"/>
-              <a:t>2020-08-21</a:t>
+              <a:t>2020-08-24</a:t>
             </a:fld>
             <a:endParaRPr lang="ko-KR" altLang="en-US"/>
           </a:p>
@@ -5795,7 +6509,7 @@
           <a:p>
             <a:fld id="{D9D21D2B-B161-4A2C-A0F2-324F8DD03E7E}" type="datetimeFigureOut">
               <a:rPr lang="ko-KR" altLang="en-US" smtClean="0"/>
-              <a:t>2020-08-21</a:t>
+              <a:t>2020-08-24</a:t>
             </a:fld>
             <a:endParaRPr lang="ko-KR" altLang="en-US"/>
           </a:p>
@@ -6072,7 +6786,7 @@
           <a:p>
             <a:fld id="{D9D21D2B-B161-4A2C-A0F2-324F8DD03E7E}" type="datetimeFigureOut">
               <a:rPr lang="ko-KR" altLang="en-US" smtClean="0"/>
-              <a:t>2020-08-21</a:t>
+              <a:t>2020-08-24</a:t>
             </a:fld>
             <a:endParaRPr lang="ko-KR" altLang="en-US"/>
           </a:p>
@@ -6329,7 +7043,7 @@
           <a:p>
             <a:fld id="{D9D21D2B-B161-4A2C-A0F2-324F8DD03E7E}" type="datetimeFigureOut">
               <a:rPr lang="ko-KR" altLang="en-US" smtClean="0"/>
-              <a:t>2020-08-21</a:t>
+              <a:t>2020-08-24</a:t>
             </a:fld>
             <a:endParaRPr lang="ko-KR" altLang="en-US"/>
           </a:p>
@@ -6545,7 +7259,7 @@
           <a:p>
             <a:fld id="{D9D21D2B-B161-4A2C-A0F2-324F8DD03E7E}" type="datetimeFigureOut">
               <a:rPr lang="ko-KR" altLang="en-US" smtClean="0"/>
-              <a:t>2020-08-21</a:t>
+              <a:t>2020-08-24</a:t>
             </a:fld>
             <a:endParaRPr lang="ko-KR" altLang="en-US"/>
           </a:p>
@@ -7155,21 +7869,7 @@
                 <a:latin typeface="+mn-ea"/>
                 <a:cs typeface="맑은 고딕 Semilight" panose="020B0502040204020203" pitchFamily="50" charset="-127"/>
               </a:rPr>
-              <a:t>의 </a:t>
-            </a:r>
-            <a:r>
-              <a:rPr lang="ko-KR" altLang="en-US" sz="2000" smtClean="0">
-                <a:ln>
-                  <a:solidFill>
-                    <a:schemeClr val="tx1">
-                      <a:alpha val="29000"/>
-                    </a:schemeClr>
-                  </a:solidFill>
-                </a:ln>
-                <a:latin typeface="+mn-ea"/>
-                <a:cs typeface="맑은 고딕 Semilight" panose="020B0502040204020203" pitchFamily="50" charset="-127"/>
-              </a:rPr>
-              <a:t>제어문</a:t>
+              <a:t>의 제어문</a:t>
             </a:r>
             <a:endParaRPr lang="en-US" altLang="ko-KR" sz="2000" dirty="0" smtClean="0">
               <a:ln>
@@ -7494,21 +8194,7 @@
                 <a:latin typeface="+mn-ea"/>
                 <a:cs typeface="맑은 고딕 Semilight" panose="020B0502040204020203" pitchFamily="50" charset="-127"/>
               </a:rPr>
-              <a:t>의 </a:t>
-            </a:r>
-            <a:r>
-              <a:rPr lang="ko-KR" altLang="en-US" sz="2000" smtClean="0">
-                <a:ln>
-                  <a:solidFill>
-                    <a:schemeClr val="tx1">
-                      <a:alpha val="29000"/>
-                    </a:schemeClr>
-                  </a:solidFill>
-                </a:ln>
-                <a:latin typeface="+mn-ea"/>
-                <a:cs typeface="맑은 고딕 Semilight" panose="020B0502040204020203" pitchFamily="50" charset="-127"/>
-              </a:rPr>
-              <a:t>제어문</a:t>
+              <a:t>의 제어문</a:t>
             </a:r>
             <a:endParaRPr lang="en-US" altLang="ko-KR" sz="2000" dirty="0">
               <a:ln>
@@ -7769,21 +8455,7 @@
                 <a:latin typeface="+mn-ea"/>
                 <a:cs typeface="맑은 고딕 Semilight" panose="020B0502040204020203" pitchFamily="50" charset="-127"/>
               </a:rPr>
-              <a:t>의 </a:t>
-            </a:r>
-            <a:r>
-              <a:rPr lang="ko-KR" altLang="en-US" sz="2000" smtClean="0">
-                <a:ln>
-                  <a:solidFill>
-                    <a:schemeClr val="tx1">
-                      <a:alpha val="29000"/>
-                    </a:schemeClr>
-                  </a:solidFill>
-                </a:ln>
-                <a:latin typeface="+mn-ea"/>
-                <a:cs typeface="맑은 고딕 Semilight" panose="020B0502040204020203" pitchFamily="50" charset="-127"/>
-              </a:rPr>
-              <a:t>제어문</a:t>
+              <a:t>의 제어문</a:t>
             </a:r>
             <a:endParaRPr lang="en-US" altLang="ko-KR" sz="2000" dirty="0">
               <a:ln>
@@ -8086,21 +8758,7 @@
                 <a:latin typeface="+mn-ea"/>
                 <a:cs typeface="맑은 고딕 Semilight" panose="020B0502040204020203" pitchFamily="50" charset="-127"/>
               </a:rPr>
-              <a:t>의 </a:t>
-            </a:r>
-            <a:r>
-              <a:rPr lang="ko-KR" altLang="en-US" sz="2000" smtClean="0">
-                <a:ln>
-                  <a:solidFill>
-                    <a:schemeClr val="tx1">
-                      <a:alpha val="29000"/>
-                    </a:schemeClr>
-                  </a:solidFill>
-                </a:ln>
-                <a:latin typeface="+mn-ea"/>
-                <a:cs typeface="맑은 고딕 Semilight" panose="020B0502040204020203" pitchFamily="50" charset="-127"/>
-              </a:rPr>
-              <a:t>제어문</a:t>
+              <a:t>의 제어문</a:t>
             </a:r>
             <a:endParaRPr lang="en-US" altLang="ko-KR" sz="2000" dirty="0">
               <a:ln>
@@ -8599,21 +9257,7 @@
                 <a:latin typeface="+mn-ea"/>
                 <a:cs typeface="맑은 고딕 Semilight" panose="020B0502040204020203" pitchFamily="50" charset="-127"/>
               </a:rPr>
-              <a:t>의 </a:t>
-            </a:r>
-            <a:r>
-              <a:rPr lang="ko-KR" altLang="en-US" sz="2000" smtClean="0">
-                <a:ln>
-                  <a:solidFill>
-                    <a:schemeClr val="tx1">
-                      <a:alpha val="29000"/>
-                    </a:schemeClr>
-                  </a:solidFill>
-                </a:ln>
-                <a:latin typeface="+mn-ea"/>
-                <a:cs typeface="맑은 고딕 Semilight" panose="020B0502040204020203" pitchFamily="50" charset="-127"/>
-              </a:rPr>
-              <a:t>제어문</a:t>
+              <a:t>의 제어문</a:t>
             </a:r>
             <a:endParaRPr lang="en-US" altLang="ko-KR" sz="2000" dirty="0">
               <a:ln>
@@ -9359,21 +10003,7 @@
                 <a:latin typeface="+mn-ea"/>
                 <a:cs typeface="맑은 고딕 Semilight" panose="020B0502040204020203" pitchFamily="50" charset="-127"/>
               </a:rPr>
-              <a:t>의 </a:t>
-            </a:r>
-            <a:r>
-              <a:rPr lang="ko-KR" altLang="en-US" sz="2000" smtClean="0">
-                <a:ln>
-                  <a:solidFill>
-                    <a:schemeClr val="tx1">
-                      <a:alpha val="29000"/>
-                    </a:schemeClr>
-                  </a:solidFill>
-                </a:ln>
-                <a:latin typeface="+mn-ea"/>
-                <a:cs typeface="맑은 고딕 Semilight" panose="020B0502040204020203" pitchFamily="50" charset="-127"/>
-              </a:rPr>
-              <a:t>제어문</a:t>
+              <a:t>의 제어문</a:t>
             </a:r>
             <a:endParaRPr lang="en-US" altLang="ko-KR" sz="2000" dirty="0">
               <a:ln>
@@ -9646,21 +10276,7 @@
                 <a:latin typeface="+mn-ea"/>
                 <a:cs typeface="맑은 고딕 Semilight" panose="020B0502040204020203" pitchFamily="50" charset="-127"/>
               </a:rPr>
-              <a:t>의 </a:t>
-            </a:r>
-            <a:r>
-              <a:rPr lang="ko-KR" altLang="en-US" sz="2000" smtClean="0">
-                <a:ln>
-                  <a:solidFill>
-                    <a:schemeClr val="tx1">
-                      <a:alpha val="29000"/>
-                    </a:schemeClr>
-                  </a:solidFill>
-                </a:ln>
-                <a:latin typeface="+mn-ea"/>
-                <a:cs typeface="맑은 고딕 Semilight" panose="020B0502040204020203" pitchFamily="50" charset="-127"/>
-              </a:rPr>
-              <a:t>제어문</a:t>
+              <a:t>의 제어문</a:t>
             </a:r>
             <a:endParaRPr lang="en-US" altLang="ko-KR" sz="2000" dirty="0">
               <a:ln>
@@ -9933,21 +10549,7 @@
                 <a:latin typeface="+mn-ea"/>
                 <a:cs typeface="맑은 고딕 Semilight" panose="020B0502040204020203" pitchFamily="50" charset="-127"/>
               </a:rPr>
-              <a:t>의 </a:t>
-            </a:r>
-            <a:r>
-              <a:rPr lang="ko-KR" altLang="en-US" sz="2000" smtClean="0">
-                <a:ln>
-                  <a:solidFill>
-                    <a:schemeClr val="tx1">
-                      <a:alpha val="29000"/>
-                    </a:schemeClr>
-                  </a:solidFill>
-                </a:ln>
-                <a:latin typeface="+mn-ea"/>
-                <a:cs typeface="맑은 고딕 Semilight" panose="020B0502040204020203" pitchFamily="50" charset="-127"/>
-              </a:rPr>
-              <a:t>제어문</a:t>
+              <a:t>의 제어문</a:t>
             </a:r>
             <a:endParaRPr lang="en-US" altLang="ko-KR" sz="2000" dirty="0">
               <a:ln>
@@ -10220,21 +10822,7 @@
                 <a:latin typeface="+mn-ea"/>
                 <a:cs typeface="맑은 고딕 Semilight" panose="020B0502040204020203" pitchFamily="50" charset="-127"/>
               </a:rPr>
-              <a:t>의 </a:t>
-            </a:r>
-            <a:r>
-              <a:rPr lang="ko-KR" altLang="en-US" sz="2000" smtClean="0">
-                <a:ln>
-                  <a:solidFill>
-                    <a:schemeClr val="tx1">
-                      <a:alpha val="29000"/>
-                    </a:schemeClr>
-                  </a:solidFill>
-                </a:ln>
-                <a:latin typeface="+mn-ea"/>
-                <a:cs typeface="맑은 고딕 Semilight" panose="020B0502040204020203" pitchFamily="50" charset="-127"/>
-              </a:rPr>
-              <a:t>제어문</a:t>
+              <a:t>의 제어문</a:t>
             </a:r>
             <a:endParaRPr lang="en-US" altLang="ko-KR" sz="2000" dirty="0">
               <a:ln>
@@ -10344,22 +10932,7 @@
                 <a:cs typeface="맑은 고딕 Semilight" panose="020B0502040204020203" pitchFamily="50" charset="-127"/>
                 <a:sym typeface="Wingdings" panose="05000000000000000000" pitchFamily="2" charset="2"/>
               </a:rPr>
-              <a:t>(</a:t>
-            </a:r>
-            <a:r>
-              <a:rPr lang="en-US" altLang="ko-KR" sz="1800">
-                <a:ln>
-                  <a:solidFill>
-                    <a:schemeClr val="tx1">
-                      <a:alpha val="29000"/>
-                    </a:schemeClr>
-                  </a:solidFill>
-                </a:ln>
-                <a:latin typeface="+mn-ea"/>
-                <a:cs typeface="맑은 고딕 Semilight" panose="020B0502040204020203" pitchFamily="50" charset="-127"/>
-                <a:sym typeface="Wingdings" panose="05000000000000000000" pitchFamily="2" charset="2"/>
-              </a:rPr>
-              <a:t>iteration </a:t>
+              <a:t>(iteration </a:t>
             </a:r>
             <a:r>
               <a:rPr lang="en-US" altLang="ko-KR" sz="1800" smtClean="0">
@@ -10428,21 +11001,7 @@
                 <a:latin typeface="+mn-ea"/>
                 <a:cs typeface="맑은 고딕 Semilight" panose="020B0502040204020203" pitchFamily="50" charset="-127"/>
               </a:rPr>
-              <a:t>반복문이란 프로그램 내에서 똑같은 명령을 일정 횟수만큼 반복하여 수행하도록 </a:t>
-            </a:r>
-            <a:r>
-              <a:rPr lang="ko-KR" altLang="en-US" sz="1400">
-                <a:ln>
-                  <a:solidFill>
-                    <a:schemeClr val="tx1">
-                      <a:alpha val="29000"/>
-                    </a:schemeClr>
-                  </a:solidFill>
-                </a:ln>
-                <a:latin typeface="+mn-ea"/>
-                <a:cs typeface="맑은 고딕 Semilight" panose="020B0502040204020203" pitchFamily="50" charset="-127"/>
-              </a:rPr>
-              <a:t>제어하는 </a:t>
+              <a:t>반복문이란 프로그램 내에서 똑같은 명령을 일정 횟수만큼 반복하여 수행하도록 제어하는 </a:t>
             </a:r>
             <a:r>
               <a:rPr lang="ko-KR" altLang="en-US" sz="1400" smtClean="0">
@@ -10522,21 +11081,7 @@
                 <a:latin typeface="+mn-ea"/>
                 <a:cs typeface="맑은 고딕 Semilight" panose="020B0502040204020203" pitchFamily="50" charset="-127"/>
               </a:rPr>
-              <a:t>가장 많이 사용되는 실행문 </a:t>
-            </a:r>
-            <a:r>
-              <a:rPr lang="ko-KR" altLang="en-US" sz="1400">
-                <a:ln>
-                  <a:solidFill>
-                    <a:schemeClr val="tx1">
-                      <a:alpha val="29000"/>
-                    </a:schemeClr>
-                  </a:solidFill>
-                </a:ln>
-                <a:latin typeface="+mn-ea"/>
-                <a:cs typeface="맑은 고딕 Semilight" panose="020B0502040204020203" pitchFamily="50" charset="-127"/>
-              </a:rPr>
-              <a:t>중 </a:t>
+              <a:t>가장 많이 사용되는 실행문 중 </a:t>
             </a:r>
             <a:r>
               <a:rPr lang="ko-KR" altLang="en-US" sz="1400" smtClean="0">
@@ -10602,21 +11147,7 @@
                 <a:latin typeface="+mn-ea"/>
                 <a:cs typeface="맑은 고딕 Semilight" panose="020B0502040204020203" pitchFamily="50" charset="-127"/>
               </a:rPr>
-              <a:t>사용할 수 있는 반복문의 </a:t>
-            </a:r>
-            <a:r>
-              <a:rPr lang="ko-KR" altLang="en-US" sz="1400">
-                <a:ln>
-                  <a:solidFill>
-                    <a:schemeClr val="tx1">
-                      <a:alpha val="29000"/>
-                    </a:schemeClr>
-                  </a:solidFill>
-                </a:ln>
-                <a:latin typeface="+mn-ea"/>
-                <a:cs typeface="맑은 고딕 Semilight" panose="020B0502040204020203" pitchFamily="50" charset="-127"/>
-              </a:rPr>
-              <a:t>형태는 </a:t>
+              <a:t>사용할 수 있는 반복문의 형태는 </a:t>
             </a:r>
             <a:r>
               <a:rPr lang="ko-KR" altLang="en-US" sz="1400" smtClean="0">
@@ -10734,21 +11265,7 @@
                 <a:latin typeface="+mn-ea"/>
                 <a:cs typeface="맑은 고딕 Semilight" panose="020B0502040204020203" pitchFamily="50" charset="-127"/>
               </a:rPr>
-              <a:t>/ </a:t>
-            </a:r>
-            <a:r>
-              <a:rPr lang="en-US" altLang="ko-KR" sz="1200">
-                <a:ln>
-                  <a:solidFill>
-                    <a:schemeClr val="tx1">
-                      <a:alpha val="29000"/>
-                    </a:schemeClr>
-                  </a:solidFill>
-                </a:ln>
-                <a:latin typeface="+mn-ea"/>
-                <a:cs typeface="맑은 고딕 Semilight" panose="020B0502040204020203" pitchFamily="50" charset="-127"/>
-              </a:rPr>
-              <a:t>while </a:t>
+              <a:t>/ while </a:t>
             </a:r>
             <a:r>
               <a:rPr lang="ko-KR" altLang="en-US" sz="1200" smtClean="0">
@@ -10866,21 +11383,7 @@
                 <a:latin typeface="+mn-ea"/>
                 <a:cs typeface="맑은 고딕 Semilight" panose="020B0502040204020203" pitchFamily="50" charset="-127"/>
               </a:rPr>
-              <a:t>/ </a:t>
-            </a:r>
-            <a:r>
-              <a:rPr lang="en-US" altLang="ko-KR" sz="1200">
-                <a:ln>
-                  <a:solidFill>
-                    <a:schemeClr val="tx1">
-                      <a:alpha val="29000"/>
-                    </a:schemeClr>
-                  </a:solidFill>
-                </a:ln>
-                <a:latin typeface="+mn-ea"/>
-                <a:cs typeface="맑은 고딕 Semilight" panose="020B0502040204020203" pitchFamily="50" charset="-127"/>
-              </a:rPr>
-              <a:t>in </a:t>
+              <a:t>/ in </a:t>
             </a:r>
             <a:r>
               <a:rPr lang="ko-KR" altLang="en-US" sz="1200" smtClean="0">
@@ -11060,21 +11563,7 @@
                 <a:latin typeface="+mn-ea"/>
                 <a:cs typeface="맑은 고딕 Semilight" panose="020B0502040204020203" pitchFamily="50" charset="-127"/>
               </a:rPr>
-              <a:t>의 </a:t>
-            </a:r>
-            <a:r>
-              <a:rPr lang="ko-KR" altLang="en-US" sz="2000" smtClean="0">
-                <a:ln>
-                  <a:solidFill>
-                    <a:schemeClr val="tx1">
-                      <a:alpha val="29000"/>
-                    </a:schemeClr>
-                  </a:solidFill>
-                </a:ln>
-                <a:latin typeface="+mn-ea"/>
-                <a:cs typeface="맑은 고딕 Semilight" panose="020B0502040204020203" pitchFamily="50" charset="-127"/>
-              </a:rPr>
-              <a:t>제어문</a:t>
+              <a:t>의 제어문</a:t>
             </a:r>
             <a:endParaRPr lang="en-US" altLang="ko-KR" sz="2000" dirty="0">
               <a:ln>
@@ -11184,22 +11673,7 @@
                 <a:cs typeface="맑은 고딕 Semilight" panose="020B0502040204020203" pitchFamily="50" charset="-127"/>
                 <a:sym typeface="Wingdings" panose="05000000000000000000" pitchFamily="2" charset="2"/>
               </a:rPr>
-              <a:t>문</a:t>
-            </a:r>
-            <a:r>
-              <a:rPr lang="ko-KR" altLang="en-US" sz="1800" smtClean="0">
-                <a:ln>
-                  <a:solidFill>
-                    <a:schemeClr val="tx1">
-                      <a:alpha val="29000"/>
-                    </a:schemeClr>
-                  </a:solidFill>
-                </a:ln>
-                <a:latin typeface="+mn-ea"/>
-                <a:cs typeface="맑은 고딕 Semilight" panose="020B0502040204020203" pitchFamily="50" charset="-127"/>
-                <a:sym typeface="Wingdings" panose="05000000000000000000" pitchFamily="2" charset="2"/>
-              </a:rPr>
-              <a:t> </a:t>
+              <a:t>문 </a:t>
             </a:r>
             <a:endParaRPr lang="ko-KR" altLang="en-US" sz="1800">
               <a:ln>
@@ -11252,21 +11726,7 @@
                 <a:latin typeface="+mn-ea"/>
                 <a:cs typeface="맑은 고딕 Semilight" panose="020B0502040204020203" pitchFamily="50" charset="-127"/>
               </a:rPr>
-              <a:t>문은 특정 조건을 만족할 때까지 계속해서 주어진 실행문을 </a:t>
-            </a:r>
-            <a:r>
-              <a:rPr lang="ko-KR" altLang="en-US" sz="1400">
-                <a:ln>
-                  <a:solidFill>
-                    <a:schemeClr val="tx1">
-                      <a:alpha val="29000"/>
-                    </a:schemeClr>
-                  </a:solidFill>
-                </a:ln>
-                <a:latin typeface="+mn-ea"/>
-                <a:cs typeface="맑은 고딕 Semilight" panose="020B0502040204020203" pitchFamily="50" charset="-127"/>
-              </a:rPr>
-              <a:t>반복 </a:t>
+              <a:t>문은 특정 조건을 만족할 때까지 계속해서 주어진 실행문을 반복 </a:t>
             </a:r>
             <a:r>
               <a:rPr lang="ko-KR" altLang="en-US" sz="1400" smtClean="0">
@@ -11332,21 +11792,7 @@
                 <a:latin typeface="+mn-ea"/>
                 <a:cs typeface="맑은 고딕 Semilight" panose="020B0502040204020203" pitchFamily="50" charset="-127"/>
               </a:rPr>
-              <a:t>문을 순서도로 표현하면 다음 </a:t>
-            </a:r>
-            <a:r>
-              <a:rPr lang="ko-KR" altLang="en-US" sz="1400">
-                <a:ln>
-                  <a:solidFill>
-                    <a:schemeClr val="tx1">
-                      <a:alpha val="29000"/>
-                    </a:schemeClr>
-                  </a:solidFill>
-                </a:ln>
-                <a:latin typeface="+mn-ea"/>
-                <a:cs typeface="맑은 고딕 Semilight" panose="020B0502040204020203" pitchFamily="50" charset="-127"/>
-              </a:rPr>
-              <a:t>그림과 </a:t>
+              <a:t>문을 순서도로 표현하면 다음 그림과 </a:t>
             </a:r>
             <a:r>
               <a:rPr lang="ko-KR" altLang="en-US" sz="1400" smtClean="0">
@@ -11460,21 +11906,7 @@
                 <a:latin typeface="+mn-ea"/>
                 <a:cs typeface="맑은 고딕 Semilight" panose="020B0502040204020203" pitchFamily="50" charset="-127"/>
               </a:rPr>
-              <a:t>의 </a:t>
-            </a:r>
-            <a:r>
-              <a:rPr lang="ko-KR" altLang="en-US" sz="2000" smtClean="0">
-                <a:ln>
-                  <a:solidFill>
-                    <a:schemeClr val="tx1">
-                      <a:alpha val="29000"/>
-                    </a:schemeClr>
-                  </a:solidFill>
-                </a:ln>
-                <a:latin typeface="+mn-ea"/>
-                <a:cs typeface="맑은 고딕 Semilight" panose="020B0502040204020203" pitchFamily="50" charset="-127"/>
-              </a:rPr>
-              <a:t>제어문</a:t>
+              <a:t>의 제어문</a:t>
             </a:r>
             <a:endParaRPr lang="en-US" altLang="ko-KR" sz="2000" dirty="0">
               <a:ln>
@@ -11635,21 +12067,7 @@
                 <a:latin typeface="+mn-ea"/>
                 <a:cs typeface="맑은 고딕 Semilight" panose="020B0502040204020203" pitchFamily="50" charset="-127"/>
               </a:rPr>
-              <a:t>의 </a:t>
-            </a:r>
-            <a:r>
-              <a:rPr lang="ko-KR" altLang="en-US" sz="2000" smtClean="0">
-                <a:ln>
-                  <a:solidFill>
-                    <a:schemeClr val="tx1">
-                      <a:alpha val="29000"/>
-                    </a:schemeClr>
-                  </a:solidFill>
-                </a:ln>
-                <a:latin typeface="+mn-ea"/>
-                <a:cs typeface="맑은 고딕 Semilight" panose="020B0502040204020203" pitchFamily="50" charset="-127"/>
-              </a:rPr>
-              <a:t>제어문</a:t>
+              <a:t>의 제어문</a:t>
             </a:r>
             <a:endParaRPr lang="en-US" altLang="ko-KR" sz="2000" dirty="0">
               <a:ln>
@@ -12392,22 +12810,7 @@
                 <a:cs typeface="맑은 고딕 Semilight" panose="020B0502040204020203" pitchFamily="50" charset="-127"/>
                 <a:sym typeface="Wingdings" panose="05000000000000000000" pitchFamily="2" charset="2"/>
               </a:rPr>
-              <a:t>문</a:t>
-            </a:r>
-            <a:r>
-              <a:rPr lang="ko-KR" altLang="en-US" sz="1800" smtClean="0">
-                <a:ln>
-                  <a:solidFill>
-                    <a:schemeClr val="tx1">
-                      <a:alpha val="29000"/>
-                    </a:schemeClr>
-                  </a:solidFill>
-                </a:ln>
-                <a:latin typeface="+mn-ea"/>
-                <a:cs typeface="맑은 고딕 Semilight" panose="020B0502040204020203" pitchFamily="50" charset="-127"/>
-                <a:sym typeface="Wingdings" panose="05000000000000000000" pitchFamily="2" charset="2"/>
-              </a:rPr>
-              <a:t> </a:t>
+              <a:t>문 </a:t>
             </a:r>
             <a:endParaRPr lang="ko-KR" altLang="en-US" sz="1800">
               <a:ln>
@@ -12560,21 +12963,7 @@
                 <a:latin typeface="+mn-ea"/>
                 <a:cs typeface="맑은 고딕 Semilight" panose="020B0502040204020203" pitchFamily="50" charset="-127"/>
               </a:rPr>
-              <a:t>의 </a:t>
-            </a:r>
-            <a:r>
-              <a:rPr lang="ko-KR" altLang="en-US" sz="2000" smtClean="0">
-                <a:ln>
-                  <a:solidFill>
-                    <a:schemeClr val="tx1">
-                      <a:alpha val="29000"/>
-                    </a:schemeClr>
-                  </a:solidFill>
-                </a:ln>
-                <a:latin typeface="+mn-ea"/>
-                <a:cs typeface="맑은 고딕 Semilight" panose="020B0502040204020203" pitchFamily="50" charset="-127"/>
-              </a:rPr>
-              <a:t>제어문</a:t>
+              <a:t>의 제어문</a:t>
             </a:r>
             <a:endParaRPr lang="en-US" altLang="ko-KR" sz="2000" dirty="0">
               <a:ln>
@@ -12708,22 +13097,7 @@
                 <a:cs typeface="맑은 고딕 Semilight" panose="020B0502040204020203" pitchFamily="50" charset="-127"/>
                 <a:sym typeface="Wingdings" panose="05000000000000000000" pitchFamily="2" charset="2"/>
               </a:rPr>
-              <a:t>문</a:t>
-            </a:r>
-            <a:r>
-              <a:rPr lang="ko-KR" altLang="en-US" sz="1800" smtClean="0">
-                <a:ln>
-                  <a:solidFill>
-                    <a:schemeClr val="tx1">
-                      <a:alpha val="29000"/>
-                    </a:schemeClr>
-                  </a:solidFill>
-                </a:ln>
-                <a:latin typeface="+mn-ea"/>
-                <a:cs typeface="맑은 고딕 Semilight" panose="020B0502040204020203" pitchFamily="50" charset="-127"/>
-                <a:sym typeface="Wingdings" panose="05000000000000000000" pitchFamily="2" charset="2"/>
-              </a:rPr>
-              <a:t> </a:t>
+              <a:t>문 </a:t>
             </a:r>
             <a:endParaRPr lang="ko-KR" altLang="en-US" sz="1800">
               <a:ln>
@@ -12804,21 +13178,7 @@
                 <a:latin typeface="+mn-ea"/>
                 <a:cs typeface="맑은 고딕 Semilight" panose="020B0502040204020203" pitchFamily="50" charset="-127"/>
               </a:rPr>
-              <a:t>인지를 판단하여 참이면 내부의 </a:t>
-            </a:r>
-            <a:r>
-              <a:rPr lang="ko-KR" altLang="en-US" sz="1400">
-                <a:ln>
-                  <a:solidFill>
-                    <a:schemeClr val="tx1">
-                      <a:alpha val="29000"/>
-                    </a:schemeClr>
-                  </a:solidFill>
-                </a:ln>
-                <a:latin typeface="+mn-ea"/>
-                <a:cs typeface="맑은 고딕 Semilight" panose="020B0502040204020203" pitchFamily="50" charset="-127"/>
-              </a:rPr>
-              <a:t>실행문을 </a:t>
+              <a:t>인지를 판단하여 참이면 내부의 실행문을 </a:t>
             </a:r>
             <a:r>
               <a:rPr lang="ko-KR" altLang="en-US" sz="1400" smtClean="0">
@@ -12898,21 +13258,7 @@
                 <a:latin typeface="+mn-ea"/>
                 <a:cs typeface="맑은 고딕 Semilight" panose="020B0502040204020203" pitchFamily="50" charset="-127"/>
               </a:rPr>
-              <a:t>다시 표현식으로 돌아와 또 한 번 표현식이 </a:t>
-            </a:r>
-            <a:r>
-              <a:rPr lang="ko-KR" altLang="en-US" sz="1400">
-                <a:ln>
-                  <a:solidFill>
-                    <a:schemeClr val="tx1">
-                      <a:alpha val="29000"/>
-                    </a:schemeClr>
-                  </a:solidFill>
-                </a:ln>
-                <a:latin typeface="+mn-ea"/>
-                <a:cs typeface="맑은 고딕 Semilight" panose="020B0502040204020203" pitchFamily="50" charset="-127"/>
-              </a:rPr>
-              <a:t>참인지를 </a:t>
+              <a:t>다시 표현식으로 돌아와 또 한 번 표현식이 참인지를 </a:t>
             </a:r>
             <a:r>
               <a:rPr lang="ko-KR" altLang="en-US" sz="1400" smtClean="0">
@@ -12978,21 +13324,7 @@
                 <a:latin typeface="+mn-ea"/>
                 <a:cs typeface="맑은 고딕 Semilight" panose="020B0502040204020203" pitchFamily="50" charset="-127"/>
               </a:rPr>
-              <a:t>(</a:t>
-            </a:r>
-            <a:r>
-              <a:rPr lang="en-US" altLang="ko-KR" sz="1400">
-                <a:ln>
-                  <a:solidFill>
-                    <a:schemeClr val="tx1">
-                      <a:alpha val="29000"/>
-                    </a:schemeClr>
-                  </a:solidFill>
-                </a:ln>
-                <a:latin typeface="+mn-ea"/>
-                <a:cs typeface="맑은 고딕 Semilight" panose="020B0502040204020203" pitchFamily="50" charset="-127"/>
-              </a:rPr>
-              <a:t>loop</a:t>
+              <a:t>(loop</a:t>
             </a:r>
             <a:r>
               <a:rPr lang="en-US" altLang="ko-KR" sz="1400" smtClean="0">
@@ -13120,21 +13452,7 @@
                 <a:latin typeface="+mn-ea"/>
                 <a:cs typeface="맑은 고딕 Semilight" panose="020B0502040204020203" pitchFamily="50" charset="-127"/>
               </a:rPr>
-              <a:t>의 </a:t>
-            </a:r>
-            <a:r>
-              <a:rPr lang="ko-KR" altLang="en-US" sz="2000" smtClean="0">
-                <a:ln>
-                  <a:solidFill>
-                    <a:schemeClr val="tx1">
-                      <a:alpha val="29000"/>
-                    </a:schemeClr>
-                  </a:solidFill>
-                </a:ln>
-                <a:latin typeface="+mn-ea"/>
-                <a:cs typeface="맑은 고딕 Semilight" panose="020B0502040204020203" pitchFamily="50" charset="-127"/>
-              </a:rPr>
-              <a:t>제어문</a:t>
+              <a:t>의 제어문</a:t>
             </a:r>
             <a:endParaRPr lang="en-US" altLang="ko-KR" sz="2000" dirty="0">
               <a:ln>
@@ -13268,22 +13586,7 @@
                 <a:cs typeface="맑은 고딕 Semilight" panose="020B0502040204020203" pitchFamily="50" charset="-127"/>
                 <a:sym typeface="Wingdings" panose="05000000000000000000" pitchFamily="2" charset="2"/>
               </a:rPr>
-              <a:t>문</a:t>
-            </a:r>
-            <a:r>
-              <a:rPr lang="ko-KR" altLang="en-US" sz="1800" smtClean="0">
-                <a:ln>
-                  <a:solidFill>
-                    <a:schemeClr val="tx1">
-                      <a:alpha val="29000"/>
-                    </a:schemeClr>
-                  </a:solidFill>
-                </a:ln>
-                <a:latin typeface="+mn-ea"/>
-                <a:cs typeface="맑은 고딕 Semilight" panose="020B0502040204020203" pitchFamily="50" charset="-127"/>
-                <a:sym typeface="Wingdings" panose="05000000000000000000" pitchFamily="2" charset="2"/>
-              </a:rPr>
-              <a:t> </a:t>
+              <a:t>문 </a:t>
             </a:r>
             <a:endParaRPr lang="ko-KR" altLang="en-US" sz="1800">
               <a:ln>
@@ -13336,21 +13639,7 @@
                 <a:latin typeface="+mn-ea"/>
                 <a:cs typeface="맑은 고딕 Semilight" panose="020B0502040204020203" pitchFamily="50" charset="-127"/>
               </a:rPr>
-              <a:t>문 내부에 표현식의 결과를 변경하는 실행문이 존재하지 않을 경우 프로그램은 루프를 </a:t>
-            </a:r>
-            <a:r>
-              <a:rPr lang="ko-KR" altLang="en-US" sz="1400">
-                <a:ln>
-                  <a:solidFill>
-                    <a:schemeClr val="tx1">
-                      <a:alpha val="29000"/>
-                    </a:schemeClr>
-                  </a:solidFill>
-                </a:ln>
-                <a:latin typeface="+mn-ea"/>
-                <a:cs typeface="맑은 고딕 Semilight" panose="020B0502040204020203" pitchFamily="50" charset="-127"/>
-              </a:rPr>
-              <a:t>영원히 </a:t>
+              <a:t>문 내부에 표현식의 결과를 변경하는 실행문이 존재하지 않을 경우 프로그램은 루프를 영원히 </a:t>
             </a:r>
             <a:r>
               <a:rPr lang="ko-KR" altLang="en-US" sz="1400" smtClean="0">
@@ -13458,21 +13747,7 @@
                 <a:latin typeface="+mn-ea"/>
                 <a:cs typeface="맑은 고딕 Semilight" panose="020B0502040204020203" pitchFamily="50" charset="-127"/>
               </a:rPr>
-              <a:t>무한 루프에 빠진 프로그램은 영원히 </a:t>
-            </a:r>
-            <a:r>
-              <a:rPr lang="ko-KR" altLang="en-US" sz="1400">
-                <a:ln>
-                  <a:solidFill>
-                    <a:schemeClr val="tx1">
-                      <a:alpha val="29000"/>
-                    </a:schemeClr>
-                  </a:solidFill>
-                </a:ln>
-                <a:latin typeface="+mn-ea"/>
-                <a:cs typeface="맑은 고딕 Semilight" panose="020B0502040204020203" pitchFamily="50" charset="-127"/>
-              </a:rPr>
-              <a:t>종료되지 </a:t>
+              <a:t>무한 루프에 빠진 프로그램은 영원히 종료되지 </a:t>
             </a:r>
             <a:r>
               <a:rPr lang="en-US" altLang="ko-KR" sz="1400">
@@ -13513,21 +13788,7 @@
                 <a:latin typeface="+mn-ea"/>
                 <a:cs typeface="맑은 고딕 Semilight" panose="020B0502040204020203" pitchFamily="50" charset="-127"/>
               </a:rPr>
-              <a:t>무한 루프는 특별히 의도한 경우가 아니라면 반드시 피해야 </a:t>
-            </a:r>
-            <a:r>
-              <a:rPr lang="ko-KR" altLang="en-US" sz="1400">
-                <a:ln>
-                  <a:solidFill>
-                    <a:schemeClr val="tx1">
-                      <a:alpha val="29000"/>
-                    </a:schemeClr>
-                  </a:solidFill>
-                </a:ln>
-                <a:latin typeface="+mn-ea"/>
-                <a:cs typeface="맑은 고딕 Semilight" panose="020B0502040204020203" pitchFamily="50" charset="-127"/>
-              </a:rPr>
-              <a:t>하는 </a:t>
+              <a:t>무한 루프는 특별히 의도한 경우가 아니라면 반드시 피해야 하는 </a:t>
             </a:r>
             <a:r>
               <a:rPr lang="ko-KR" altLang="en-US" sz="1400" smtClean="0">
@@ -13704,21 +13965,7 @@
                 <a:latin typeface="+mn-ea"/>
                 <a:cs typeface="맑은 고딕 Semilight" panose="020B0502040204020203" pitchFamily="50" charset="-127"/>
               </a:rPr>
-              <a:t>표현식를 변경하는 실행문을 </a:t>
-            </a:r>
-            <a:r>
-              <a:rPr lang="ko-KR" altLang="en-US" sz="1400">
-                <a:ln>
-                  <a:solidFill>
-                    <a:schemeClr val="tx1">
-                      <a:alpha val="29000"/>
-                    </a:schemeClr>
-                  </a:solidFill>
-                </a:ln>
-                <a:latin typeface="+mn-ea"/>
-                <a:cs typeface="맑은 고딕 Semilight" panose="020B0502040204020203" pitchFamily="50" charset="-127"/>
-              </a:rPr>
-              <a:t>반드시 </a:t>
+              <a:t>표현식를 변경하는 실행문을 반드시 </a:t>
             </a:r>
             <a:r>
               <a:rPr lang="ko-KR" altLang="en-US" sz="1400" smtClean="0">
@@ -13832,21 +14079,7 @@
                 <a:latin typeface="+mn-ea"/>
                 <a:cs typeface="맑은 고딕 Semilight" panose="020B0502040204020203" pitchFamily="50" charset="-127"/>
               </a:rPr>
-              <a:t>의 </a:t>
-            </a:r>
-            <a:r>
-              <a:rPr lang="ko-KR" altLang="en-US" sz="2000" smtClean="0">
-                <a:ln>
-                  <a:solidFill>
-                    <a:schemeClr val="tx1">
-                      <a:alpha val="29000"/>
-                    </a:schemeClr>
-                  </a:solidFill>
-                </a:ln>
-                <a:latin typeface="+mn-ea"/>
-                <a:cs typeface="맑은 고딕 Semilight" panose="020B0502040204020203" pitchFamily="50" charset="-127"/>
-              </a:rPr>
-              <a:t>제어문</a:t>
+              <a:t>의 제어문</a:t>
             </a:r>
             <a:endParaRPr lang="en-US" altLang="ko-KR" sz="2000" dirty="0">
               <a:ln>
@@ -13941,10 +14174,10 @@
                 <a:cs typeface="맑은 고딕 Semilight" panose="020B0502040204020203" pitchFamily="50" charset="-127"/>
                 <a:sym typeface="Wingdings" panose="05000000000000000000" pitchFamily="2" charset="2"/>
               </a:rPr>
-              <a:t>do / </a:t>
-            </a:r>
-            <a:r>
-              <a:rPr lang="en-US" altLang="ko-KR" sz="1800">
+              <a:t>do / while </a:t>
+            </a:r>
+            <a:r>
+              <a:rPr lang="ko-KR" altLang="en-US" sz="1800" smtClean="0">
                 <a:ln>
                   <a:solidFill>
                     <a:schemeClr val="tx1">
@@ -13956,37 +14189,7 @@
                 <a:cs typeface="맑은 고딕 Semilight" panose="020B0502040204020203" pitchFamily="50" charset="-127"/>
                 <a:sym typeface="Wingdings" panose="05000000000000000000" pitchFamily="2" charset="2"/>
               </a:rPr>
-              <a:t>while </a:t>
-            </a:r>
-            <a:r>
-              <a:rPr lang="ko-KR" altLang="en-US" sz="1800" smtClean="0">
-                <a:ln>
-                  <a:solidFill>
-                    <a:schemeClr val="tx1">
-                      <a:alpha val="29000"/>
-                    </a:schemeClr>
-                  </a:solidFill>
-                </a:ln>
-                <a:latin typeface="+mn-ea"/>
-                <a:cs typeface="맑은 고딕 Semilight" panose="020B0502040204020203" pitchFamily="50" charset="-127"/>
-                <a:sym typeface="Wingdings" panose="05000000000000000000" pitchFamily="2" charset="2"/>
-              </a:rPr>
-              <a:t>문</a:t>
-            </a:r>
-            <a:r>
-              <a:rPr lang="ko-KR" altLang="en-US" sz="1800" smtClean="0">
-                <a:ln>
-                  <a:solidFill>
-                    <a:schemeClr val="tx1">
-                      <a:alpha val="29000"/>
-                    </a:schemeClr>
-                  </a:solidFill>
-                </a:ln>
-                <a:latin typeface="+mn-ea"/>
-                <a:cs typeface="맑은 고딕 Semilight" panose="020B0502040204020203" pitchFamily="50" charset="-127"/>
-                <a:sym typeface="Wingdings" panose="05000000000000000000" pitchFamily="2" charset="2"/>
-              </a:rPr>
-              <a:t> </a:t>
+              <a:t>문 </a:t>
             </a:r>
             <a:endParaRPr lang="ko-KR" altLang="en-US" sz="1800">
               <a:ln>
@@ -14039,21 +14242,7 @@
                 <a:latin typeface="+mn-ea"/>
                 <a:cs typeface="맑은 고딕 Semilight" panose="020B0502040204020203" pitchFamily="50" charset="-127"/>
               </a:rPr>
-              <a:t>문은 루프에 진입하기 전에 먼저 </a:t>
-            </a:r>
-            <a:r>
-              <a:rPr lang="ko-KR" altLang="en-US" sz="1400">
-                <a:ln>
-                  <a:solidFill>
-                    <a:schemeClr val="tx1">
-                      <a:alpha val="29000"/>
-                    </a:schemeClr>
-                  </a:solidFill>
-                </a:ln>
-                <a:latin typeface="+mn-ea"/>
-                <a:cs typeface="맑은 고딕 Semilight" panose="020B0502040204020203" pitchFamily="50" charset="-127"/>
-              </a:rPr>
-              <a:t>표현식부터 </a:t>
+              <a:t>문은 루프에 진입하기 전에 먼저 표현식부터 </a:t>
             </a:r>
             <a:r>
               <a:rPr lang="ko-KR" altLang="en-US" sz="1400" smtClean="0">
@@ -14133,21 +14322,7 @@
                 <a:latin typeface="+mn-ea"/>
                 <a:cs typeface="맑은 고딕 Semilight" panose="020B0502040204020203" pitchFamily="50" charset="-127"/>
               </a:rPr>
-              <a:t>문은 먼저 루프를 한 번 실행한 후에 </a:t>
-            </a:r>
-            <a:r>
-              <a:rPr lang="ko-KR" altLang="en-US" sz="1400">
-                <a:ln>
-                  <a:solidFill>
-                    <a:schemeClr val="tx1">
-                      <a:alpha val="29000"/>
-                    </a:schemeClr>
-                  </a:solidFill>
-                </a:ln>
-                <a:latin typeface="+mn-ea"/>
-                <a:cs typeface="맑은 고딕 Semilight" panose="020B0502040204020203" pitchFamily="50" charset="-127"/>
-              </a:rPr>
-              <a:t>표현식을 </a:t>
+              <a:t>문은 먼저 루프를 한 번 실행한 후에 표현식을 </a:t>
             </a:r>
             <a:r>
               <a:rPr lang="ko-KR" altLang="en-US" sz="1400" smtClean="0">
@@ -14227,21 +14402,7 @@
                 <a:latin typeface="+mn-ea"/>
                 <a:cs typeface="맑은 고딕 Semilight" panose="020B0502040204020203" pitchFamily="50" charset="-127"/>
               </a:rPr>
-              <a:t>문은 표현식의 결과와 상관없이 무조건 한 번은 </a:t>
-            </a:r>
-            <a:r>
-              <a:rPr lang="ko-KR" altLang="en-US" sz="1400">
-                <a:ln>
-                  <a:solidFill>
-                    <a:schemeClr val="tx1">
-                      <a:alpha val="29000"/>
-                    </a:schemeClr>
-                  </a:solidFill>
-                </a:ln>
-                <a:latin typeface="+mn-ea"/>
-                <a:cs typeface="맑은 고딕 Semilight" panose="020B0502040204020203" pitchFamily="50" charset="-127"/>
-              </a:rPr>
-              <a:t>루프를 </a:t>
+              <a:t>문은 표현식의 결과와 상관없이 무조건 한 번은 루프를 </a:t>
             </a:r>
             <a:r>
               <a:rPr lang="ko-KR" altLang="en-US" sz="1400" smtClean="0">
@@ -14307,21 +14468,7 @@
                 <a:latin typeface="+mn-ea"/>
                 <a:cs typeface="맑은 고딕 Semilight" panose="020B0502040204020203" pitchFamily="50" charset="-127"/>
               </a:rPr>
-              <a:t>문을 순서도로 표현하면 다음 </a:t>
-            </a:r>
-            <a:r>
-              <a:rPr lang="ko-KR" altLang="en-US" sz="1400">
-                <a:ln>
-                  <a:solidFill>
-                    <a:schemeClr val="tx1">
-                      <a:alpha val="29000"/>
-                    </a:schemeClr>
-                  </a:solidFill>
-                </a:ln>
-                <a:latin typeface="+mn-ea"/>
-                <a:cs typeface="맑은 고딕 Semilight" panose="020B0502040204020203" pitchFamily="50" charset="-127"/>
-              </a:rPr>
-              <a:t>그림과 </a:t>
+              <a:t>문을 순서도로 표현하면 다음 그림과 </a:t>
             </a:r>
             <a:r>
               <a:rPr lang="ko-KR" altLang="en-US" sz="1400" smtClean="0">
@@ -14435,21 +14582,7 @@
                 <a:latin typeface="+mn-ea"/>
                 <a:cs typeface="맑은 고딕 Semilight" panose="020B0502040204020203" pitchFamily="50" charset="-127"/>
               </a:rPr>
-              <a:t>의 </a:t>
-            </a:r>
-            <a:r>
-              <a:rPr lang="ko-KR" altLang="en-US" sz="2000" smtClean="0">
-                <a:ln>
-                  <a:solidFill>
-                    <a:schemeClr val="tx1">
-                      <a:alpha val="29000"/>
-                    </a:schemeClr>
-                  </a:solidFill>
-                </a:ln>
-                <a:latin typeface="+mn-ea"/>
-                <a:cs typeface="맑은 고딕 Semilight" panose="020B0502040204020203" pitchFamily="50" charset="-127"/>
-              </a:rPr>
-              <a:t>제어문</a:t>
+              <a:t>의 제어문</a:t>
             </a:r>
             <a:endParaRPr lang="en-US" altLang="ko-KR" sz="2000" dirty="0">
               <a:ln>
@@ -14568,10 +14701,10 @@
                 <a:cs typeface="맑은 고딕 Semilight" panose="020B0502040204020203" pitchFamily="50" charset="-127"/>
                 <a:sym typeface="Wingdings" panose="05000000000000000000" pitchFamily="2" charset="2"/>
               </a:rPr>
-              <a:t>do / </a:t>
-            </a:r>
-            <a:r>
-              <a:rPr lang="en-US" altLang="ko-KR" sz="1800">
+              <a:t>do / while </a:t>
+            </a:r>
+            <a:r>
+              <a:rPr lang="ko-KR" altLang="en-US" sz="1800" smtClean="0">
                 <a:ln>
                   <a:solidFill>
                     <a:schemeClr val="tx1">
@@ -14583,37 +14716,7 @@
                 <a:cs typeface="맑은 고딕 Semilight" panose="020B0502040204020203" pitchFamily="50" charset="-127"/>
                 <a:sym typeface="Wingdings" panose="05000000000000000000" pitchFamily="2" charset="2"/>
               </a:rPr>
-              <a:t>while </a:t>
-            </a:r>
-            <a:r>
-              <a:rPr lang="ko-KR" altLang="en-US" sz="1800" smtClean="0">
-                <a:ln>
-                  <a:solidFill>
-                    <a:schemeClr val="tx1">
-                      <a:alpha val="29000"/>
-                    </a:schemeClr>
-                  </a:solidFill>
-                </a:ln>
-                <a:latin typeface="+mn-ea"/>
-                <a:cs typeface="맑은 고딕 Semilight" panose="020B0502040204020203" pitchFamily="50" charset="-127"/>
-                <a:sym typeface="Wingdings" panose="05000000000000000000" pitchFamily="2" charset="2"/>
-              </a:rPr>
-              <a:t>문</a:t>
-            </a:r>
-            <a:r>
-              <a:rPr lang="ko-KR" altLang="en-US" sz="1800" smtClean="0">
-                <a:ln>
-                  <a:solidFill>
-                    <a:schemeClr val="tx1">
-                      <a:alpha val="29000"/>
-                    </a:schemeClr>
-                  </a:solidFill>
-                </a:ln>
-                <a:latin typeface="+mn-ea"/>
-                <a:cs typeface="맑은 고딕 Semilight" panose="020B0502040204020203" pitchFamily="50" charset="-127"/>
-                <a:sym typeface="Wingdings" panose="05000000000000000000" pitchFamily="2" charset="2"/>
-              </a:rPr>
-              <a:t> </a:t>
+              <a:t>문 </a:t>
             </a:r>
             <a:endParaRPr lang="ko-KR" altLang="en-US" sz="1800">
               <a:ln>
@@ -14666,21 +14769,7 @@
                 <a:latin typeface="+mn-ea"/>
                 <a:cs typeface="맑은 고딕 Semilight" panose="020B0502040204020203" pitchFamily="50" charset="-127"/>
               </a:rPr>
-              <a:t>문의 문법은 </a:t>
-            </a:r>
-            <a:r>
-              <a:rPr lang="ko-KR" altLang="en-US" sz="1400">
-                <a:ln>
-                  <a:solidFill>
-                    <a:schemeClr val="tx1">
-                      <a:alpha val="29000"/>
-                    </a:schemeClr>
-                  </a:solidFill>
-                </a:ln>
-                <a:latin typeface="+mn-ea"/>
-                <a:cs typeface="맑은 고딕 Semilight" panose="020B0502040204020203" pitchFamily="50" charset="-127"/>
-              </a:rPr>
-              <a:t>다음과 </a:t>
+              <a:t>문의 문법은 다음과 </a:t>
             </a:r>
             <a:r>
               <a:rPr lang="ko-KR" altLang="en-US" sz="1400" smtClean="0">
@@ -14794,21 +14883,7 @@
                 <a:latin typeface="+mn-ea"/>
                 <a:cs typeface="맑은 고딕 Semilight" panose="020B0502040204020203" pitchFamily="50" charset="-127"/>
               </a:rPr>
-              <a:t>의 </a:t>
-            </a:r>
-            <a:r>
-              <a:rPr lang="ko-KR" altLang="en-US" sz="2000" smtClean="0">
-                <a:ln>
-                  <a:solidFill>
-                    <a:schemeClr val="tx1">
-                      <a:alpha val="29000"/>
-                    </a:schemeClr>
-                  </a:solidFill>
-                </a:ln>
-                <a:latin typeface="+mn-ea"/>
-                <a:cs typeface="맑은 고딕 Semilight" panose="020B0502040204020203" pitchFamily="50" charset="-127"/>
-              </a:rPr>
-              <a:t>제어문</a:t>
+              <a:t>의 제어문</a:t>
             </a:r>
             <a:endParaRPr lang="en-US" altLang="ko-KR" sz="2000" dirty="0">
               <a:ln>
@@ -14966,22 +15041,7 @@
                 <a:cs typeface="맑은 고딕 Semilight" panose="020B0502040204020203" pitchFamily="50" charset="-127"/>
                 <a:sym typeface="Wingdings" panose="05000000000000000000" pitchFamily="2" charset="2"/>
               </a:rPr>
-              <a:t>문</a:t>
-            </a:r>
-            <a:r>
-              <a:rPr lang="ko-KR" altLang="en-US" sz="1800" smtClean="0">
-                <a:ln>
-                  <a:solidFill>
-                    <a:schemeClr val="tx1">
-                      <a:alpha val="29000"/>
-                    </a:schemeClr>
-                  </a:solidFill>
-                </a:ln>
-                <a:latin typeface="+mn-ea"/>
-                <a:cs typeface="맑은 고딕 Semilight" panose="020B0502040204020203" pitchFamily="50" charset="-127"/>
-                <a:sym typeface="Wingdings" panose="05000000000000000000" pitchFamily="2" charset="2"/>
-              </a:rPr>
-              <a:t> </a:t>
+              <a:t>문 </a:t>
             </a:r>
             <a:endParaRPr lang="ko-KR" altLang="en-US" sz="1800">
               <a:ln>
@@ -15118,21 +15178,7 @@
                 <a:latin typeface="+mn-ea"/>
                 <a:cs typeface="맑은 고딕 Semilight" panose="020B0502040204020203" pitchFamily="50" charset="-127"/>
               </a:rPr>
-              <a:t>증감식을 모두 포함하고 </a:t>
-            </a:r>
-            <a:r>
-              <a:rPr lang="ko-KR" altLang="en-US" sz="1400">
-                <a:ln>
-                  <a:solidFill>
-                    <a:schemeClr val="tx1">
-                      <a:alpha val="29000"/>
-                    </a:schemeClr>
-                  </a:solidFill>
-                </a:ln>
-                <a:latin typeface="+mn-ea"/>
-                <a:cs typeface="맑은 고딕 Semilight" panose="020B0502040204020203" pitchFamily="50" charset="-127"/>
-              </a:rPr>
-              <a:t>있는 </a:t>
+              <a:t>증감식을 모두 포함하고 있는 </a:t>
             </a:r>
             <a:r>
               <a:rPr lang="ko-KR" altLang="en-US" sz="1400" smtClean="0">
@@ -15212,21 +15258,7 @@
                 <a:latin typeface="+mn-ea"/>
                 <a:cs typeface="맑은 고딕 Semilight" panose="020B0502040204020203" pitchFamily="50" charset="-127"/>
               </a:rPr>
-              <a:t>문보다는 좀 더 간결하게 반복문을 표현할 </a:t>
-            </a:r>
-            <a:r>
-              <a:rPr lang="ko-KR" altLang="en-US" sz="1400">
-                <a:ln>
-                  <a:solidFill>
-                    <a:schemeClr val="tx1">
-                      <a:alpha val="29000"/>
-                    </a:schemeClr>
-                  </a:solidFill>
-                </a:ln>
-                <a:latin typeface="+mn-ea"/>
-                <a:cs typeface="맑은 고딕 Semilight" panose="020B0502040204020203" pitchFamily="50" charset="-127"/>
-              </a:rPr>
-              <a:t>수 </a:t>
+              <a:t>문보다는 좀 더 간결하게 반복문을 표현할 수 </a:t>
             </a:r>
             <a:r>
               <a:rPr lang="ko-KR" altLang="en-US" sz="1400" smtClean="0">
@@ -15292,21 +15324,7 @@
                 <a:latin typeface="+mn-ea"/>
                 <a:cs typeface="맑은 고딕 Semilight" panose="020B0502040204020203" pitchFamily="50" charset="-127"/>
               </a:rPr>
-              <a:t>문을 순서도로 표현하면 다음 </a:t>
-            </a:r>
-            <a:r>
-              <a:rPr lang="ko-KR" altLang="en-US" sz="1400">
-                <a:ln>
-                  <a:solidFill>
-                    <a:schemeClr val="tx1">
-                      <a:alpha val="29000"/>
-                    </a:schemeClr>
-                  </a:solidFill>
-                </a:ln>
-                <a:latin typeface="+mn-ea"/>
-                <a:cs typeface="맑은 고딕 Semilight" panose="020B0502040204020203" pitchFamily="50" charset="-127"/>
-              </a:rPr>
-              <a:t>그림과 </a:t>
+              <a:t>문을 순서도로 표현하면 다음 그림과 </a:t>
             </a:r>
             <a:r>
               <a:rPr lang="ko-KR" altLang="en-US" sz="1400" smtClean="0">
@@ -15420,21 +15438,7 @@
                 <a:latin typeface="+mn-ea"/>
                 <a:cs typeface="맑은 고딕 Semilight" panose="020B0502040204020203" pitchFamily="50" charset="-127"/>
               </a:rPr>
-              <a:t>의 </a:t>
-            </a:r>
-            <a:r>
-              <a:rPr lang="ko-KR" altLang="en-US" sz="2000" smtClean="0">
-                <a:ln>
-                  <a:solidFill>
-                    <a:schemeClr val="tx1">
-                      <a:alpha val="29000"/>
-                    </a:schemeClr>
-                  </a:solidFill>
-                </a:ln>
-                <a:latin typeface="+mn-ea"/>
-                <a:cs typeface="맑은 고딕 Semilight" panose="020B0502040204020203" pitchFamily="50" charset="-127"/>
-              </a:rPr>
-              <a:t>제어문</a:t>
+              <a:t>의 제어문</a:t>
             </a:r>
             <a:endParaRPr lang="en-US" altLang="ko-KR" sz="2000" dirty="0">
               <a:ln>
@@ -15751,21 +15755,7 @@
                 <a:latin typeface="+mn-ea"/>
                 <a:cs typeface="맑은 고딕 Semilight" panose="020B0502040204020203" pitchFamily="50" charset="-127"/>
               </a:rPr>
-              <a:t>의 </a:t>
-            </a:r>
-            <a:r>
-              <a:rPr lang="ko-KR" altLang="en-US" sz="2000" smtClean="0">
-                <a:ln>
-                  <a:solidFill>
-                    <a:schemeClr val="tx1">
-                      <a:alpha val="29000"/>
-                    </a:schemeClr>
-                  </a:solidFill>
-                </a:ln>
-                <a:latin typeface="+mn-ea"/>
-                <a:cs typeface="맑은 고딕 Semilight" panose="020B0502040204020203" pitchFamily="50" charset="-127"/>
-              </a:rPr>
-              <a:t>제어문</a:t>
+              <a:t>의 제어문</a:t>
             </a:r>
             <a:endParaRPr lang="en-US" altLang="ko-KR" sz="2000" dirty="0">
               <a:ln>
@@ -16026,21 +16016,7 @@
                 <a:latin typeface="+mn-ea"/>
                 <a:cs typeface="맑은 고딕 Semilight" panose="020B0502040204020203" pitchFamily="50" charset="-127"/>
               </a:rPr>
-              <a:t>의 </a:t>
-            </a:r>
-            <a:r>
-              <a:rPr lang="ko-KR" altLang="en-US" sz="2000" smtClean="0">
-                <a:ln>
-                  <a:solidFill>
-                    <a:schemeClr val="tx1">
-                      <a:alpha val="29000"/>
-                    </a:schemeClr>
-                  </a:solidFill>
-                </a:ln>
-                <a:latin typeface="+mn-ea"/>
-                <a:cs typeface="맑은 고딕 Semilight" panose="020B0502040204020203" pitchFamily="50" charset="-127"/>
-              </a:rPr>
-              <a:t>제어문</a:t>
+              <a:t>의 제어문</a:t>
             </a:r>
             <a:endParaRPr lang="en-US" altLang="ko-KR" sz="2000" dirty="0">
               <a:ln>
@@ -16243,21 +16219,7 @@
                 <a:latin typeface="+mn-ea"/>
                 <a:cs typeface="맑은 고딕 Semilight" panose="020B0502040204020203" pitchFamily="50" charset="-127"/>
               </a:rPr>
-              <a:t>문과는 전혀 다른 </a:t>
-            </a:r>
-            <a:r>
-              <a:rPr lang="ko-KR" altLang="en-US" sz="1400">
-                <a:ln>
-                  <a:solidFill>
-                    <a:schemeClr val="tx1">
-                      <a:alpha val="29000"/>
-                    </a:schemeClr>
-                  </a:solidFill>
-                </a:ln>
-                <a:latin typeface="+mn-ea"/>
-                <a:cs typeface="맑은 고딕 Semilight" panose="020B0502040204020203" pitchFamily="50" charset="-127"/>
-              </a:rPr>
-              <a:t>형태의 </a:t>
+              <a:t>문과는 전혀 다른 형태의 </a:t>
             </a:r>
             <a:r>
               <a:rPr lang="ko-KR" altLang="en-US" sz="1400" smtClean="0">
@@ -16351,21 +16313,7 @@
                 <a:latin typeface="+mn-ea"/>
                 <a:cs typeface="맑은 고딕 Semilight" panose="020B0502040204020203" pitchFamily="50" charset="-127"/>
               </a:rPr>
-              <a:t>를 순회할 수 </a:t>
-            </a:r>
-            <a:r>
-              <a:rPr lang="ko-KR" altLang="en-US" sz="1400">
-                <a:ln>
-                  <a:solidFill>
-                    <a:schemeClr val="tx1">
-                      <a:alpha val="29000"/>
-                    </a:schemeClr>
-                  </a:solidFill>
-                </a:ln>
-                <a:latin typeface="+mn-ea"/>
-                <a:cs typeface="맑은 고딕 Semilight" panose="020B0502040204020203" pitchFamily="50" charset="-127"/>
-              </a:rPr>
-              <a:t>있도록 </a:t>
+              <a:t>를 순회할 수 있도록 </a:t>
             </a:r>
             <a:r>
               <a:rPr lang="ko-KR" altLang="en-US" sz="1400" smtClean="0">
@@ -16417,21 +16365,7 @@
                 <a:latin typeface="+mn-ea"/>
                 <a:cs typeface="맑은 고딕 Semilight" panose="020B0502040204020203" pitchFamily="50" charset="-127"/>
               </a:rPr>
-              <a:t>이 반복문은 루프마다 객체의 열거할 수 있는 프로퍼티의 이름을 지정된 </a:t>
-            </a:r>
-            <a:r>
-              <a:rPr lang="ko-KR" altLang="en-US" sz="1400">
-                <a:ln>
-                  <a:solidFill>
-                    <a:schemeClr val="tx1">
-                      <a:alpha val="29000"/>
-                    </a:schemeClr>
-                  </a:solidFill>
-                </a:ln>
-                <a:latin typeface="+mn-ea"/>
-                <a:cs typeface="맑은 고딕 Semilight" panose="020B0502040204020203" pitchFamily="50" charset="-127"/>
-              </a:rPr>
-              <a:t>변수에 </a:t>
+              <a:t>이 반복문은 루프마다 객체의 열거할 수 있는 프로퍼티의 이름을 지정된 변수에 </a:t>
             </a:r>
             <a:r>
               <a:rPr lang="ko-KR" altLang="en-US" sz="1400" smtClean="0">
@@ -16483,21 +16417,7 @@
                 <a:latin typeface="+mn-ea"/>
                 <a:cs typeface="맑은 고딕 Semilight" panose="020B0502040204020203" pitchFamily="50" charset="-127"/>
               </a:rPr>
-              <a:t>이렇게 대입받은 변수를 이용하면 루프 안에서 객체의 열거할 수 있는 프로퍼티에 순차적으로 접근할 </a:t>
-            </a:r>
-            <a:r>
-              <a:rPr lang="ko-KR" altLang="en-US" sz="1400">
-                <a:ln>
-                  <a:solidFill>
-                    <a:schemeClr val="tx1">
-                      <a:alpha val="29000"/>
-                    </a:schemeClr>
-                  </a:solidFill>
-                </a:ln>
-                <a:latin typeface="+mn-ea"/>
-                <a:cs typeface="맑은 고딕 Semilight" panose="020B0502040204020203" pitchFamily="50" charset="-127"/>
-              </a:rPr>
-              <a:t>수 </a:t>
+              <a:t>이렇게 대입받은 변수를 이용하면 루프 안에서 객체의 열거할 수 있는 프로퍼티에 순차적으로 접근할 수 </a:t>
             </a:r>
             <a:r>
               <a:rPr lang="ko-KR" altLang="en-US" sz="1400" smtClean="0">
@@ -16563,21 +16483,7 @@
                 <a:latin typeface="+mn-ea"/>
                 <a:cs typeface="맑은 고딕 Semilight" panose="020B0502040204020203" pitchFamily="50" charset="-127"/>
               </a:rPr>
-              <a:t>문의 문법은 </a:t>
-            </a:r>
-            <a:r>
-              <a:rPr lang="ko-KR" altLang="en-US" sz="1400">
-                <a:ln>
-                  <a:solidFill>
-                    <a:schemeClr val="tx1">
-                      <a:alpha val="29000"/>
-                    </a:schemeClr>
-                  </a:solidFill>
-                </a:ln>
-                <a:latin typeface="+mn-ea"/>
-                <a:cs typeface="맑은 고딕 Semilight" panose="020B0502040204020203" pitchFamily="50" charset="-127"/>
-              </a:rPr>
-              <a:t>다음과 </a:t>
+              <a:t>문의 문법은 다음과 </a:t>
             </a:r>
             <a:r>
               <a:rPr lang="ko-KR" altLang="en-US" sz="1400" smtClean="0">
@@ -16691,21 +16597,7 @@
                 <a:latin typeface="+mn-ea"/>
                 <a:cs typeface="맑은 고딕 Semilight" panose="020B0502040204020203" pitchFamily="50" charset="-127"/>
               </a:rPr>
-              <a:t>의 </a:t>
-            </a:r>
-            <a:r>
-              <a:rPr lang="ko-KR" altLang="en-US" sz="2000" smtClean="0">
-                <a:ln>
-                  <a:solidFill>
-                    <a:schemeClr val="tx1">
-                      <a:alpha val="29000"/>
-                    </a:schemeClr>
-                  </a:solidFill>
-                </a:ln>
-                <a:latin typeface="+mn-ea"/>
-                <a:cs typeface="맑은 고딕 Semilight" panose="020B0502040204020203" pitchFamily="50" charset="-127"/>
-              </a:rPr>
-              <a:t>제어문</a:t>
+              <a:t>의 제어문</a:t>
             </a:r>
             <a:endParaRPr lang="en-US" altLang="ko-KR" sz="2000" dirty="0">
               <a:ln>
@@ -16966,21 +16858,7 @@
                 <a:latin typeface="+mn-ea"/>
                 <a:cs typeface="맑은 고딕 Semilight" panose="020B0502040204020203" pitchFamily="50" charset="-127"/>
               </a:rPr>
-              <a:t>의 </a:t>
-            </a:r>
-            <a:r>
-              <a:rPr lang="ko-KR" altLang="en-US" sz="2000" smtClean="0">
-                <a:ln>
-                  <a:solidFill>
-                    <a:schemeClr val="tx1">
-                      <a:alpha val="29000"/>
-                    </a:schemeClr>
-                  </a:solidFill>
-                </a:ln>
-                <a:latin typeface="+mn-ea"/>
-                <a:cs typeface="맑은 고딕 Semilight" panose="020B0502040204020203" pitchFamily="50" charset="-127"/>
-              </a:rPr>
-              <a:t>제어문</a:t>
+              <a:t>의 제어문</a:t>
             </a:r>
             <a:endParaRPr lang="en-US" altLang="ko-KR" sz="2000" dirty="0">
               <a:ln>
@@ -17548,21 +17426,7 @@
                 <a:latin typeface="+mn-ea"/>
                 <a:cs typeface="맑은 고딕 Semilight" panose="020B0502040204020203" pitchFamily="50" charset="-127"/>
               </a:rPr>
-              <a:t>의 </a:t>
-            </a:r>
-            <a:r>
-              <a:rPr lang="ko-KR" altLang="en-US" sz="2000" smtClean="0">
-                <a:ln>
-                  <a:solidFill>
-                    <a:schemeClr val="tx1">
-                      <a:alpha val="29000"/>
-                    </a:schemeClr>
-                  </a:solidFill>
-                </a:ln>
-                <a:latin typeface="+mn-ea"/>
-                <a:cs typeface="맑은 고딕 Semilight" panose="020B0502040204020203" pitchFamily="50" charset="-127"/>
-              </a:rPr>
-              <a:t>제어문</a:t>
+              <a:t>의 제어문</a:t>
             </a:r>
             <a:endParaRPr lang="en-US" altLang="ko-KR" sz="2000" dirty="0">
               <a:ln>
@@ -17799,21 +17663,7 @@
                 <a:latin typeface="+mn-ea"/>
                 <a:cs typeface="맑은 고딕 Semilight" panose="020B0502040204020203" pitchFamily="50" charset="-127"/>
               </a:rPr>
-              <a:t>의 </a:t>
-            </a:r>
-            <a:r>
-              <a:rPr lang="ko-KR" altLang="en-US" sz="2000" smtClean="0">
-                <a:ln>
-                  <a:solidFill>
-                    <a:schemeClr val="tx1">
-                      <a:alpha val="29000"/>
-                    </a:schemeClr>
-                  </a:solidFill>
-                </a:ln>
-                <a:latin typeface="+mn-ea"/>
-                <a:cs typeface="맑은 고딕 Semilight" panose="020B0502040204020203" pitchFamily="50" charset="-127"/>
-              </a:rPr>
-              <a:t>제어문</a:t>
+              <a:t>의 제어문</a:t>
             </a:r>
             <a:endParaRPr lang="en-US" altLang="ko-KR" sz="2000" dirty="0">
               <a:ln>
@@ -17932,22 +17782,7 @@
                 <a:cs typeface="맑은 고딕 Semilight" panose="020B0502040204020203" pitchFamily="50" charset="-127"/>
                 <a:sym typeface="Wingdings" panose="05000000000000000000" pitchFamily="2" charset="2"/>
               </a:rPr>
-              <a:t>for </a:t>
-            </a:r>
-            <a:r>
-              <a:rPr lang="en-US" altLang="ko-KR" sz="1800">
-                <a:ln>
-                  <a:solidFill>
-                    <a:schemeClr val="tx1">
-                      <a:alpha val="29000"/>
-                    </a:schemeClr>
-                  </a:solidFill>
-                </a:ln>
-                <a:latin typeface="+mn-ea"/>
-                <a:cs typeface="맑은 고딕 Semilight" panose="020B0502040204020203" pitchFamily="50" charset="-127"/>
-                <a:sym typeface="Wingdings" panose="05000000000000000000" pitchFamily="2" charset="2"/>
-              </a:rPr>
-              <a:t>/ </a:t>
+              <a:t>for / </a:t>
             </a:r>
             <a:r>
               <a:rPr lang="en-US" altLang="ko-KR" sz="1800" smtClean="0">
@@ -18058,21 +17893,7 @@
                 <a:latin typeface="+mn-ea"/>
                 <a:cs typeface="맑은 고딕 Semilight" panose="020B0502040204020203" pitchFamily="50" charset="-127"/>
               </a:rPr>
-              <a:t>를 순회할 수 있도록 </a:t>
-            </a:r>
-            <a:r>
-              <a:rPr lang="ko-KR" altLang="en-US" sz="1400">
-                <a:ln>
-                  <a:solidFill>
-                    <a:schemeClr val="tx1">
-                      <a:alpha val="29000"/>
-                    </a:schemeClr>
-                  </a:solidFill>
-                </a:ln>
-                <a:latin typeface="+mn-ea"/>
-                <a:cs typeface="맑은 고딕 Semilight" panose="020B0502040204020203" pitchFamily="50" charset="-127"/>
-              </a:rPr>
-              <a:t>해주는 </a:t>
+              <a:t>를 순회할 수 있도록 해주는 </a:t>
             </a:r>
             <a:r>
               <a:rPr lang="ko-KR" altLang="en-US" sz="1400" smtClean="0">
@@ -18152,21 +17973,7 @@
                 <a:latin typeface="+mn-ea"/>
                 <a:cs typeface="맑은 고딕 Semilight" panose="020B0502040204020203" pitchFamily="50" charset="-127"/>
               </a:rPr>
-              <a:t>객체 </a:t>
-            </a:r>
-            <a:r>
-              <a:rPr lang="ko-KR" altLang="en-US" sz="1400">
-                <a:ln>
-                  <a:solidFill>
-                    <a:schemeClr val="tx1">
-                      <a:alpha val="29000"/>
-                    </a:schemeClr>
-                  </a:solidFill>
-                </a:ln>
-                <a:latin typeface="+mn-ea"/>
-                <a:cs typeface="맑은 고딕 Semilight" panose="020B0502040204020203" pitchFamily="50" charset="-127"/>
-              </a:rPr>
-              <a:t>등이 </a:t>
+              <a:t>객체 등이 </a:t>
             </a:r>
             <a:r>
               <a:rPr lang="ko-KR" altLang="en-US" sz="1400" smtClean="0">
@@ -18232,21 +18039,7 @@
                 <a:latin typeface="+mn-ea"/>
                 <a:cs typeface="맑은 고딕 Semilight" panose="020B0502040204020203" pitchFamily="50" charset="-127"/>
               </a:rPr>
-              <a:t>이 반복문은 루프마다 객체의 열거할 수 있는 프로퍼티의 값을 지정된 </a:t>
-            </a:r>
-            <a:r>
-              <a:rPr lang="ko-KR" altLang="en-US" sz="1400">
-                <a:ln>
-                  <a:solidFill>
-                    <a:schemeClr val="tx1">
-                      <a:alpha val="29000"/>
-                    </a:schemeClr>
-                  </a:solidFill>
-                </a:ln>
-                <a:latin typeface="+mn-ea"/>
-                <a:cs typeface="맑은 고딕 Semilight" panose="020B0502040204020203" pitchFamily="50" charset="-127"/>
-              </a:rPr>
-              <a:t>변수에 </a:t>
+              <a:t>이 반복문은 루프마다 객체의 열거할 수 있는 프로퍼티의 값을 지정된 변수에 </a:t>
             </a:r>
             <a:r>
               <a:rPr lang="ko-KR" altLang="en-US" sz="1400" smtClean="0">
@@ -18312,21 +18105,7 @@
                 <a:latin typeface="+mn-ea"/>
                 <a:cs typeface="맑은 고딕 Semilight" panose="020B0502040204020203" pitchFamily="50" charset="-127"/>
               </a:rPr>
-              <a:t>문의 문법은 </a:t>
-            </a:r>
-            <a:r>
-              <a:rPr lang="ko-KR" altLang="en-US" sz="1400">
-                <a:ln>
-                  <a:solidFill>
-                    <a:schemeClr val="tx1">
-                      <a:alpha val="29000"/>
-                    </a:schemeClr>
-                  </a:solidFill>
-                </a:ln>
-                <a:latin typeface="+mn-ea"/>
-                <a:cs typeface="맑은 고딕 Semilight" panose="020B0502040204020203" pitchFamily="50" charset="-127"/>
-              </a:rPr>
-              <a:t>다음과 </a:t>
+              <a:t>문의 문법은 다음과 </a:t>
             </a:r>
             <a:r>
               <a:rPr lang="ko-KR" altLang="en-US" sz="1400" smtClean="0">
@@ -18440,21 +18219,7 @@
                 <a:latin typeface="+mn-ea"/>
                 <a:cs typeface="맑은 고딕 Semilight" panose="020B0502040204020203" pitchFamily="50" charset="-127"/>
               </a:rPr>
-              <a:t>의 </a:t>
-            </a:r>
-            <a:r>
-              <a:rPr lang="ko-KR" altLang="en-US" sz="2000" smtClean="0">
-                <a:ln>
-                  <a:solidFill>
-                    <a:schemeClr val="tx1">
-                      <a:alpha val="29000"/>
-                    </a:schemeClr>
-                  </a:solidFill>
-                </a:ln>
-                <a:latin typeface="+mn-ea"/>
-                <a:cs typeface="맑은 고딕 Semilight" panose="020B0502040204020203" pitchFamily="50" charset="-127"/>
-              </a:rPr>
-              <a:t>제어문</a:t>
+              <a:t>의 제어문</a:t>
             </a:r>
             <a:endParaRPr lang="en-US" altLang="ko-KR" sz="2000" dirty="0">
               <a:ln>
@@ -18573,22 +18338,7 @@
                 <a:cs typeface="맑은 고딕 Semilight" panose="020B0502040204020203" pitchFamily="50" charset="-127"/>
                 <a:sym typeface="Wingdings" panose="05000000000000000000" pitchFamily="2" charset="2"/>
               </a:rPr>
-              <a:t>for </a:t>
-            </a:r>
-            <a:r>
-              <a:rPr lang="en-US" altLang="ko-KR" sz="1800">
-                <a:ln>
-                  <a:solidFill>
-                    <a:schemeClr val="tx1">
-                      <a:alpha val="29000"/>
-                    </a:schemeClr>
-                  </a:solidFill>
-                </a:ln>
-                <a:latin typeface="+mn-ea"/>
-                <a:cs typeface="맑은 고딕 Semilight" panose="020B0502040204020203" pitchFamily="50" charset="-127"/>
-                <a:sym typeface="Wingdings" panose="05000000000000000000" pitchFamily="2" charset="2"/>
-              </a:rPr>
-              <a:t>/ </a:t>
+              <a:t>for / </a:t>
             </a:r>
             <a:r>
               <a:rPr lang="en-US" altLang="ko-KR" sz="1800" smtClean="0">
@@ -18757,21 +18507,7 @@
                 <a:latin typeface="+mn-ea"/>
                 <a:cs typeface="맑은 고딕 Semilight" panose="020B0502040204020203" pitchFamily="50" charset="-127"/>
               </a:rPr>
-              <a:t>의 </a:t>
-            </a:r>
-            <a:r>
-              <a:rPr lang="ko-KR" altLang="en-US" sz="2000" smtClean="0">
-                <a:ln>
-                  <a:solidFill>
-                    <a:schemeClr val="tx1">
-                      <a:alpha val="29000"/>
-                    </a:schemeClr>
-                  </a:solidFill>
-                </a:ln>
-                <a:latin typeface="+mn-ea"/>
-                <a:cs typeface="맑은 고딕 Semilight" panose="020B0502040204020203" pitchFamily="50" charset="-127"/>
-              </a:rPr>
-              <a:t>제어문</a:t>
+              <a:t>의 제어문</a:t>
             </a:r>
             <a:endParaRPr lang="en-US" altLang="ko-KR" sz="2000" dirty="0">
               <a:ln>
@@ -18890,22 +18626,7 @@
                 <a:cs typeface="맑은 고딕 Semilight" panose="020B0502040204020203" pitchFamily="50" charset="-127"/>
                 <a:sym typeface="Wingdings" panose="05000000000000000000" pitchFamily="2" charset="2"/>
               </a:rPr>
-              <a:t>for </a:t>
-            </a:r>
-            <a:r>
-              <a:rPr lang="en-US" altLang="ko-KR" sz="1800">
-                <a:ln>
-                  <a:solidFill>
-                    <a:schemeClr val="tx1">
-                      <a:alpha val="29000"/>
-                    </a:schemeClr>
-                  </a:solidFill>
-                </a:ln>
-                <a:latin typeface="+mn-ea"/>
-                <a:cs typeface="맑은 고딕 Semilight" panose="020B0502040204020203" pitchFamily="50" charset="-127"/>
-                <a:sym typeface="Wingdings" panose="05000000000000000000" pitchFamily="2" charset="2"/>
-              </a:rPr>
-              <a:t>/ </a:t>
+              <a:t>for / </a:t>
             </a:r>
             <a:r>
               <a:rPr lang="en-US" altLang="ko-KR" sz="1800" smtClean="0">
@@ -19074,21 +18795,7 @@
                 <a:latin typeface="+mn-ea"/>
                 <a:cs typeface="맑은 고딕 Semilight" panose="020B0502040204020203" pitchFamily="50" charset="-127"/>
               </a:rPr>
-              <a:t>의 </a:t>
-            </a:r>
-            <a:r>
-              <a:rPr lang="ko-KR" altLang="en-US" sz="2000" smtClean="0">
-                <a:ln>
-                  <a:solidFill>
-                    <a:schemeClr val="tx1">
-                      <a:alpha val="29000"/>
-                    </a:schemeClr>
-                  </a:solidFill>
-                </a:ln>
-                <a:latin typeface="+mn-ea"/>
-                <a:cs typeface="맑은 고딕 Semilight" panose="020B0502040204020203" pitchFamily="50" charset="-127"/>
-              </a:rPr>
-              <a:t>제어문</a:t>
+              <a:t>의 제어문</a:t>
             </a:r>
             <a:endParaRPr lang="en-US" altLang="ko-KR" sz="2000" dirty="0">
               <a:ln>
@@ -19165,10 +18872,2995 @@
           <a:chExt cx="0" cy="0"/>
         </a:xfrm>
       </p:grpSpPr>
+      <p:sp>
+        <p:nvSpPr>
+          <p:cNvPr id="8" name="TextBox 7"/>
+          <p:cNvSpPr txBox="1"/>
+          <p:nvPr/>
+        </p:nvSpPr>
+        <p:spPr>
+          <a:xfrm>
+            <a:off x="267599" y="825566"/>
+            <a:ext cx="9578660" cy="2446824"/>
+          </a:xfrm>
+          <a:prstGeom prst="rect">
+            <a:avLst/>
+          </a:prstGeom>
+          <a:noFill/>
+        </p:spPr>
+        <p:txBody>
+          <a:bodyPr wrap="square" rtlCol="0">
+            <a:spAutoFit/>
+          </a:bodyPr>
+          <a:lstStyle/>
+          <a:p>
+            <a:pPr marL="285750" indent="-285750">
+              <a:lnSpc>
+                <a:spcPct val="150000"/>
+              </a:lnSpc>
+              <a:buFont typeface="Arial" panose="020B0604020202020204" pitchFamily="34" charset="0"/>
+              <a:buChar char="•"/>
+            </a:pPr>
+            <a:r>
+              <a:rPr lang="ko-KR" altLang="en-US" sz="1800">
+                <a:ln>
+                  <a:solidFill>
+                    <a:schemeClr val="tx1">
+                      <a:alpha val="29000"/>
+                    </a:schemeClr>
+                  </a:solidFill>
+                </a:ln>
+                <a:latin typeface="+mn-ea"/>
+                <a:cs typeface="맑은 고딕 Semilight" panose="020B0502040204020203" pitchFamily="50" charset="-127"/>
+                <a:sym typeface="Wingdings" panose="05000000000000000000" pitchFamily="2" charset="2"/>
+              </a:rPr>
+              <a:t>루프의 </a:t>
+            </a:r>
+            <a:r>
+              <a:rPr lang="ko-KR" altLang="en-US" sz="1800" smtClean="0">
+                <a:ln>
+                  <a:solidFill>
+                    <a:schemeClr val="tx1">
+                      <a:alpha val="29000"/>
+                    </a:schemeClr>
+                  </a:solidFill>
+                </a:ln>
+                <a:latin typeface="+mn-ea"/>
+                <a:cs typeface="맑은 고딕 Semilight" panose="020B0502040204020203" pitchFamily="50" charset="-127"/>
+                <a:sym typeface="Wingdings" panose="05000000000000000000" pitchFamily="2" charset="2"/>
+              </a:rPr>
+              <a:t>제어</a:t>
+            </a:r>
+            <a:r>
+              <a:rPr lang="ko-KR" altLang="en-US" sz="1800" smtClean="0">
+                <a:ln>
+                  <a:solidFill>
+                    <a:schemeClr val="tx1">
+                      <a:alpha val="29000"/>
+                    </a:schemeClr>
+                  </a:solidFill>
+                </a:ln>
+                <a:latin typeface="+mn-ea"/>
+                <a:cs typeface="맑은 고딕 Semilight" panose="020B0502040204020203" pitchFamily="50" charset="-127"/>
+                <a:sym typeface="Wingdings" panose="05000000000000000000" pitchFamily="2" charset="2"/>
+              </a:rPr>
+              <a:t> </a:t>
+            </a:r>
+            <a:endParaRPr lang="ko-KR" altLang="en-US" sz="1800">
+              <a:ln>
+                <a:solidFill>
+                  <a:schemeClr val="tx1">
+                    <a:alpha val="29000"/>
+                  </a:schemeClr>
+                </a:solidFill>
+              </a:ln>
+              <a:latin typeface="+mn-ea"/>
+              <a:cs typeface="맑은 고딕 Semilight" panose="020B0502040204020203" pitchFamily="50" charset="-127"/>
+              <a:sym typeface="Wingdings" panose="05000000000000000000" pitchFamily="2" charset="2"/>
+            </a:endParaRPr>
+          </a:p>
+          <a:p>
+            <a:pPr marL="449263" lvl="1" indent="-182563">
+              <a:lnSpc>
+                <a:spcPct val="150000"/>
+              </a:lnSpc>
+              <a:buFontTx/>
+              <a:buChar char="-"/>
+              <a:tabLst>
+                <a:tab pos="182563" algn="l"/>
+                <a:tab pos="449263" algn="l"/>
+              </a:tabLst>
+            </a:pPr>
+            <a:r>
+              <a:rPr lang="ko-KR" altLang="en-US" sz="1400">
+                <a:ln>
+                  <a:solidFill>
+                    <a:schemeClr val="tx1">
+                      <a:alpha val="29000"/>
+                    </a:schemeClr>
+                  </a:solidFill>
+                </a:ln>
+                <a:latin typeface="+mn-ea"/>
+                <a:cs typeface="맑은 고딕 Semilight" panose="020B0502040204020203" pitchFamily="50" charset="-127"/>
+              </a:rPr>
+              <a:t>일반적으로 표현식의 검사를 통해 루프로 진입하면</a:t>
+            </a:r>
+            <a:r>
+              <a:rPr lang="en-US" altLang="ko-KR" sz="1400">
+                <a:ln>
+                  <a:solidFill>
+                    <a:schemeClr val="tx1">
+                      <a:alpha val="29000"/>
+                    </a:schemeClr>
+                  </a:solidFill>
+                </a:ln>
+                <a:latin typeface="+mn-ea"/>
+                <a:cs typeface="맑은 고딕 Semilight" panose="020B0502040204020203" pitchFamily="50" charset="-127"/>
+              </a:rPr>
+              <a:t>, </a:t>
+            </a:r>
+            <a:r>
+              <a:rPr lang="en-US" altLang="ko-KR" sz="1400" smtClean="0">
+                <a:ln>
+                  <a:solidFill>
+                    <a:schemeClr val="tx1">
+                      <a:alpha val="29000"/>
+                    </a:schemeClr>
+                  </a:solidFill>
+                </a:ln>
+                <a:latin typeface="+mn-ea"/>
+                <a:cs typeface="맑은 고딕 Semilight" panose="020B0502040204020203" pitchFamily="50" charset="-127"/>
+              </a:rPr>
+              <a:t/>
+            </a:r>
+            <a:br>
+              <a:rPr lang="en-US" altLang="ko-KR" sz="1400" smtClean="0">
+                <a:ln>
+                  <a:solidFill>
+                    <a:schemeClr val="tx1">
+                      <a:alpha val="29000"/>
+                    </a:schemeClr>
+                  </a:solidFill>
+                </a:ln>
+                <a:latin typeface="+mn-ea"/>
+                <a:cs typeface="맑은 고딕 Semilight" panose="020B0502040204020203" pitchFamily="50" charset="-127"/>
+              </a:rPr>
+            </a:br>
+            <a:r>
+              <a:rPr lang="ko-KR" altLang="en-US" sz="1400" smtClean="0">
+                <a:ln>
+                  <a:solidFill>
+                    <a:schemeClr val="tx1">
+                      <a:alpha val="29000"/>
+                    </a:schemeClr>
+                  </a:solidFill>
+                </a:ln>
+                <a:latin typeface="+mn-ea"/>
+                <a:cs typeface="맑은 고딕 Semilight" panose="020B0502040204020203" pitchFamily="50" charset="-127"/>
+              </a:rPr>
+              <a:t>다음 </a:t>
+            </a:r>
+            <a:r>
+              <a:rPr lang="ko-KR" altLang="en-US" sz="1400">
+                <a:ln>
+                  <a:solidFill>
+                    <a:schemeClr val="tx1">
+                      <a:alpha val="29000"/>
+                    </a:schemeClr>
+                  </a:solidFill>
+                </a:ln>
+                <a:latin typeface="+mn-ea"/>
+                <a:cs typeface="맑은 고딕 Semilight" panose="020B0502040204020203" pitchFamily="50" charset="-127"/>
+              </a:rPr>
+              <a:t>표현식을 검사하기 전까지 루프 안에 있는 모든 </a:t>
+            </a:r>
+            <a:r>
+              <a:rPr lang="ko-KR" altLang="en-US" sz="1400">
+                <a:ln>
+                  <a:solidFill>
+                    <a:schemeClr val="tx1">
+                      <a:alpha val="29000"/>
+                    </a:schemeClr>
+                  </a:solidFill>
+                </a:ln>
+                <a:latin typeface="+mn-ea"/>
+                <a:cs typeface="맑은 고딕 Semilight" panose="020B0502040204020203" pitchFamily="50" charset="-127"/>
+              </a:rPr>
+              <a:t>실행문을 </a:t>
+            </a:r>
+            <a:r>
+              <a:rPr lang="ko-KR" altLang="en-US" sz="1400" smtClean="0">
+                <a:ln>
+                  <a:solidFill>
+                    <a:schemeClr val="tx1">
+                      <a:alpha val="29000"/>
+                    </a:schemeClr>
+                  </a:solidFill>
+                </a:ln>
+                <a:latin typeface="+mn-ea"/>
+                <a:cs typeface="맑은 고딕 Semilight" panose="020B0502040204020203" pitchFamily="50" charset="-127"/>
+              </a:rPr>
+              <a:t>실행</a:t>
+            </a:r>
+            <a:endParaRPr lang="en-US" altLang="ko-KR" sz="1400">
+              <a:ln>
+                <a:solidFill>
+                  <a:schemeClr val="tx1">
+                    <a:alpha val="29000"/>
+                  </a:schemeClr>
+                </a:solidFill>
+              </a:ln>
+              <a:latin typeface="+mn-ea"/>
+              <a:cs typeface="맑은 고딕 Semilight" panose="020B0502040204020203" pitchFamily="50" charset="-127"/>
+            </a:endParaRPr>
+          </a:p>
+          <a:p>
+            <a:pPr marL="449263" lvl="1" indent="-182563">
+              <a:lnSpc>
+                <a:spcPct val="150000"/>
+              </a:lnSpc>
+              <a:buFontTx/>
+              <a:buChar char="-"/>
+              <a:tabLst>
+                <a:tab pos="182563" algn="l"/>
+                <a:tab pos="449263" algn="l"/>
+              </a:tabLst>
+            </a:pPr>
+            <a:r>
+              <a:rPr lang="ko-KR" altLang="en-US" sz="1400">
+                <a:ln>
+                  <a:solidFill>
+                    <a:schemeClr val="tx1">
+                      <a:alpha val="29000"/>
+                    </a:schemeClr>
+                  </a:solidFill>
+                </a:ln>
+                <a:latin typeface="+mn-ea"/>
+                <a:cs typeface="맑은 고딕 Semilight" panose="020B0502040204020203" pitchFamily="50" charset="-127"/>
+              </a:rPr>
+              <a:t>하지만 </a:t>
+            </a:r>
+            <a:r>
+              <a:rPr lang="en-US" altLang="ko-KR" sz="1400">
+                <a:ln>
+                  <a:solidFill>
+                    <a:schemeClr val="tx1">
+                      <a:alpha val="29000"/>
+                    </a:schemeClr>
+                  </a:solidFill>
+                </a:ln>
+                <a:latin typeface="+mn-ea"/>
+                <a:cs typeface="맑은 고딕 Semilight" panose="020B0502040204020203" pitchFamily="50" charset="-127"/>
+              </a:rPr>
+              <a:t>continue </a:t>
+            </a:r>
+            <a:r>
+              <a:rPr lang="ko-KR" altLang="en-US" sz="1400">
+                <a:ln>
+                  <a:solidFill>
+                    <a:schemeClr val="tx1">
+                      <a:alpha val="29000"/>
+                    </a:schemeClr>
+                  </a:solidFill>
+                </a:ln>
+                <a:latin typeface="+mn-ea"/>
+                <a:cs typeface="맑은 고딕 Semilight" panose="020B0502040204020203" pitchFamily="50" charset="-127"/>
+              </a:rPr>
+              <a:t>문과 </a:t>
+            </a:r>
+            <a:r>
+              <a:rPr lang="en-US" altLang="ko-KR" sz="1400">
+                <a:ln>
+                  <a:solidFill>
+                    <a:schemeClr val="tx1">
+                      <a:alpha val="29000"/>
+                    </a:schemeClr>
+                  </a:solidFill>
+                </a:ln>
+                <a:latin typeface="+mn-ea"/>
+                <a:cs typeface="맑은 고딕 Semilight" panose="020B0502040204020203" pitchFamily="50" charset="-127"/>
+              </a:rPr>
+              <a:t>break </a:t>
+            </a:r>
+            <a:r>
+              <a:rPr lang="ko-KR" altLang="en-US" sz="1400" smtClean="0">
+                <a:ln>
+                  <a:solidFill>
+                    <a:schemeClr val="tx1">
+                      <a:alpha val="29000"/>
+                    </a:schemeClr>
+                  </a:solidFill>
+                </a:ln>
+                <a:latin typeface="+mn-ea"/>
+                <a:cs typeface="맑은 고딕 Semilight" panose="020B0502040204020203" pitchFamily="50" charset="-127"/>
+              </a:rPr>
+              <a:t>문은</a:t>
+            </a:r>
+            <a:r>
+              <a:rPr lang="en-US" altLang="ko-KR" sz="1400" smtClean="0">
+                <a:ln>
+                  <a:solidFill>
+                    <a:schemeClr val="tx1">
+                      <a:alpha val="29000"/>
+                    </a:schemeClr>
+                  </a:solidFill>
+                </a:ln>
+                <a:latin typeface="+mn-ea"/>
+                <a:cs typeface="맑은 고딕 Semilight" panose="020B0502040204020203" pitchFamily="50" charset="-127"/>
+              </a:rPr>
+              <a:t/>
+            </a:r>
+            <a:br>
+              <a:rPr lang="en-US" altLang="ko-KR" sz="1400" smtClean="0">
+                <a:ln>
+                  <a:solidFill>
+                    <a:schemeClr val="tx1">
+                      <a:alpha val="29000"/>
+                    </a:schemeClr>
+                  </a:solidFill>
+                </a:ln>
+                <a:latin typeface="+mn-ea"/>
+                <a:cs typeface="맑은 고딕 Semilight" panose="020B0502040204020203" pitchFamily="50" charset="-127"/>
+              </a:rPr>
+            </a:br>
+            <a:r>
+              <a:rPr lang="ko-KR" altLang="en-US" sz="1400" smtClean="0">
+                <a:ln>
+                  <a:solidFill>
+                    <a:schemeClr val="tx1">
+                      <a:alpha val="29000"/>
+                    </a:schemeClr>
+                  </a:solidFill>
+                </a:ln>
+                <a:latin typeface="+mn-ea"/>
+                <a:cs typeface="맑은 고딕 Semilight" panose="020B0502040204020203" pitchFamily="50" charset="-127"/>
+              </a:rPr>
+              <a:t> </a:t>
+            </a:r>
+            <a:r>
+              <a:rPr lang="ko-KR" altLang="en-US" sz="1400">
+                <a:ln>
+                  <a:solidFill>
+                    <a:schemeClr val="tx1">
+                      <a:alpha val="29000"/>
+                    </a:schemeClr>
+                  </a:solidFill>
+                </a:ln>
+                <a:latin typeface="+mn-ea"/>
+                <a:cs typeface="맑은 고딕 Semilight" panose="020B0502040204020203" pitchFamily="50" charset="-127"/>
+              </a:rPr>
+              <a:t>이러한 일반적인 루프의 흐름을 사용자가 직접 제어할 수 </a:t>
+            </a:r>
+            <a:r>
+              <a:rPr lang="ko-KR" altLang="en-US" sz="1400">
+                <a:ln>
+                  <a:solidFill>
+                    <a:schemeClr val="tx1">
+                      <a:alpha val="29000"/>
+                    </a:schemeClr>
+                  </a:solidFill>
+                </a:ln>
+                <a:latin typeface="+mn-ea"/>
+                <a:cs typeface="맑은 고딕 Semilight" panose="020B0502040204020203" pitchFamily="50" charset="-127"/>
+              </a:rPr>
+              <a:t>있게 </a:t>
+            </a:r>
+            <a:r>
+              <a:rPr lang="ko-KR" altLang="en-US" sz="1400" smtClean="0">
+                <a:ln>
+                  <a:solidFill>
+                    <a:schemeClr val="tx1">
+                      <a:alpha val="29000"/>
+                    </a:schemeClr>
+                  </a:solidFill>
+                </a:ln>
+                <a:latin typeface="+mn-ea"/>
+                <a:cs typeface="맑은 고딕 Semilight" panose="020B0502040204020203" pitchFamily="50" charset="-127"/>
+              </a:rPr>
+              <a:t>해줌</a:t>
+            </a:r>
+            <a:endParaRPr lang="en-US" altLang="ko-KR" sz="1400">
+              <a:ln>
+                <a:solidFill>
+                  <a:schemeClr val="tx1">
+                    <a:alpha val="29000"/>
+                  </a:schemeClr>
+                </a:solidFill>
+              </a:ln>
+              <a:latin typeface="+mn-ea"/>
+              <a:cs typeface="맑은 고딕 Semilight" panose="020B0502040204020203" pitchFamily="50" charset="-127"/>
+            </a:endParaRPr>
+          </a:p>
+          <a:p>
+            <a:pPr marL="449263" lvl="1" indent="-182563">
+              <a:lnSpc>
+                <a:spcPct val="150000"/>
+              </a:lnSpc>
+              <a:buFontTx/>
+              <a:buChar char="-"/>
+              <a:tabLst>
+                <a:tab pos="182563" algn="l"/>
+                <a:tab pos="449263" algn="l"/>
+              </a:tabLst>
+            </a:pPr>
+            <a:r>
+              <a:rPr lang="en-US" altLang="ko-KR" sz="1400">
+                <a:ln>
+                  <a:solidFill>
+                    <a:schemeClr val="tx1">
+                      <a:alpha val="29000"/>
+                    </a:schemeClr>
+                  </a:solidFill>
+                </a:ln>
+                <a:latin typeface="+mn-ea"/>
+                <a:cs typeface="맑은 고딕 Semilight" panose="020B0502040204020203" pitchFamily="50" charset="-127"/>
+              </a:rPr>
+              <a:t>label </a:t>
+            </a:r>
+            <a:r>
+              <a:rPr lang="ko-KR" altLang="en-US" sz="1400">
+                <a:ln>
+                  <a:solidFill>
+                    <a:schemeClr val="tx1">
+                      <a:alpha val="29000"/>
+                    </a:schemeClr>
+                  </a:solidFill>
+                </a:ln>
+                <a:latin typeface="+mn-ea"/>
+                <a:cs typeface="맑은 고딕 Semilight" panose="020B0502040204020203" pitchFamily="50" charset="-127"/>
+              </a:rPr>
+              <a:t>문을 사용하면 </a:t>
+            </a:r>
+            <a:r>
+              <a:rPr lang="en-US" altLang="ko-KR" sz="1400">
+                <a:ln>
+                  <a:solidFill>
+                    <a:schemeClr val="tx1">
+                      <a:alpha val="29000"/>
+                    </a:schemeClr>
+                  </a:solidFill>
+                </a:ln>
+                <a:latin typeface="+mn-ea"/>
+                <a:cs typeface="맑은 고딕 Semilight" panose="020B0502040204020203" pitchFamily="50" charset="-127"/>
+              </a:rPr>
+              <a:t>continue </a:t>
+            </a:r>
+            <a:r>
+              <a:rPr lang="ko-KR" altLang="en-US" sz="1400">
+                <a:ln>
+                  <a:solidFill>
+                    <a:schemeClr val="tx1">
+                      <a:alpha val="29000"/>
+                    </a:schemeClr>
+                  </a:solidFill>
+                </a:ln>
+                <a:latin typeface="+mn-ea"/>
+                <a:cs typeface="맑은 고딕 Semilight" panose="020B0502040204020203" pitchFamily="50" charset="-127"/>
+              </a:rPr>
+              <a:t>문과 </a:t>
+            </a:r>
+            <a:r>
+              <a:rPr lang="en-US" altLang="ko-KR" sz="1400">
+                <a:ln>
+                  <a:solidFill>
+                    <a:schemeClr val="tx1">
+                      <a:alpha val="29000"/>
+                    </a:schemeClr>
+                  </a:solidFill>
+                </a:ln>
+                <a:latin typeface="+mn-ea"/>
+                <a:cs typeface="맑은 고딕 Semilight" panose="020B0502040204020203" pitchFamily="50" charset="-127"/>
+              </a:rPr>
+              <a:t>break </a:t>
+            </a:r>
+            <a:r>
+              <a:rPr lang="ko-KR" altLang="en-US" sz="1400">
+                <a:ln>
+                  <a:solidFill>
+                    <a:schemeClr val="tx1">
+                      <a:alpha val="29000"/>
+                    </a:schemeClr>
+                  </a:solidFill>
+                </a:ln>
+                <a:latin typeface="+mn-ea"/>
+                <a:cs typeface="맑은 고딕 Semilight" panose="020B0502040204020203" pitchFamily="50" charset="-127"/>
+              </a:rPr>
+              <a:t>문의 동작이 </a:t>
+            </a:r>
+            <a:r>
+              <a:rPr lang="ko-KR" altLang="en-US" sz="1400">
+                <a:ln>
+                  <a:solidFill>
+                    <a:schemeClr val="tx1">
+                      <a:alpha val="29000"/>
+                    </a:schemeClr>
+                  </a:solidFill>
+                </a:ln>
+                <a:latin typeface="+mn-ea"/>
+                <a:cs typeface="맑은 고딕 Semilight" panose="020B0502040204020203" pitchFamily="50" charset="-127"/>
+              </a:rPr>
+              <a:t>프로그램의 </a:t>
+            </a:r>
+            <a:r>
+              <a:rPr lang="ko-KR" altLang="en-US" sz="1400" smtClean="0">
+                <a:ln>
+                  <a:solidFill>
+                    <a:schemeClr val="tx1">
+                      <a:alpha val="29000"/>
+                    </a:schemeClr>
+                  </a:solidFill>
+                </a:ln>
+                <a:latin typeface="+mn-ea"/>
+                <a:cs typeface="맑은 고딕 Semilight" panose="020B0502040204020203" pitchFamily="50" charset="-127"/>
+              </a:rPr>
+              <a:t>흐름을</a:t>
+            </a:r>
+            <a:r>
+              <a:rPr lang="en-US" altLang="ko-KR" sz="1400" smtClean="0">
+                <a:ln>
+                  <a:solidFill>
+                    <a:schemeClr val="tx1">
+                      <a:alpha val="29000"/>
+                    </a:schemeClr>
+                  </a:solidFill>
+                </a:ln>
+                <a:latin typeface="+mn-ea"/>
+                <a:cs typeface="맑은 고딕 Semilight" panose="020B0502040204020203" pitchFamily="50" charset="-127"/>
+              </a:rPr>
+              <a:t/>
+            </a:r>
+            <a:br>
+              <a:rPr lang="en-US" altLang="ko-KR" sz="1400" smtClean="0">
+                <a:ln>
+                  <a:solidFill>
+                    <a:schemeClr val="tx1">
+                      <a:alpha val="29000"/>
+                    </a:schemeClr>
+                  </a:solidFill>
+                </a:ln>
+                <a:latin typeface="+mn-ea"/>
+                <a:cs typeface="맑은 고딕 Semilight" panose="020B0502040204020203" pitchFamily="50" charset="-127"/>
+              </a:rPr>
+            </a:br>
+            <a:r>
+              <a:rPr lang="ko-KR" altLang="en-US" sz="1400" smtClean="0">
+                <a:ln>
+                  <a:solidFill>
+                    <a:schemeClr val="tx1">
+                      <a:alpha val="29000"/>
+                    </a:schemeClr>
+                  </a:solidFill>
+                </a:ln>
+                <a:latin typeface="+mn-ea"/>
+                <a:cs typeface="맑은 고딕 Semilight" panose="020B0502040204020203" pitchFamily="50" charset="-127"/>
+              </a:rPr>
+              <a:t> </a:t>
+            </a:r>
+            <a:r>
+              <a:rPr lang="ko-KR" altLang="en-US" sz="1400">
+                <a:ln>
+                  <a:solidFill>
+                    <a:schemeClr val="tx1">
+                      <a:alpha val="29000"/>
+                    </a:schemeClr>
+                  </a:solidFill>
+                </a:ln>
+                <a:latin typeface="+mn-ea"/>
+                <a:cs typeface="맑은 고딕 Semilight" panose="020B0502040204020203" pitchFamily="50" charset="-127"/>
+              </a:rPr>
+              <a:t>특정 영역으로 이동시킬 </a:t>
+            </a:r>
+            <a:r>
+              <a:rPr lang="ko-KR" altLang="en-US" sz="1400">
+                <a:ln>
+                  <a:solidFill>
+                    <a:schemeClr val="tx1">
+                      <a:alpha val="29000"/>
+                    </a:schemeClr>
+                  </a:solidFill>
+                </a:ln>
+                <a:latin typeface="+mn-ea"/>
+                <a:cs typeface="맑은 고딕 Semilight" panose="020B0502040204020203" pitchFamily="50" charset="-127"/>
+              </a:rPr>
+              <a:t>수 </a:t>
+            </a:r>
+            <a:r>
+              <a:rPr lang="ko-KR" altLang="en-US" sz="1400" smtClean="0">
+                <a:ln>
+                  <a:solidFill>
+                    <a:schemeClr val="tx1">
+                      <a:alpha val="29000"/>
+                    </a:schemeClr>
+                  </a:solidFill>
+                </a:ln>
+                <a:latin typeface="+mn-ea"/>
+                <a:cs typeface="맑은 고딕 Semilight" panose="020B0502040204020203" pitchFamily="50" charset="-127"/>
+              </a:rPr>
+              <a:t>있음</a:t>
+            </a:r>
+            <a:endParaRPr lang="en-US" altLang="ko-KR" sz="1400">
+              <a:ln>
+                <a:solidFill>
+                  <a:schemeClr val="tx1">
+                    <a:alpha val="29000"/>
+                  </a:schemeClr>
+                </a:solidFill>
+              </a:ln>
+              <a:latin typeface="+mn-ea"/>
+              <a:cs typeface="맑은 고딕 Semilight" panose="020B0502040204020203" pitchFamily="50" charset="-127"/>
+            </a:endParaRPr>
+          </a:p>
+        </p:txBody>
+      </p:sp>
+      <p:cxnSp>
+        <p:nvCxnSpPr>
+          <p:cNvPr id="6" name="직선 연결선 5"/>
+          <p:cNvCxnSpPr/>
+          <p:nvPr/>
+        </p:nvCxnSpPr>
+        <p:spPr>
+          <a:xfrm>
+            <a:off x="0" y="683316"/>
+            <a:ext cx="2968487" cy="0"/>
+          </a:xfrm>
+          <a:prstGeom prst="line">
+            <a:avLst/>
+          </a:prstGeom>
+          <a:ln w="28575">
+            <a:solidFill>
+              <a:srgbClr val="ED553B"/>
+            </a:solidFill>
+            <a:tailEnd type="oval" w="lg" len="lg"/>
+          </a:ln>
+        </p:spPr>
+        <p:style>
+          <a:lnRef idx="1">
+            <a:schemeClr val="accent1"/>
+          </a:lnRef>
+          <a:fillRef idx="0">
+            <a:schemeClr val="accent1"/>
+          </a:fillRef>
+          <a:effectRef idx="0">
+            <a:schemeClr val="accent1"/>
+          </a:effectRef>
+          <a:fontRef idx="minor">
+            <a:schemeClr val="tx1"/>
+          </a:fontRef>
+        </p:style>
+      </p:cxnSp>
+      <p:sp>
+        <p:nvSpPr>
+          <p:cNvPr id="10" name="TextBox 9"/>
+          <p:cNvSpPr txBox="1"/>
+          <p:nvPr/>
+        </p:nvSpPr>
+        <p:spPr>
+          <a:xfrm>
+            <a:off x="322413" y="140957"/>
+            <a:ext cx="5552787" cy="400110"/>
+          </a:xfrm>
+          <a:prstGeom prst="rect">
+            <a:avLst/>
+          </a:prstGeom>
+          <a:noFill/>
+        </p:spPr>
+        <p:txBody>
+          <a:bodyPr wrap="square" rtlCol="0">
+            <a:spAutoFit/>
+          </a:bodyPr>
+          <a:lstStyle/>
+          <a:p>
+            <a:r>
+              <a:rPr lang="en-US" altLang="ko-KR" sz="2000" smtClean="0">
+                <a:ln>
+                  <a:solidFill>
+                    <a:schemeClr val="tx1">
+                      <a:alpha val="29000"/>
+                    </a:schemeClr>
+                  </a:solidFill>
+                </a:ln>
+                <a:latin typeface="+mn-ea"/>
+                <a:cs typeface="맑은 고딕 Semilight" panose="020B0502040204020203" pitchFamily="50" charset="-127"/>
+              </a:rPr>
+              <a:t>JavaScript</a:t>
+            </a:r>
+            <a:r>
+              <a:rPr lang="ko-KR" altLang="en-US" sz="2000" smtClean="0">
+                <a:ln>
+                  <a:solidFill>
+                    <a:schemeClr val="tx1">
+                      <a:alpha val="29000"/>
+                    </a:schemeClr>
+                  </a:solidFill>
+                </a:ln>
+                <a:latin typeface="+mn-ea"/>
+                <a:cs typeface="맑은 고딕 Semilight" panose="020B0502040204020203" pitchFamily="50" charset="-127"/>
+              </a:rPr>
+              <a:t>의 제어문</a:t>
+            </a:r>
+            <a:endParaRPr lang="en-US" altLang="ko-KR" sz="2000" dirty="0">
+              <a:ln>
+                <a:solidFill>
+                  <a:schemeClr val="tx1">
+                    <a:alpha val="29000"/>
+                  </a:schemeClr>
+                </a:solidFill>
+              </a:ln>
+              <a:latin typeface="+mn-ea"/>
+              <a:cs typeface="맑은 고딕 Semilight" panose="020B0502040204020203" pitchFamily="50" charset="-127"/>
+            </a:endParaRPr>
+          </a:p>
+        </p:txBody>
+      </p:sp>
     </p:spTree>
     <p:extLst>
       <p:ext uri="{BB962C8B-B14F-4D97-AF65-F5344CB8AC3E}">
-        <p14:creationId xmlns:p14="http://schemas.microsoft.com/office/powerpoint/2010/main" val="3368516678"/>
+        <p14:creationId xmlns:p14="http://schemas.microsoft.com/office/powerpoint/2010/main" val="2207001376"/>
+      </p:ext>
+    </p:extLst>
+  </p:cSld>
+  <p:clrMapOvr>
+    <a:masterClrMapping/>
+  </p:clrMapOvr>
+  <p:timing>
+    <p:tnLst>
+      <p:par>
+        <p:cTn id="1" dur="indefinite" restart="never" nodeType="tmRoot"/>
+      </p:par>
+    </p:tnLst>
+  </p:timing>
+</p:sld>
+</file>
+
+<file path=ppt/slides/slide35.xml><?xml version="1.0" encoding="utf-8"?>
+<p:sld xmlns:a="http://schemas.openxmlformats.org/drawingml/2006/main" xmlns:r="http://schemas.openxmlformats.org/officeDocument/2006/relationships" xmlns:p="http://schemas.openxmlformats.org/presentationml/2006/main">
+  <p:cSld>
+    <p:spTree>
+      <p:nvGrpSpPr>
+        <p:cNvPr id="1" name=""/>
+        <p:cNvGrpSpPr/>
+        <p:nvPr/>
+      </p:nvGrpSpPr>
+      <p:grpSpPr>
+        <a:xfrm>
+          <a:off x="0" y="0"/>
+          <a:ext cx="0" cy="0"/>
+          <a:chOff x="0" y="0"/>
+          <a:chExt cx="0" cy="0"/>
+        </a:xfrm>
+      </p:grpSpPr>
+      <p:sp>
+        <p:nvSpPr>
+          <p:cNvPr id="8" name="TextBox 7"/>
+          <p:cNvSpPr txBox="1"/>
+          <p:nvPr/>
+        </p:nvSpPr>
+        <p:spPr>
+          <a:xfrm>
+            <a:off x="267599" y="825566"/>
+            <a:ext cx="9578660" cy="1800493"/>
+          </a:xfrm>
+          <a:prstGeom prst="rect">
+            <a:avLst/>
+          </a:prstGeom>
+          <a:noFill/>
+        </p:spPr>
+        <p:txBody>
+          <a:bodyPr wrap="square" rtlCol="0">
+            <a:spAutoFit/>
+          </a:bodyPr>
+          <a:lstStyle/>
+          <a:p>
+            <a:pPr marL="285750" indent="-285750">
+              <a:lnSpc>
+                <a:spcPct val="150000"/>
+              </a:lnSpc>
+              <a:buFont typeface="Arial" panose="020B0604020202020204" pitchFamily="34" charset="0"/>
+              <a:buChar char="•"/>
+            </a:pPr>
+            <a:r>
+              <a:rPr lang="en-US" altLang="ko-KR" sz="1800">
+                <a:ln>
+                  <a:solidFill>
+                    <a:schemeClr val="tx1">
+                      <a:alpha val="29000"/>
+                    </a:schemeClr>
+                  </a:solidFill>
+                </a:ln>
+                <a:latin typeface="+mn-ea"/>
+                <a:cs typeface="맑은 고딕 Semilight" panose="020B0502040204020203" pitchFamily="50" charset="-127"/>
+                <a:sym typeface="Wingdings" panose="05000000000000000000" pitchFamily="2" charset="2"/>
+              </a:rPr>
+              <a:t>label </a:t>
+            </a:r>
+            <a:r>
+              <a:rPr lang="ko-KR" altLang="en-US" sz="1800" smtClean="0">
+                <a:ln>
+                  <a:solidFill>
+                    <a:schemeClr val="tx1">
+                      <a:alpha val="29000"/>
+                    </a:schemeClr>
+                  </a:solidFill>
+                </a:ln>
+                <a:latin typeface="+mn-ea"/>
+                <a:cs typeface="맑은 고딕 Semilight" panose="020B0502040204020203" pitchFamily="50" charset="-127"/>
+                <a:sym typeface="Wingdings" panose="05000000000000000000" pitchFamily="2" charset="2"/>
+              </a:rPr>
+              <a:t>문</a:t>
+            </a:r>
+            <a:r>
+              <a:rPr lang="ko-KR" altLang="en-US" sz="1800" smtClean="0">
+                <a:ln>
+                  <a:solidFill>
+                    <a:schemeClr val="tx1">
+                      <a:alpha val="29000"/>
+                    </a:schemeClr>
+                  </a:solidFill>
+                </a:ln>
+                <a:latin typeface="+mn-ea"/>
+                <a:cs typeface="맑은 고딕 Semilight" panose="020B0502040204020203" pitchFamily="50" charset="-127"/>
+                <a:sym typeface="Wingdings" panose="05000000000000000000" pitchFamily="2" charset="2"/>
+              </a:rPr>
+              <a:t> </a:t>
+            </a:r>
+            <a:endParaRPr lang="ko-KR" altLang="en-US" sz="1800">
+              <a:ln>
+                <a:solidFill>
+                  <a:schemeClr val="tx1">
+                    <a:alpha val="29000"/>
+                  </a:schemeClr>
+                </a:solidFill>
+              </a:ln>
+              <a:latin typeface="+mn-ea"/>
+              <a:cs typeface="맑은 고딕 Semilight" panose="020B0502040204020203" pitchFamily="50" charset="-127"/>
+              <a:sym typeface="Wingdings" panose="05000000000000000000" pitchFamily="2" charset="2"/>
+            </a:endParaRPr>
+          </a:p>
+          <a:p>
+            <a:pPr marL="449263" lvl="1" indent="-182563">
+              <a:lnSpc>
+                <a:spcPct val="150000"/>
+              </a:lnSpc>
+              <a:buFontTx/>
+              <a:buChar char="-"/>
+              <a:tabLst>
+                <a:tab pos="182563" algn="l"/>
+                <a:tab pos="449263" algn="l"/>
+              </a:tabLst>
+            </a:pPr>
+            <a:r>
+              <a:rPr lang="en-US" altLang="ko-KR" sz="1400">
+                <a:ln>
+                  <a:solidFill>
+                    <a:schemeClr val="tx1">
+                      <a:alpha val="29000"/>
+                    </a:schemeClr>
+                  </a:solidFill>
+                </a:ln>
+                <a:latin typeface="+mn-ea"/>
+                <a:cs typeface="맑은 고딕 Semilight" panose="020B0502040204020203" pitchFamily="50" charset="-127"/>
+              </a:rPr>
+              <a:t>label </a:t>
+            </a:r>
+            <a:r>
+              <a:rPr lang="ko-KR" altLang="en-US" sz="1400">
+                <a:ln>
+                  <a:solidFill>
+                    <a:schemeClr val="tx1">
+                      <a:alpha val="29000"/>
+                    </a:schemeClr>
+                  </a:solidFill>
+                </a:ln>
+                <a:latin typeface="+mn-ea"/>
+                <a:cs typeface="맑은 고딕 Semilight" panose="020B0502040204020203" pitchFamily="50" charset="-127"/>
+              </a:rPr>
+              <a:t>문은 프로그램 내의 </a:t>
+            </a:r>
+            <a:r>
+              <a:rPr lang="ko-KR" altLang="en-US" sz="1400">
+                <a:ln>
+                  <a:solidFill>
+                    <a:schemeClr val="tx1">
+                      <a:alpha val="29000"/>
+                    </a:schemeClr>
+                  </a:solidFill>
+                </a:ln>
+                <a:latin typeface="+mn-ea"/>
+                <a:cs typeface="맑은 고딕 Semilight" panose="020B0502040204020203" pitchFamily="50" charset="-127"/>
+              </a:rPr>
+              <a:t>특정 </a:t>
+            </a:r>
+            <a:r>
+              <a:rPr lang="ko-KR" altLang="en-US" sz="1400" smtClean="0">
+                <a:ln>
+                  <a:solidFill>
+                    <a:schemeClr val="tx1">
+                      <a:alpha val="29000"/>
+                    </a:schemeClr>
+                  </a:solidFill>
+                </a:ln>
+                <a:latin typeface="+mn-ea"/>
+                <a:cs typeface="맑은 고딕 Semilight" panose="020B0502040204020203" pitchFamily="50" charset="-127"/>
+              </a:rPr>
+              <a:t>영역을</a:t>
+            </a:r>
+            <a:r>
+              <a:rPr lang="en-US" altLang="ko-KR" sz="1400" smtClean="0">
+                <a:ln>
+                  <a:solidFill>
+                    <a:schemeClr val="tx1">
+                      <a:alpha val="29000"/>
+                    </a:schemeClr>
+                  </a:solidFill>
+                </a:ln>
+                <a:latin typeface="+mn-ea"/>
+                <a:cs typeface="맑은 고딕 Semilight" panose="020B0502040204020203" pitchFamily="50" charset="-127"/>
+              </a:rPr>
+              <a:t/>
+            </a:r>
+            <a:br>
+              <a:rPr lang="en-US" altLang="ko-KR" sz="1400" smtClean="0">
+                <a:ln>
+                  <a:solidFill>
+                    <a:schemeClr val="tx1">
+                      <a:alpha val="29000"/>
+                    </a:schemeClr>
+                  </a:solidFill>
+                </a:ln>
+                <a:latin typeface="+mn-ea"/>
+                <a:cs typeface="맑은 고딕 Semilight" panose="020B0502040204020203" pitchFamily="50" charset="-127"/>
+              </a:rPr>
+            </a:br>
+            <a:r>
+              <a:rPr lang="ko-KR" altLang="en-US" sz="1400" smtClean="0">
+                <a:ln>
+                  <a:solidFill>
+                    <a:schemeClr val="tx1">
+                      <a:alpha val="29000"/>
+                    </a:schemeClr>
+                  </a:solidFill>
+                </a:ln>
+                <a:latin typeface="+mn-ea"/>
+                <a:cs typeface="맑은 고딕 Semilight" panose="020B0502040204020203" pitchFamily="50" charset="-127"/>
+              </a:rPr>
+              <a:t> </a:t>
+            </a:r>
+            <a:r>
+              <a:rPr lang="ko-KR" altLang="en-US" sz="1400">
+                <a:ln>
+                  <a:solidFill>
+                    <a:schemeClr val="tx1">
+                      <a:alpha val="29000"/>
+                    </a:schemeClr>
+                  </a:solidFill>
+                </a:ln>
+                <a:latin typeface="+mn-ea"/>
+                <a:cs typeface="맑은 고딕 Semilight" panose="020B0502040204020203" pitchFamily="50" charset="-127"/>
+              </a:rPr>
+              <a:t>식별할 수 있도록 </a:t>
+            </a:r>
+            <a:r>
+              <a:rPr lang="ko-KR" altLang="en-US" sz="1400">
+                <a:ln>
+                  <a:solidFill>
+                    <a:schemeClr val="tx1">
+                      <a:alpha val="29000"/>
+                    </a:schemeClr>
+                  </a:solidFill>
+                </a:ln>
+                <a:latin typeface="+mn-ea"/>
+                <a:cs typeface="맑은 고딕 Semilight" panose="020B0502040204020203" pitchFamily="50" charset="-127"/>
+              </a:rPr>
+              <a:t>해주는 </a:t>
+            </a:r>
+            <a:r>
+              <a:rPr lang="ko-KR" altLang="en-US" sz="1400" smtClean="0">
+                <a:ln>
+                  <a:solidFill>
+                    <a:schemeClr val="tx1">
+                      <a:alpha val="29000"/>
+                    </a:schemeClr>
+                  </a:solidFill>
+                </a:ln>
+                <a:latin typeface="+mn-ea"/>
+                <a:cs typeface="맑은 고딕 Semilight" panose="020B0502040204020203" pitchFamily="50" charset="-127"/>
+              </a:rPr>
+              <a:t>식별자</a:t>
+            </a:r>
+            <a:endParaRPr lang="en-US" altLang="ko-KR" sz="1400">
+              <a:ln>
+                <a:solidFill>
+                  <a:schemeClr val="tx1">
+                    <a:alpha val="29000"/>
+                  </a:schemeClr>
+                </a:solidFill>
+              </a:ln>
+              <a:latin typeface="+mn-ea"/>
+              <a:cs typeface="맑은 고딕 Semilight" panose="020B0502040204020203" pitchFamily="50" charset="-127"/>
+            </a:endParaRPr>
+          </a:p>
+          <a:p>
+            <a:pPr marL="449263" lvl="1" indent="-182563">
+              <a:lnSpc>
+                <a:spcPct val="150000"/>
+              </a:lnSpc>
+              <a:buFontTx/>
+              <a:buChar char="-"/>
+              <a:tabLst>
+                <a:tab pos="182563" algn="l"/>
+                <a:tab pos="449263" algn="l"/>
+              </a:tabLst>
+            </a:pPr>
+            <a:r>
+              <a:rPr lang="en-US" altLang="ko-KR" sz="1400">
+                <a:ln>
+                  <a:solidFill>
+                    <a:schemeClr val="tx1">
+                      <a:alpha val="29000"/>
+                    </a:schemeClr>
+                  </a:solidFill>
+                </a:ln>
+                <a:latin typeface="+mn-ea"/>
+                <a:cs typeface="맑은 고딕 Semilight" panose="020B0502040204020203" pitchFamily="50" charset="-127"/>
+              </a:rPr>
+              <a:t>label </a:t>
+            </a:r>
+            <a:r>
+              <a:rPr lang="ko-KR" altLang="en-US" sz="1400">
+                <a:ln>
+                  <a:solidFill>
+                    <a:schemeClr val="tx1">
+                      <a:alpha val="29000"/>
+                    </a:schemeClr>
+                  </a:solidFill>
+                </a:ln>
+                <a:latin typeface="+mn-ea"/>
+                <a:cs typeface="맑은 고딕 Semilight" panose="020B0502040204020203" pitchFamily="50" charset="-127"/>
+              </a:rPr>
+              <a:t>문을 사용하면 </a:t>
+            </a:r>
+            <a:r>
+              <a:rPr lang="en-US" altLang="ko-KR" sz="1400">
+                <a:ln>
+                  <a:solidFill>
+                    <a:schemeClr val="tx1">
+                      <a:alpha val="29000"/>
+                    </a:schemeClr>
+                  </a:solidFill>
+                </a:ln>
+                <a:latin typeface="+mn-ea"/>
+                <a:cs typeface="맑은 고딕 Semilight" panose="020B0502040204020203" pitchFamily="50" charset="-127"/>
+              </a:rPr>
+              <a:t>continue </a:t>
+            </a:r>
+            <a:r>
+              <a:rPr lang="ko-KR" altLang="en-US" sz="1400">
+                <a:ln>
+                  <a:solidFill>
+                    <a:schemeClr val="tx1">
+                      <a:alpha val="29000"/>
+                    </a:schemeClr>
+                  </a:solidFill>
+                </a:ln>
+                <a:latin typeface="+mn-ea"/>
+                <a:cs typeface="맑은 고딕 Semilight" panose="020B0502040204020203" pitchFamily="50" charset="-127"/>
+              </a:rPr>
+              <a:t>문과 </a:t>
+            </a:r>
+            <a:r>
+              <a:rPr lang="en-US" altLang="ko-KR" sz="1400">
+                <a:ln>
+                  <a:solidFill>
+                    <a:schemeClr val="tx1">
+                      <a:alpha val="29000"/>
+                    </a:schemeClr>
+                  </a:solidFill>
+                </a:ln>
+                <a:latin typeface="+mn-ea"/>
+                <a:cs typeface="맑은 고딕 Semilight" panose="020B0502040204020203" pitchFamily="50" charset="-127"/>
+              </a:rPr>
+              <a:t>break </a:t>
+            </a:r>
+            <a:r>
+              <a:rPr lang="ko-KR" altLang="en-US" sz="1400">
+                <a:ln>
+                  <a:solidFill>
+                    <a:schemeClr val="tx1">
+                      <a:alpha val="29000"/>
+                    </a:schemeClr>
+                  </a:solidFill>
+                </a:ln>
+                <a:latin typeface="+mn-ea"/>
+                <a:cs typeface="맑은 고딕 Semilight" panose="020B0502040204020203" pitchFamily="50" charset="-127"/>
+              </a:rPr>
+              <a:t>문의 </a:t>
+            </a:r>
+            <a:r>
+              <a:rPr lang="ko-KR" altLang="en-US" sz="1400" smtClean="0">
+                <a:ln>
+                  <a:solidFill>
+                    <a:schemeClr val="tx1">
+                      <a:alpha val="29000"/>
+                    </a:schemeClr>
+                  </a:solidFill>
+                </a:ln>
+                <a:latin typeface="+mn-ea"/>
+                <a:cs typeface="맑은 고딕 Semilight" panose="020B0502040204020203" pitchFamily="50" charset="-127"/>
+              </a:rPr>
+              <a:t>동작이</a:t>
+            </a:r>
+            <a:r>
+              <a:rPr lang="en-US" altLang="ko-KR" sz="1400" smtClean="0">
+                <a:ln>
+                  <a:solidFill>
+                    <a:schemeClr val="tx1">
+                      <a:alpha val="29000"/>
+                    </a:schemeClr>
+                  </a:solidFill>
+                </a:ln>
+                <a:latin typeface="+mn-ea"/>
+                <a:cs typeface="맑은 고딕 Semilight" panose="020B0502040204020203" pitchFamily="50" charset="-127"/>
+              </a:rPr>
+              <a:t/>
+            </a:r>
+            <a:br>
+              <a:rPr lang="en-US" altLang="ko-KR" sz="1400" smtClean="0">
+                <a:ln>
+                  <a:solidFill>
+                    <a:schemeClr val="tx1">
+                      <a:alpha val="29000"/>
+                    </a:schemeClr>
+                  </a:solidFill>
+                </a:ln>
+                <a:latin typeface="+mn-ea"/>
+                <a:cs typeface="맑은 고딕 Semilight" panose="020B0502040204020203" pitchFamily="50" charset="-127"/>
+              </a:rPr>
+            </a:br>
+            <a:r>
+              <a:rPr lang="ko-KR" altLang="en-US" sz="1400" smtClean="0">
+                <a:ln>
+                  <a:solidFill>
+                    <a:schemeClr val="tx1">
+                      <a:alpha val="29000"/>
+                    </a:schemeClr>
+                  </a:solidFill>
+                </a:ln>
+                <a:latin typeface="+mn-ea"/>
+                <a:cs typeface="맑은 고딕 Semilight" panose="020B0502040204020203" pitchFamily="50" charset="-127"/>
+              </a:rPr>
+              <a:t> </a:t>
+            </a:r>
+            <a:r>
+              <a:rPr lang="ko-KR" altLang="en-US" sz="1400">
+                <a:ln>
+                  <a:solidFill>
+                    <a:schemeClr val="tx1">
+                      <a:alpha val="29000"/>
+                    </a:schemeClr>
+                  </a:solidFill>
+                </a:ln>
+                <a:latin typeface="+mn-ea"/>
+                <a:cs typeface="맑은 고딕 Semilight" panose="020B0502040204020203" pitchFamily="50" charset="-127"/>
+              </a:rPr>
+              <a:t>프로그램의 흐름을 특정 영역으로 이동시킬 </a:t>
+            </a:r>
+            <a:r>
+              <a:rPr lang="ko-KR" altLang="en-US" sz="1400">
+                <a:ln>
+                  <a:solidFill>
+                    <a:schemeClr val="tx1">
+                      <a:alpha val="29000"/>
+                    </a:schemeClr>
+                  </a:solidFill>
+                </a:ln>
+                <a:latin typeface="+mn-ea"/>
+                <a:cs typeface="맑은 고딕 Semilight" panose="020B0502040204020203" pitchFamily="50" charset="-127"/>
+              </a:rPr>
+              <a:t>수 </a:t>
+            </a:r>
+            <a:r>
+              <a:rPr lang="ko-KR" altLang="en-US" sz="1400" smtClean="0">
+                <a:ln>
+                  <a:solidFill>
+                    <a:schemeClr val="tx1">
+                      <a:alpha val="29000"/>
+                    </a:schemeClr>
+                  </a:solidFill>
+                </a:ln>
+                <a:latin typeface="+mn-ea"/>
+                <a:cs typeface="맑은 고딕 Semilight" panose="020B0502040204020203" pitchFamily="50" charset="-127"/>
+              </a:rPr>
+              <a:t>있음</a:t>
+            </a:r>
+            <a:endParaRPr lang="en-US" altLang="ko-KR" sz="1400">
+              <a:ln>
+                <a:solidFill>
+                  <a:schemeClr val="tx1">
+                    <a:alpha val="29000"/>
+                  </a:schemeClr>
+                </a:solidFill>
+              </a:ln>
+              <a:latin typeface="+mn-ea"/>
+              <a:cs typeface="맑은 고딕 Semilight" panose="020B0502040204020203" pitchFamily="50" charset="-127"/>
+            </a:endParaRPr>
+          </a:p>
+        </p:txBody>
+      </p:sp>
+      <p:cxnSp>
+        <p:nvCxnSpPr>
+          <p:cNvPr id="6" name="직선 연결선 5"/>
+          <p:cNvCxnSpPr/>
+          <p:nvPr/>
+        </p:nvCxnSpPr>
+        <p:spPr>
+          <a:xfrm>
+            <a:off x="0" y="683316"/>
+            <a:ext cx="2968487" cy="0"/>
+          </a:xfrm>
+          <a:prstGeom prst="line">
+            <a:avLst/>
+          </a:prstGeom>
+          <a:ln w="28575">
+            <a:solidFill>
+              <a:srgbClr val="ED553B"/>
+            </a:solidFill>
+            <a:tailEnd type="oval" w="lg" len="lg"/>
+          </a:ln>
+        </p:spPr>
+        <p:style>
+          <a:lnRef idx="1">
+            <a:schemeClr val="accent1"/>
+          </a:lnRef>
+          <a:fillRef idx="0">
+            <a:schemeClr val="accent1"/>
+          </a:fillRef>
+          <a:effectRef idx="0">
+            <a:schemeClr val="accent1"/>
+          </a:effectRef>
+          <a:fontRef idx="minor">
+            <a:schemeClr val="tx1"/>
+          </a:fontRef>
+        </p:style>
+      </p:cxnSp>
+      <p:sp>
+        <p:nvSpPr>
+          <p:cNvPr id="10" name="TextBox 9"/>
+          <p:cNvSpPr txBox="1"/>
+          <p:nvPr/>
+        </p:nvSpPr>
+        <p:spPr>
+          <a:xfrm>
+            <a:off x="322413" y="140957"/>
+            <a:ext cx="5552787" cy="400110"/>
+          </a:xfrm>
+          <a:prstGeom prst="rect">
+            <a:avLst/>
+          </a:prstGeom>
+          <a:noFill/>
+        </p:spPr>
+        <p:txBody>
+          <a:bodyPr wrap="square" rtlCol="0">
+            <a:spAutoFit/>
+          </a:bodyPr>
+          <a:lstStyle/>
+          <a:p>
+            <a:r>
+              <a:rPr lang="en-US" altLang="ko-KR" sz="2000" smtClean="0">
+                <a:ln>
+                  <a:solidFill>
+                    <a:schemeClr val="tx1">
+                      <a:alpha val="29000"/>
+                    </a:schemeClr>
+                  </a:solidFill>
+                </a:ln>
+                <a:latin typeface="+mn-ea"/>
+                <a:cs typeface="맑은 고딕 Semilight" panose="020B0502040204020203" pitchFamily="50" charset="-127"/>
+              </a:rPr>
+              <a:t>JavaScript</a:t>
+            </a:r>
+            <a:r>
+              <a:rPr lang="ko-KR" altLang="en-US" sz="2000" smtClean="0">
+                <a:ln>
+                  <a:solidFill>
+                    <a:schemeClr val="tx1">
+                      <a:alpha val="29000"/>
+                    </a:schemeClr>
+                  </a:solidFill>
+                </a:ln>
+                <a:latin typeface="+mn-ea"/>
+                <a:cs typeface="맑은 고딕 Semilight" panose="020B0502040204020203" pitchFamily="50" charset="-127"/>
+              </a:rPr>
+              <a:t>의 제어문</a:t>
+            </a:r>
+            <a:endParaRPr lang="en-US" altLang="ko-KR" sz="2000" dirty="0">
+              <a:ln>
+                <a:solidFill>
+                  <a:schemeClr val="tx1">
+                    <a:alpha val="29000"/>
+                  </a:schemeClr>
+                </a:solidFill>
+              </a:ln>
+              <a:latin typeface="+mn-ea"/>
+              <a:cs typeface="맑은 고딕 Semilight" panose="020B0502040204020203" pitchFamily="50" charset="-127"/>
+            </a:endParaRPr>
+          </a:p>
+        </p:txBody>
+      </p:sp>
+      <p:pic>
+        <p:nvPicPr>
+          <p:cNvPr id="2" name="그림 1"/>
+          <p:cNvPicPr>
+            <a:picLocks noChangeAspect="1"/>
+          </p:cNvPicPr>
+          <p:nvPr/>
+        </p:nvPicPr>
+        <p:blipFill>
+          <a:blip r:embed="rId3"/>
+          <a:stretch>
+            <a:fillRect/>
+          </a:stretch>
+        </p:blipFill>
+        <p:spPr>
+          <a:xfrm>
+            <a:off x="2060575" y="3202263"/>
+            <a:ext cx="6038850" cy="847725"/>
+          </a:xfrm>
+          <a:prstGeom prst="rect">
+            <a:avLst/>
+          </a:prstGeom>
+        </p:spPr>
+      </p:pic>
+    </p:spTree>
+    <p:extLst>
+      <p:ext uri="{BB962C8B-B14F-4D97-AF65-F5344CB8AC3E}">
+        <p14:creationId xmlns:p14="http://schemas.microsoft.com/office/powerpoint/2010/main" val="4093324777"/>
+      </p:ext>
+    </p:extLst>
+  </p:cSld>
+  <p:clrMapOvr>
+    <a:masterClrMapping/>
+  </p:clrMapOvr>
+  <p:timing>
+    <p:tnLst>
+      <p:par>
+        <p:cTn id="1" dur="indefinite" restart="never" nodeType="tmRoot"/>
+      </p:par>
+    </p:tnLst>
+  </p:timing>
+</p:sld>
+</file>
+
+<file path=ppt/slides/slide36.xml><?xml version="1.0" encoding="utf-8"?>
+<p:sld xmlns:a="http://schemas.openxmlformats.org/drawingml/2006/main" xmlns:r="http://schemas.openxmlformats.org/officeDocument/2006/relationships" xmlns:p="http://schemas.openxmlformats.org/presentationml/2006/main">
+  <p:cSld>
+    <p:spTree>
+      <p:nvGrpSpPr>
+        <p:cNvPr id="1" name=""/>
+        <p:cNvGrpSpPr/>
+        <p:nvPr/>
+      </p:nvGrpSpPr>
+      <p:grpSpPr>
+        <a:xfrm>
+          <a:off x="0" y="0"/>
+          <a:ext cx="0" cy="0"/>
+          <a:chOff x="0" y="0"/>
+          <a:chExt cx="0" cy="0"/>
+        </a:xfrm>
+      </p:grpSpPr>
+      <p:sp>
+        <p:nvSpPr>
+          <p:cNvPr id="8" name="TextBox 7"/>
+          <p:cNvSpPr txBox="1"/>
+          <p:nvPr/>
+        </p:nvSpPr>
+        <p:spPr>
+          <a:xfrm>
+            <a:off x="267599" y="825566"/>
+            <a:ext cx="9578660" cy="830997"/>
+          </a:xfrm>
+          <a:prstGeom prst="rect">
+            <a:avLst/>
+          </a:prstGeom>
+          <a:noFill/>
+        </p:spPr>
+        <p:txBody>
+          <a:bodyPr wrap="square" rtlCol="0">
+            <a:spAutoFit/>
+          </a:bodyPr>
+          <a:lstStyle/>
+          <a:p>
+            <a:pPr marL="285750" indent="-285750">
+              <a:lnSpc>
+                <a:spcPct val="150000"/>
+              </a:lnSpc>
+              <a:buFont typeface="Arial" panose="020B0604020202020204" pitchFamily="34" charset="0"/>
+              <a:buChar char="•"/>
+            </a:pPr>
+            <a:r>
+              <a:rPr lang="en-US" altLang="ko-KR" sz="1800">
+                <a:ln>
+                  <a:solidFill>
+                    <a:schemeClr val="tx1">
+                      <a:alpha val="29000"/>
+                    </a:schemeClr>
+                  </a:solidFill>
+                </a:ln>
+                <a:latin typeface="+mn-ea"/>
+                <a:cs typeface="맑은 고딕 Semilight" panose="020B0502040204020203" pitchFamily="50" charset="-127"/>
+                <a:sym typeface="Wingdings" panose="05000000000000000000" pitchFamily="2" charset="2"/>
+              </a:rPr>
+              <a:t>label </a:t>
+            </a:r>
+            <a:r>
+              <a:rPr lang="ko-KR" altLang="en-US" sz="1800" smtClean="0">
+                <a:ln>
+                  <a:solidFill>
+                    <a:schemeClr val="tx1">
+                      <a:alpha val="29000"/>
+                    </a:schemeClr>
+                  </a:solidFill>
+                </a:ln>
+                <a:latin typeface="+mn-ea"/>
+                <a:cs typeface="맑은 고딕 Semilight" panose="020B0502040204020203" pitchFamily="50" charset="-127"/>
+                <a:sym typeface="Wingdings" panose="05000000000000000000" pitchFamily="2" charset="2"/>
+              </a:rPr>
+              <a:t>문</a:t>
+            </a:r>
+            <a:r>
+              <a:rPr lang="ko-KR" altLang="en-US" sz="1800" smtClean="0">
+                <a:ln>
+                  <a:solidFill>
+                    <a:schemeClr val="tx1">
+                      <a:alpha val="29000"/>
+                    </a:schemeClr>
+                  </a:solidFill>
+                </a:ln>
+                <a:latin typeface="+mn-ea"/>
+                <a:cs typeface="맑은 고딕 Semilight" panose="020B0502040204020203" pitchFamily="50" charset="-127"/>
+                <a:sym typeface="Wingdings" panose="05000000000000000000" pitchFamily="2" charset="2"/>
+              </a:rPr>
+              <a:t> </a:t>
+            </a:r>
+            <a:endParaRPr lang="ko-KR" altLang="en-US" sz="1800">
+              <a:ln>
+                <a:solidFill>
+                  <a:schemeClr val="tx1">
+                    <a:alpha val="29000"/>
+                  </a:schemeClr>
+                </a:solidFill>
+              </a:ln>
+              <a:latin typeface="+mn-ea"/>
+              <a:cs typeface="맑은 고딕 Semilight" panose="020B0502040204020203" pitchFamily="50" charset="-127"/>
+              <a:sym typeface="Wingdings" panose="05000000000000000000" pitchFamily="2" charset="2"/>
+            </a:endParaRPr>
+          </a:p>
+          <a:p>
+            <a:pPr marL="449263" lvl="1" indent="-182563">
+              <a:lnSpc>
+                <a:spcPct val="150000"/>
+              </a:lnSpc>
+              <a:buFontTx/>
+              <a:buChar char="-"/>
+              <a:tabLst>
+                <a:tab pos="182563" algn="l"/>
+                <a:tab pos="449263" algn="l"/>
+              </a:tabLst>
+            </a:pPr>
+            <a:r>
+              <a:rPr lang="ko-KR" altLang="en-US" sz="1400">
+                <a:ln>
+                  <a:solidFill>
+                    <a:schemeClr val="tx1">
+                      <a:alpha val="29000"/>
+                    </a:schemeClr>
+                  </a:solidFill>
+                </a:ln>
+                <a:latin typeface="+mn-ea"/>
+                <a:cs typeface="맑은 고딕 Semilight" panose="020B0502040204020203" pitchFamily="50" charset="-127"/>
+              </a:rPr>
+              <a:t>다음 예제에서 라벨인 </a:t>
+            </a:r>
+            <a:r>
+              <a:rPr lang="en-US" altLang="ko-KR" sz="1400">
+                <a:ln>
+                  <a:solidFill>
+                    <a:schemeClr val="tx1">
+                      <a:alpha val="29000"/>
+                    </a:schemeClr>
+                  </a:solidFill>
+                </a:ln>
+                <a:latin typeface="+mn-ea"/>
+                <a:cs typeface="맑은 고딕 Semilight" panose="020B0502040204020203" pitchFamily="50" charset="-127"/>
+              </a:rPr>
+              <a:t>arrIndex</a:t>
+            </a:r>
+            <a:r>
+              <a:rPr lang="ko-KR" altLang="en-US" sz="1400">
+                <a:ln>
+                  <a:solidFill>
+                    <a:schemeClr val="tx1">
+                      <a:alpha val="29000"/>
+                    </a:schemeClr>
+                  </a:solidFill>
+                </a:ln>
+                <a:latin typeface="+mn-ea"/>
+                <a:cs typeface="맑은 고딕 Semilight" panose="020B0502040204020203" pitchFamily="50" charset="-127"/>
+              </a:rPr>
+              <a:t>는 그 이후에 나오는 </a:t>
+            </a:r>
+            <a:r>
+              <a:rPr lang="en-US" altLang="ko-KR" sz="1400">
+                <a:ln>
+                  <a:solidFill>
+                    <a:schemeClr val="tx1">
+                      <a:alpha val="29000"/>
+                    </a:schemeClr>
+                  </a:solidFill>
+                </a:ln>
+                <a:latin typeface="+mn-ea"/>
+                <a:cs typeface="맑은 고딕 Semilight" panose="020B0502040204020203" pitchFamily="50" charset="-127"/>
+              </a:rPr>
+              <a:t>for </a:t>
+            </a:r>
+            <a:r>
+              <a:rPr lang="ko-KR" altLang="en-US" sz="1400">
+                <a:ln>
+                  <a:solidFill>
+                    <a:schemeClr val="tx1">
+                      <a:alpha val="29000"/>
+                    </a:schemeClr>
+                  </a:solidFill>
+                </a:ln>
+                <a:latin typeface="+mn-ea"/>
+                <a:cs typeface="맑은 고딕 Semilight" panose="020B0502040204020203" pitchFamily="50" charset="-127"/>
+              </a:rPr>
+              <a:t>문 전체를 가리키는 식별자로 </a:t>
+            </a:r>
+            <a:r>
+              <a:rPr lang="ko-KR" altLang="en-US" sz="1400">
+                <a:ln>
+                  <a:solidFill>
+                    <a:schemeClr val="tx1">
+                      <a:alpha val="29000"/>
+                    </a:schemeClr>
+                  </a:solidFill>
+                </a:ln>
+                <a:latin typeface="+mn-ea"/>
+                <a:cs typeface="맑은 고딕 Semilight" panose="020B0502040204020203" pitchFamily="50" charset="-127"/>
+              </a:rPr>
+              <a:t>사용되고 </a:t>
+            </a:r>
+            <a:r>
+              <a:rPr lang="ko-KR" altLang="en-US" sz="1400" smtClean="0">
+                <a:ln>
+                  <a:solidFill>
+                    <a:schemeClr val="tx1">
+                      <a:alpha val="29000"/>
+                    </a:schemeClr>
+                  </a:solidFill>
+                </a:ln>
+                <a:latin typeface="+mn-ea"/>
+                <a:cs typeface="맑은 고딕 Semilight" panose="020B0502040204020203" pitchFamily="50" charset="-127"/>
+              </a:rPr>
+              <a:t>있음</a:t>
+            </a:r>
+            <a:endParaRPr lang="en-US" altLang="ko-KR" sz="1400">
+              <a:ln>
+                <a:solidFill>
+                  <a:schemeClr val="tx1">
+                    <a:alpha val="29000"/>
+                  </a:schemeClr>
+                </a:solidFill>
+              </a:ln>
+              <a:latin typeface="+mn-ea"/>
+              <a:cs typeface="맑은 고딕 Semilight" panose="020B0502040204020203" pitchFamily="50" charset="-127"/>
+            </a:endParaRPr>
+          </a:p>
+        </p:txBody>
+      </p:sp>
+      <p:cxnSp>
+        <p:nvCxnSpPr>
+          <p:cNvPr id="6" name="직선 연결선 5"/>
+          <p:cNvCxnSpPr/>
+          <p:nvPr/>
+        </p:nvCxnSpPr>
+        <p:spPr>
+          <a:xfrm>
+            <a:off x="0" y="683316"/>
+            <a:ext cx="2968487" cy="0"/>
+          </a:xfrm>
+          <a:prstGeom prst="line">
+            <a:avLst/>
+          </a:prstGeom>
+          <a:ln w="28575">
+            <a:solidFill>
+              <a:srgbClr val="ED553B"/>
+            </a:solidFill>
+            <a:tailEnd type="oval" w="lg" len="lg"/>
+          </a:ln>
+        </p:spPr>
+        <p:style>
+          <a:lnRef idx="1">
+            <a:schemeClr val="accent1"/>
+          </a:lnRef>
+          <a:fillRef idx="0">
+            <a:schemeClr val="accent1"/>
+          </a:fillRef>
+          <a:effectRef idx="0">
+            <a:schemeClr val="accent1"/>
+          </a:effectRef>
+          <a:fontRef idx="minor">
+            <a:schemeClr val="tx1"/>
+          </a:fontRef>
+        </p:style>
+      </p:cxnSp>
+      <p:sp>
+        <p:nvSpPr>
+          <p:cNvPr id="10" name="TextBox 9"/>
+          <p:cNvSpPr txBox="1"/>
+          <p:nvPr/>
+        </p:nvSpPr>
+        <p:spPr>
+          <a:xfrm>
+            <a:off x="322413" y="140957"/>
+            <a:ext cx="5552787" cy="400110"/>
+          </a:xfrm>
+          <a:prstGeom prst="rect">
+            <a:avLst/>
+          </a:prstGeom>
+          <a:noFill/>
+        </p:spPr>
+        <p:txBody>
+          <a:bodyPr wrap="square" rtlCol="0">
+            <a:spAutoFit/>
+          </a:bodyPr>
+          <a:lstStyle/>
+          <a:p>
+            <a:r>
+              <a:rPr lang="en-US" altLang="ko-KR" sz="2000" smtClean="0">
+                <a:ln>
+                  <a:solidFill>
+                    <a:schemeClr val="tx1">
+                      <a:alpha val="29000"/>
+                    </a:schemeClr>
+                  </a:solidFill>
+                </a:ln>
+                <a:latin typeface="+mn-ea"/>
+                <a:cs typeface="맑은 고딕 Semilight" panose="020B0502040204020203" pitchFamily="50" charset="-127"/>
+              </a:rPr>
+              <a:t>JavaScript</a:t>
+            </a:r>
+            <a:r>
+              <a:rPr lang="ko-KR" altLang="en-US" sz="2000" smtClean="0">
+                <a:ln>
+                  <a:solidFill>
+                    <a:schemeClr val="tx1">
+                      <a:alpha val="29000"/>
+                    </a:schemeClr>
+                  </a:solidFill>
+                </a:ln>
+                <a:latin typeface="+mn-ea"/>
+                <a:cs typeface="맑은 고딕 Semilight" panose="020B0502040204020203" pitchFamily="50" charset="-127"/>
+              </a:rPr>
+              <a:t>의 제어문</a:t>
+            </a:r>
+            <a:endParaRPr lang="en-US" altLang="ko-KR" sz="2000" dirty="0">
+              <a:ln>
+                <a:solidFill>
+                  <a:schemeClr val="tx1">
+                    <a:alpha val="29000"/>
+                  </a:schemeClr>
+                </a:solidFill>
+              </a:ln>
+              <a:latin typeface="+mn-ea"/>
+              <a:cs typeface="맑은 고딕 Semilight" panose="020B0502040204020203" pitchFamily="50" charset="-127"/>
+            </a:endParaRPr>
+          </a:p>
+        </p:txBody>
+      </p:sp>
+      <p:pic>
+        <p:nvPicPr>
+          <p:cNvPr id="3" name="그림 2"/>
+          <p:cNvPicPr>
+            <a:picLocks noChangeAspect="1"/>
+          </p:cNvPicPr>
+          <p:nvPr/>
+        </p:nvPicPr>
+        <p:blipFill>
+          <a:blip r:embed="rId3"/>
+          <a:stretch>
+            <a:fillRect/>
+          </a:stretch>
+        </p:blipFill>
+        <p:spPr>
+          <a:xfrm>
+            <a:off x="2070100" y="2448339"/>
+            <a:ext cx="6019800" cy="1295400"/>
+          </a:xfrm>
+          <a:prstGeom prst="rect">
+            <a:avLst/>
+          </a:prstGeom>
+        </p:spPr>
+      </p:pic>
+    </p:spTree>
+    <p:extLst>
+      <p:ext uri="{BB962C8B-B14F-4D97-AF65-F5344CB8AC3E}">
+        <p14:creationId xmlns:p14="http://schemas.microsoft.com/office/powerpoint/2010/main" val="2501649034"/>
+      </p:ext>
+    </p:extLst>
+  </p:cSld>
+  <p:clrMapOvr>
+    <a:masterClrMapping/>
+  </p:clrMapOvr>
+  <p:timing>
+    <p:tnLst>
+      <p:par>
+        <p:cTn id="1" dur="indefinite" restart="never" nodeType="tmRoot"/>
+      </p:par>
+    </p:tnLst>
+  </p:timing>
+</p:sld>
+</file>
+
+<file path=ppt/slides/slide37.xml><?xml version="1.0" encoding="utf-8"?>
+<p:sld xmlns:a="http://schemas.openxmlformats.org/drawingml/2006/main" xmlns:r="http://schemas.openxmlformats.org/officeDocument/2006/relationships" xmlns:p="http://schemas.openxmlformats.org/presentationml/2006/main">
+  <p:cSld>
+    <p:spTree>
+      <p:nvGrpSpPr>
+        <p:cNvPr id="1" name=""/>
+        <p:cNvGrpSpPr/>
+        <p:nvPr/>
+      </p:nvGrpSpPr>
+      <p:grpSpPr>
+        <a:xfrm>
+          <a:off x="0" y="0"/>
+          <a:ext cx="0" cy="0"/>
+          <a:chOff x="0" y="0"/>
+          <a:chExt cx="0" cy="0"/>
+        </a:xfrm>
+      </p:grpSpPr>
+      <p:sp>
+        <p:nvSpPr>
+          <p:cNvPr id="8" name="TextBox 7"/>
+          <p:cNvSpPr txBox="1"/>
+          <p:nvPr/>
+        </p:nvSpPr>
+        <p:spPr>
+          <a:xfrm>
+            <a:off x="267599" y="825566"/>
+            <a:ext cx="9578660" cy="1800493"/>
+          </a:xfrm>
+          <a:prstGeom prst="rect">
+            <a:avLst/>
+          </a:prstGeom>
+          <a:noFill/>
+        </p:spPr>
+        <p:txBody>
+          <a:bodyPr wrap="square" rtlCol="0">
+            <a:spAutoFit/>
+          </a:bodyPr>
+          <a:lstStyle/>
+          <a:p>
+            <a:pPr marL="285750" indent="-285750">
+              <a:lnSpc>
+                <a:spcPct val="150000"/>
+              </a:lnSpc>
+              <a:buFont typeface="Arial" panose="020B0604020202020204" pitchFamily="34" charset="0"/>
+              <a:buChar char="•"/>
+            </a:pPr>
+            <a:r>
+              <a:rPr lang="en-US" altLang="ko-KR" sz="1800">
+                <a:ln>
+                  <a:solidFill>
+                    <a:schemeClr val="tx1">
+                      <a:alpha val="29000"/>
+                    </a:schemeClr>
+                  </a:solidFill>
+                </a:ln>
+                <a:latin typeface="+mn-ea"/>
+                <a:cs typeface="맑은 고딕 Semilight" panose="020B0502040204020203" pitchFamily="50" charset="-127"/>
+                <a:sym typeface="Wingdings" panose="05000000000000000000" pitchFamily="2" charset="2"/>
+              </a:rPr>
+              <a:t>continue </a:t>
+            </a:r>
+            <a:r>
+              <a:rPr lang="ko-KR" altLang="en-US" sz="1800" smtClean="0">
+                <a:ln>
+                  <a:solidFill>
+                    <a:schemeClr val="tx1">
+                      <a:alpha val="29000"/>
+                    </a:schemeClr>
+                  </a:solidFill>
+                </a:ln>
+                <a:latin typeface="+mn-ea"/>
+                <a:cs typeface="맑은 고딕 Semilight" panose="020B0502040204020203" pitchFamily="50" charset="-127"/>
+                <a:sym typeface="Wingdings" panose="05000000000000000000" pitchFamily="2" charset="2"/>
+              </a:rPr>
+              <a:t>문</a:t>
+            </a:r>
+            <a:r>
+              <a:rPr lang="ko-KR" altLang="en-US" sz="1800" smtClean="0">
+                <a:ln>
+                  <a:solidFill>
+                    <a:schemeClr val="tx1">
+                      <a:alpha val="29000"/>
+                    </a:schemeClr>
+                  </a:solidFill>
+                </a:ln>
+                <a:latin typeface="+mn-ea"/>
+                <a:cs typeface="맑은 고딕 Semilight" panose="020B0502040204020203" pitchFamily="50" charset="-127"/>
+                <a:sym typeface="Wingdings" panose="05000000000000000000" pitchFamily="2" charset="2"/>
+              </a:rPr>
+              <a:t> </a:t>
+            </a:r>
+            <a:endParaRPr lang="ko-KR" altLang="en-US" sz="1800">
+              <a:ln>
+                <a:solidFill>
+                  <a:schemeClr val="tx1">
+                    <a:alpha val="29000"/>
+                  </a:schemeClr>
+                </a:solidFill>
+              </a:ln>
+              <a:latin typeface="+mn-ea"/>
+              <a:cs typeface="맑은 고딕 Semilight" panose="020B0502040204020203" pitchFamily="50" charset="-127"/>
+              <a:sym typeface="Wingdings" panose="05000000000000000000" pitchFamily="2" charset="2"/>
+            </a:endParaRPr>
+          </a:p>
+          <a:p>
+            <a:pPr marL="449263" lvl="1" indent="-182563">
+              <a:lnSpc>
+                <a:spcPct val="150000"/>
+              </a:lnSpc>
+              <a:buFontTx/>
+              <a:buChar char="-"/>
+              <a:tabLst>
+                <a:tab pos="182563" algn="l"/>
+                <a:tab pos="449263" algn="l"/>
+              </a:tabLst>
+            </a:pPr>
+            <a:r>
+              <a:rPr lang="en-US" altLang="ko-KR" sz="1400">
+                <a:ln>
+                  <a:solidFill>
+                    <a:schemeClr val="tx1">
+                      <a:alpha val="29000"/>
+                    </a:schemeClr>
+                  </a:solidFill>
+                </a:ln>
+                <a:latin typeface="+mn-ea"/>
+                <a:cs typeface="맑은 고딕 Semilight" panose="020B0502040204020203" pitchFamily="50" charset="-127"/>
+              </a:rPr>
+              <a:t>continue </a:t>
+            </a:r>
+            <a:r>
+              <a:rPr lang="ko-KR" altLang="en-US" sz="1400">
+                <a:ln>
+                  <a:solidFill>
+                    <a:schemeClr val="tx1">
+                      <a:alpha val="29000"/>
+                    </a:schemeClr>
+                  </a:solidFill>
+                </a:ln>
+                <a:latin typeface="+mn-ea"/>
+                <a:cs typeface="맑은 고딕 Semilight" panose="020B0502040204020203" pitchFamily="50" charset="-127"/>
+              </a:rPr>
+              <a:t>문은 루프 내에서 사용하여 해당 루프의 나머지 부분을 </a:t>
+            </a:r>
+            <a:r>
+              <a:rPr lang="ko-KR" altLang="en-US" sz="1400">
+                <a:ln>
+                  <a:solidFill>
+                    <a:schemeClr val="tx1">
+                      <a:alpha val="29000"/>
+                    </a:schemeClr>
+                  </a:solidFill>
+                </a:ln>
+                <a:latin typeface="+mn-ea"/>
+                <a:cs typeface="맑은 고딕 Semilight" panose="020B0502040204020203" pitchFamily="50" charset="-127"/>
+              </a:rPr>
+              <a:t>건너뛰고</a:t>
+            </a:r>
+            <a:r>
+              <a:rPr lang="en-US" altLang="ko-KR" sz="1400" smtClean="0">
+                <a:ln>
+                  <a:solidFill>
+                    <a:schemeClr val="tx1">
+                      <a:alpha val="29000"/>
+                    </a:schemeClr>
+                  </a:solidFill>
+                </a:ln>
+                <a:latin typeface="+mn-ea"/>
+                <a:cs typeface="맑은 고딕 Semilight" panose="020B0502040204020203" pitchFamily="50" charset="-127"/>
+              </a:rPr>
+              <a:t>,</a:t>
+            </a:r>
+            <a:br>
+              <a:rPr lang="en-US" altLang="ko-KR" sz="1400" smtClean="0">
+                <a:ln>
+                  <a:solidFill>
+                    <a:schemeClr val="tx1">
+                      <a:alpha val="29000"/>
+                    </a:schemeClr>
+                  </a:solidFill>
+                </a:ln>
+                <a:latin typeface="+mn-ea"/>
+                <a:cs typeface="맑은 고딕 Semilight" panose="020B0502040204020203" pitchFamily="50" charset="-127"/>
+              </a:rPr>
+            </a:br>
+            <a:r>
+              <a:rPr lang="en-US" altLang="ko-KR" sz="1400" smtClean="0">
+                <a:ln>
+                  <a:solidFill>
+                    <a:schemeClr val="tx1">
+                      <a:alpha val="29000"/>
+                    </a:schemeClr>
+                  </a:solidFill>
+                </a:ln>
+                <a:latin typeface="+mn-ea"/>
+                <a:cs typeface="맑은 고딕 Semilight" panose="020B0502040204020203" pitchFamily="50" charset="-127"/>
+              </a:rPr>
+              <a:t> </a:t>
+            </a:r>
+            <a:r>
+              <a:rPr lang="ko-KR" altLang="en-US" sz="1400">
+                <a:ln>
+                  <a:solidFill>
+                    <a:schemeClr val="tx1">
+                      <a:alpha val="29000"/>
+                    </a:schemeClr>
+                  </a:solidFill>
+                </a:ln>
+                <a:latin typeface="+mn-ea"/>
+                <a:cs typeface="맑은 고딕 Semilight" panose="020B0502040204020203" pitchFamily="50" charset="-127"/>
+              </a:rPr>
+              <a:t>바로 다음 표현식의 판단으로 </a:t>
+            </a:r>
+            <a:r>
+              <a:rPr lang="ko-KR" altLang="en-US" sz="1400">
+                <a:ln>
+                  <a:solidFill>
+                    <a:schemeClr val="tx1">
+                      <a:alpha val="29000"/>
+                    </a:schemeClr>
+                  </a:solidFill>
+                </a:ln>
+                <a:latin typeface="+mn-ea"/>
+                <a:cs typeface="맑은 고딕 Semilight" panose="020B0502040204020203" pitchFamily="50" charset="-127"/>
+              </a:rPr>
+              <a:t>넘어가게 </a:t>
+            </a:r>
+            <a:r>
+              <a:rPr lang="ko-KR" altLang="en-US" sz="1400">
+                <a:ln>
+                  <a:solidFill>
+                    <a:schemeClr val="tx1">
+                      <a:alpha val="29000"/>
+                    </a:schemeClr>
+                  </a:solidFill>
+                </a:ln>
+                <a:latin typeface="+mn-ea"/>
+                <a:cs typeface="맑은 고딕 Semilight" panose="020B0502040204020203" pitchFamily="50" charset="-127"/>
+              </a:rPr>
+              <a:t>함</a:t>
+            </a:r>
+            <a:endParaRPr lang="en-US" altLang="ko-KR" sz="1400">
+              <a:ln>
+                <a:solidFill>
+                  <a:schemeClr val="tx1">
+                    <a:alpha val="29000"/>
+                  </a:schemeClr>
+                </a:solidFill>
+              </a:ln>
+              <a:latin typeface="+mn-ea"/>
+              <a:cs typeface="맑은 고딕 Semilight" panose="020B0502040204020203" pitchFamily="50" charset="-127"/>
+            </a:endParaRPr>
+          </a:p>
+          <a:p>
+            <a:pPr marL="449263" lvl="1" indent="-182563">
+              <a:lnSpc>
+                <a:spcPct val="150000"/>
+              </a:lnSpc>
+              <a:buFontTx/>
+              <a:buChar char="-"/>
+              <a:tabLst>
+                <a:tab pos="182563" algn="l"/>
+                <a:tab pos="449263" algn="l"/>
+              </a:tabLst>
+            </a:pPr>
+            <a:r>
+              <a:rPr lang="ko-KR" altLang="en-US" sz="1400">
+                <a:ln>
+                  <a:solidFill>
+                    <a:schemeClr val="tx1">
+                      <a:alpha val="29000"/>
+                    </a:schemeClr>
+                  </a:solidFill>
+                </a:ln>
+                <a:latin typeface="+mn-ea"/>
+                <a:cs typeface="맑은 고딕 Semilight" panose="020B0502040204020203" pitchFamily="50" charset="-127"/>
+              </a:rPr>
+              <a:t>보통 반복문 내에서 특정 조건에 대한 처리를 제외하고자 할 때 </a:t>
+            </a:r>
+            <a:r>
+              <a:rPr lang="ko-KR" altLang="en-US" sz="1400">
+                <a:ln>
+                  <a:solidFill>
+                    <a:schemeClr val="tx1">
+                      <a:alpha val="29000"/>
+                    </a:schemeClr>
+                  </a:solidFill>
+                </a:ln>
+                <a:latin typeface="+mn-ea"/>
+                <a:cs typeface="맑은 고딕 Semilight" panose="020B0502040204020203" pitchFamily="50" charset="-127"/>
+              </a:rPr>
+              <a:t>자주 </a:t>
+            </a:r>
+            <a:r>
+              <a:rPr lang="ko-KR" altLang="en-US" sz="1400" smtClean="0">
+                <a:ln>
+                  <a:solidFill>
+                    <a:schemeClr val="tx1">
+                      <a:alpha val="29000"/>
+                    </a:schemeClr>
+                  </a:solidFill>
+                </a:ln>
+                <a:latin typeface="+mn-ea"/>
+                <a:cs typeface="맑은 고딕 Semilight" panose="020B0502040204020203" pitchFamily="50" charset="-127"/>
+              </a:rPr>
+              <a:t>사용됨</a:t>
+            </a:r>
+            <a:endParaRPr lang="en-US" altLang="ko-KR" sz="1400">
+              <a:ln>
+                <a:solidFill>
+                  <a:schemeClr val="tx1">
+                    <a:alpha val="29000"/>
+                  </a:schemeClr>
+                </a:solidFill>
+              </a:ln>
+              <a:latin typeface="+mn-ea"/>
+              <a:cs typeface="맑은 고딕 Semilight" panose="020B0502040204020203" pitchFamily="50" charset="-127"/>
+            </a:endParaRPr>
+          </a:p>
+          <a:p>
+            <a:pPr marL="449263" lvl="1" indent="-182563">
+              <a:lnSpc>
+                <a:spcPct val="150000"/>
+              </a:lnSpc>
+              <a:buFontTx/>
+              <a:buChar char="-"/>
+              <a:tabLst>
+                <a:tab pos="182563" algn="l"/>
+                <a:tab pos="449263" algn="l"/>
+              </a:tabLst>
+            </a:pPr>
+            <a:r>
+              <a:rPr lang="ko-KR" altLang="en-US" sz="1400">
+                <a:ln>
+                  <a:solidFill>
+                    <a:schemeClr val="tx1">
+                      <a:alpha val="29000"/>
+                    </a:schemeClr>
+                  </a:solidFill>
+                </a:ln>
+                <a:latin typeface="+mn-ea"/>
+                <a:cs typeface="맑은 고딕 Semilight" panose="020B0502040204020203" pitchFamily="50" charset="-127"/>
+              </a:rPr>
+              <a:t>자바스크립트에서 </a:t>
+            </a:r>
+            <a:r>
+              <a:rPr lang="en-US" altLang="ko-KR" sz="1400">
+                <a:ln>
+                  <a:solidFill>
+                    <a:schemeClr val="tx1">
+                      <a:alpha val="29000"/>
+                    </a:schemeClr>
+                  </a:solidFill>
+                </a:ln>
+                <a:latin typeface="+mn-ea"/>
+                <a:cs typeface="맑은 고딕 Semilight" panose="020B0502040204020203" pitchFamily="50" charset="-127"/>
+              </a:rPr>
+              <a:t>continue </a:t>
+            </a:r>
+            <a:r>
+              <a:rPr lang="ko-KR" altLang="en-US" sz="1400">
+                <a:ln>
+                  <a:solidFill>
+                    <a:schemeClr val="tx1">
+                      <a:alpha val="29000"/>
+                    </a:schemeClr>
+                  </a:solidFill>
+                </a:ln>
+                <a:latin typeface="+mn-ea"/>
+                <a:cs typeface="맑은 고딕 Semilight" panose="020B0502040204020203" pitchFamily="50" charset="-127"/>
+              </a:rPr>
+              <a:t>문은 다음과 같이 두 가지 형태로 사용할 </a:t>
+            </a:r>
+            <a:r>
+              <a:rPr lang="ko-KR" altLang="en-US" sz="1400">
+                <a:ln>
+                  <a:solidFill>
+                    <a:schemeClr val="tx1">
+                      <a:alpha val="29000"/>
+                    </a:schemeClr>
+                  </a:solidFill>
+                </a:ln>
+                <a:latin typeface="+mn-ea"/>
+                <a:cs typeface="맑은 고딕 Semilight" panose="020B0502040204020203" pitchFamily="50" charset="-127"/>
+              </a:rPr>
+              <a:t>수 </a:t>
+            </a:r>
+            <a:r>
+              <a:rPr lang="ko-KR" altLang="en-US" sz="1400" smtClean="0">
+                <a:ln>
+                  <a:solidFill>
+                    <a:schemeClr val="tx1">
+                      <a:alpha val="29000"/>
+                    </a:schemeClr>
+                  </a:solidFill>
+                </a:ln>
+                <a:latin typeface="+mn-ea"/>
+                <a:cs typeface="맑은 고딕 Semilight" panose="020B0502040204020203" pitchFamily="50" charset="-127"/>
+              </a:rPr>
+              <a:t>있음</a:t>
+            </a:r>
+            <a:endParaRPr lang="en-US" altLang="ko-KR" sz="1400">
+              <a:ln>
+                <a:solidFill>
+                  <a:schemeClr val="tx1">
+                    <a:alpha val="29000"/>
+                  </a:schemeClr>
+                </a:solidFill>
+              </a:ln>
+              <a:latin typeface="+mn-ea"/>
+              <a:cs typeface="맑은 고딕 Semilight" panose="020B0502040204020203" pitchFamily="50" charset="-127"/>
+            </a:endParaRPr>
+          </a:p>
+        </p:txBody>
+      </p:sp>
+      <p:cxnSp>
+        <p:nvCxnSpPr>
+          <p:cNvPr id="6" name="직선 연결선 5"/>
+          <p:cNvCxnSpPr/>
+          <p:nvPr/>
+        </p:nvCxnSpPr>
+        <p:spPr>
+          <a:xfrm>
+            <a:off x="0" y="683316"/>
+            <a:ext cx="2968487" cy="0"/>
+          </a:xfrm>
+          <a:prstGeom prst="line">
+            <a:avLst/>
+          </a:prstGeom>
+          <a:ln w="28575">
+            <a:solidFill>
+              <a:srgbClr val="ED553B"/>
+            </a:solidFill>
+            <a:tailEnd type="oval" w="lg" len="lg"/>
+          </a:ln>
+        </p:spPr>
+        <p:style>
+          <a:lnRef idx="1">
+            <a:schemeClr val="accent1"/>
+          </a:lnRef>
+          <a:fillRef idx="0">
+            <a:schemeClr val="accent1"/>
+          </a:fillRef>
+          <a:effectRef idx="0">
+            <a:schemeClr val="accent1"/>
+          </a:effectRef>
+          <a:fontRef idx="minor">
+            <a:schemeClr val="tx1"/>
+          </a:fontRef>
+        </p:style>
+      </p:cxnSp>
+      <p:sp>
+        <p:nvSpPr>
+          <p:cNvPr id="10" name="TextBox 9"/>
+          <p:cNvSpPr txBox="1"/>
+          <p:nvPr/>
+        </p:nvSpPr>
+        <p:spPr>
+          <a:xfrm>
+            <a:off x="322413" y="140957"/>
+            <a:ext cx="5552787" cy="400110"/>
+          </a:xfrm>
+          <a:prstGeom prst="rect">
+            <a:avLst/>
+          </a:prstGeom>
+          <a:noFill/>
+        </p:spPr>
+        <p:txBody>
+          <a:bodyPr wrap="square" rtlCol="0">
+            <a:spAutoFit/>
+          </a:bodyPr>
+          <a:lstStyle/>
+          <a:p>
+            <a:r>
+              <a:rPr lang="en-US" altLang="ko-KR" sz="2000" smtClean="0">
+                <a:ln>
+                  <a:solidFill>
+                    <a:schemeClr val="tx1">
+                      <a:alpha val="29000"/>
+                    </a:schemeClr>
+                  </a:solidFill>
+                </a:ln>
+                <a:latin typeface="+mn-ea"/>
+                <a:cs typeface="맑은 고딕 Semilight" panose="020B0502040204020203" pitchFamily="50" charset="-127"/>
+              </a:rPr>
+              <a:t>JavaScript</a:t>
+            </a:r>
+            <a:r>
+              <a:rPr lang="ko-KR" altLang="en-US" sz="2000" smtClean="0">
+                <a:ln>
+                  <a:solidFill>
+                    <a:schemeClr val="tx1">
+                      <a:alpha val="29000"/>
+                    </a:schemeClr>
+                  </a:solidFill>
+                </a:ln>
+                <a:latin typeface="+mn-ea"/>
+                <a:cs typeface="맑은 고딕 Semilight" panose="020B0502040204020203" pitchFamily="50" charset="-127"/>
+              </a:rPr>
+              <a:t>의 제어문</a:t>
+            </a:r>
+            <a:endParaRPr lang="en-US" altLang="ko-KR" sz="2000" dirty="0">
+              <a:ln>
+                <a:solidFill>
+                  <a:schemeClr val="tx1">
+                    <a:alpha val="29000"/>
+                  </a:schemeClr>
+                </a:solidFill>
+              </a:ln>
+              <a:latin typeface="+mn-ea"/>
+              <a:cs typeface="맑은 고딕 Semilight" panose="020B0502040204020203" pitchFamily="50" charset="-127"/>
+            </a:endParaRPr>
+          </a:p>
+        </p:txBody>
+      </p:sp>
+      <p:pic>
+        <p:nvPicPr>
+          <p:cNvPr id="2" name="그림 1"/>
+          <p:cNvPicPr>
+            <a:picLocks noChangeAspect="1"/>
+          </p:cNvPicPr>
+          <p:nvPr/>
+        </p:nvPicPr>
+        <p:blipFill>
+          <a:blip r:embed="rId3"/>
+          <a:stretch>
+            <a:fillRect/>
+          </a:stretch>
+        </p:blipFill>
+        <p:spPr>
+          <a:xfrm>
+            <a:off x="2074862" y="3335821"/>
+            <a:ext cx="6010275" cy="819150"/>
+          </a:xfrm>
+          <a:prstGeom prst="rect">
+            <a:avLst/>
+          </a:prstGeom>
+        </p:spPr>
+      </p:pic>
+    </p:spTree>
+    <p:extLst>
+      <p:ext uri="{BB962C8B-B14F-4D97-AF65-F5344CB8AC3E}">
+        <p14:creationId xmlns:p14="http://schemas.microsoft.com/office/powerpoint/2010/main" val="688422468"/>
+      </p:ext>
+    </p:extLst>
+  </p:cSld>
+  <p:clrMapOvr>
+    <a:masterClrMapping/>
+  </p:clrMapOvr>
+  <p:timing>
+    <p:tnLst>
+      <p:par>
+        <p:cTn id="1" dur="indefinite" restart="never" nodeType="tmRoot"/>
+      </p:par>
+    </p:tnLst>
+  </p:timing>
+</p:sld>
+</file>
+
+<file path=ppt/slides/slide38.xml><?xml version="1.0" encoding="utf-8"?>
+<p:sld xmlns:a="http://schemas.openxmlformats.org/drawingml/2006/main" xmlns:r="http://schemas.openxmlformats.org/officeDocument/2006/relationships" xmlns:p="http://schemas.openxmlformats.org/presentationml/2006/main">
+  <p:cSld>
+    <p:spTree>
+      <p:nvGrpSpPr>
+        <p:cNvPr id="1" name=""/>
+        <p:cNvGrpSpPr/>
+        <p:nvPr/>
+      </p:nvGrpSpPr>
+      <p:grpSpPr>
+        <a:xfrm>
+          <a:off x="0" y="0"/>
+          <a:ext cx="0" cy="0"/>
+          <a:chOff x="0" y="0"/>
+          <a:chExt cx="0" cy="0"/>
+        </a:xfrm>
+      </p:grpSpPr>
+      <p:sp>
+        <p:nvSpPr>
+          <p:cNvPr id="8" name="TextBox 7"/>
+          <p:cNvSpPr txBox="1"/>
+          <p:nvPr/>
+        </p:nvSpPr>
+        <p:spPr>
+          <a:xfrm>
+            <a:off x="267599" y="825566"/>
+            <a:ext cx="9578660" cy="830997"/>
+          </a:xfrm>
+          <a:prstGeom prst="rect">
+            <a:avLst/>
+          </a:prstGeom>
+          <a:noFill/>
+        </p:spPr>
+        <p:txBody>
+          <a:bodyPr wrap="square" rtlCol="0">
+            <a:spAutoFit/>
+          </a:bodyPr>
+          <a:lstStyle/>
+          <a:p>
+            <a:pPr marL="285750" indent="-285750">
+              <a:lnSpc>
+                <a:spcPct val="150000"/>
+              </a:lnSpc>
+              <a:buFont typeface="Arial" panose="020B0604020202020204" pitchFamily="34" charset="0"/>
+              <a:buChar char="•"/>
+            </a:pPr>
+            <a:r>
+              <a:rPr lang="en-US" altLang="ko-KR" sz="1800">
+                <a:ln>
+                  <a:solidFill>
+                    <a:schemeClr val="tx1">
+                      <a:alpha val="29000"/>
+                    </a:schemeClr>
+                  </a:solidFill>
+                </a:ln>
+                <a:latin typeface="+mn-ea"/>
+                <a:cs typeface="맑은 고딕 Semilight" panose="020B0502040204020203" pitchFamily="50" charset="-127"/>
+                <a:sym typeface="Wingdings" panose="05000000000000000000" pitchFamily="2" charset="2"/>
+              </a:rPr>
+              <a:t>continue </a:t>
+            </a:r>
+            <a:r>
+              <a:rPr lang="ko-KR" altLang="en-US" sz="1800" smtClean="0">
+                <a:ln>
+                  <a:solidFill>
+                    <a:schemeClr val="tx1">
+                      <a:alpha val="29000"/>
+                    </a:schemeClr>
+                  </a:solidFill>
+                </a:ln>
+                <a:latin typeface="+mn-ea"/>
+                <a:cs typeface="맑은 고딕 Semilight" panose="020B0502040204020203" pitchFamily="50" charset="-127"/>
+                <a:sym typeface="Wingdings" panose="05000000000000000000" pitchFamily="2" charset="2"/>
+              </a:rPr>
+              <a:t>문</a:t>
+            </a:r>
+            <a:r>
+              <a:rPr lang="ko-KR" altLang="en-US" sz="1800" smtClean="0">
+                <a:ln>
+                  <a:solidFill>
+                    <a:schemeClr val="tx1">
+                      <a:alpha val="29000"/>
+                    </a:schemeClr>
+                  </a:solidFill>
+                </a:ln>
+                <a:latin typeface="+mn-ea"/>
+                <a:cs typeface="맑은 고딕 Semilight" panose="020B0502040204020203" pitchFamily="50" charset="-127"/>
+                <a:sym typeface="Wingdings" panose="05000000000000000000" pitchFamily="2" charset="2"/>
+              </a:rPr>
+              <a:t> </a:t>
+            </a:r>
+            <a:endParaRPr lang="ko-KR" altLang="en-US" sz="1800">
+              <a:ln>
+                <a:solidFill>
+                  <a:schemeClr val="tx1">
+                    <a:alpha val="29000"/>
+                  </a:schemeClr>
+                </a:solidFill>
+              </a:ln>
+              <a:latin typeface="+mn-ea"/>
+              <a:cs typeface="맑은 고딕 Semilight" panose="020B0502040204020203" pitchFamily="50" charset="-127"/>
+              <a:sym typeface="Wingdings" panose="05000000000000000000" pitchFamily="2" charset="2"/>
+            </a:endParaRPr>
+          </a:p>
+          <a:p>
+            <a:pPr marL="449263" lvl="1" indent="-182563">
+              <a:lnSpc>
+                <a:spcPct val="150000"/>
+              </a:lnSpc>
+              <a:buFontTx/>
+              <a:buChar char="-"/>
+              <a:tabLst>
+                <a:tab pos="182563" algn="l"/>
+                <a:tab pos="449263" algn="l"/>
+              </a:tabLst>
+            </a:pPr>
+            <a:r>
+              <a:rPr lang="ko-KR" altLang="en-US" sz="1400">
+                <a:ln>
+                  <a:solidFill>
+                    <a:schemeClr val="tx1">
+                      <a:alpha val="29000"/>
+                    </a:schemeClr>
+                  </a:solidFill>
+                </a:ln>
+                <a:latin typeface="+mn-ea"/>
+                <a:cs typeface="맑은 고딕 Semilight" panose="020B0502040204020203" pitchFamily="50" charset="-127"/>
+              </a:rPr>
+              <a:t>다음 예제는 </a:t>
+            </a:r>
+            <a:r>
+              <a:rPr lang="en-US" altLang="ko-KR" sz="1400">
+                <a:ln>
+                  <a:solidFill>
+                    <a:schemeClr val="tx1">
+                      <a:alpha val="29000"/>
+                    </a:schemeClr>
+                  </a:solidFill>
+                </a:ln>
+                <a:latin typeface="+mn-ea"/>
+                <a:cs typeface="맑은 고딕 Semilight" panose="020B0502040204020203" pitchFamily="50" charset="-127"/>
+              </a:rPr>
+              <a:t>1</a:t>
+            </a:r>
+            <a:r>
+              <a:rPr lang="ko-KR" altLang="en-US" sz="1400">
+                <a:ln>
+                  <a:solidFill>
+                    <a:schemeClr val="tx1">
+                      <a:alpha val="29000"/>
+                    </a:schemeClr>
+                  </a:solidFill>
+                </a:ln>
+                <a:latin typeface="+mn-ea"/>
+                <a:cs typeface="맑은 고딕 Semilight" panose="020B0502040204020203" pitchFamily="50" charset="-127"/>
+              </a:rPr>
+              <a:t>부터 </a:t>
+            </a:r>
+            <a:r>
+              <a:rPr lang="en-US" altLang="ko-KR" sz="1400">
+                <a:ln>
+                  <a:solidFill>
+                    <a:schemeClr val="tx1">
+                      <a:alpha val="29000"/>
+                    </a:schemeClr>
+                  </a:solidFill>
+                </a:ln>
+                <a:latin typeface="+mn-ea"/>
+                <a:cs typeface="맑은 고딕 Semilight" panose="020B0502040204020203" pitchFamily="50" charset="-127"/>
+              </a:rPr>
+              <a:t>100</a:t>
+            </a:r>
+            <a:r>
+              <a:rPr lang="ko-KR" altLang="en-US" sz="1400">
+                <a:ln>
+                  <a:solidFill>
+                    <a:schemeClr val="tx1">
+                      <a:alpha val="29000"/>
+                    </a:schemeClr>
+                  </a:solidFill>
+                </a:ln>
+                <a:latin typeface="+mn-ea"/>
+                <a:cs typeface="맑은 고딕 Semilight" panose="020B0502040204020203" pitchFamily="50" charset="-127"/>
+              </a:rPr>
+              <a:t>까지의 정수 중에서 </a:t>
+            </a:r>
+            <a:r>
+              <a:rPr lang="en-US" altLang="ko-KR" sz="1400">
+                <a:ln>
+                  <a:solidFill>
+                    <a:schemeClr val="tx1">
+                      <a:alpha val="29000"/>
+                    </a:schemeClr>
+                  </a:solidFill>
+                </a:ln>
+                <a:latin typeface="+mn-ea"/>
+                <a:cs typeface="맑은 고딕 Semilight" panose="020B0502040204020203" pitchFamily="50" charset="-127"/>
+              </a:rPr>
+              <a:t>3</a:t>
+            </a:r>
+            <a:r>
+              <a:rPr lang="ko-KR" altLang="en-US" sz="1400">
+                <a:ln>
+                  <a:solidFill>
+                    <a:schemeClr val="tx1">
+                      <a:alpha val="29000"/>
+                    </a:schemeClr>
+                  </a:solidFill>
+                </a:ln>
+                <a:latin typeface="+mn-ea"/>
+                <a:cs typeface="맑은 고딕 Semilight" panose="020B0502040204020203" pitchFamily="50" charset="-127"/>
+              </a:rPr>
+              <a:t>의 배수를 제외하고 </a:t>
+            </a:r>
+            <a:r>
+              <a:rPr lang="ko-KR" altLang="en-US" sz="1400">
+                <a:ln>
+                  <a:solidFill>
+                    <a:schemeClr val="tx1">
+                      <a:alpha val="29000"/>
+                    </a:schemeClr>
+                  </a:solidFill>
+                </a:ln>
+                <a:latin typeface="+mn-ea"/>
+                <a:cs typeface="맑은 고딕 Semilight" panose="020B0502040204020203" pitchFamily="50" charset="-127"/>
+              </a:rPr>
+              <a:t>출력하는 </a:t>
+            </a:r>
+            <a:r>
+              <a:rPr lang="ko-KR" altLang="en-US" sz="1400" smtClean="0">
+                <a:ln>
+                  <a:solidFill>
+                    <a:schemeClr val="tx1">
+                      <a:alpha val="29000"/>
+                    </a:schemeClr>
+                  </a:solidFill>
+                </a:ln>
+                <a:latin typeface="+mn-ea"/>
+                <a:cs typeface="맑은 고딕 Semilight" panose="020B0502040204020203" pitchFamily="50" charset="-127"/>
+              </a:rPr>
+              <a:t>예제</a:t>
+            </a:r>
+            <a:endParaRPr lang="en-US" altLang="ko-KR" sz="1400">
+              <a:ln>
+                <a:solidFill>
+                  <a:schemeClr val="tx1">
+                    <a:alpha val="29000"/>
+                  </a:schemeClr>
+                </a:solidFill>
+              </a:ln>
+              <a:latin typeface="+mn-ea"/>
+              <a:cs typeface="맑은 고딕 Semilight" panose="020B0502040204020203" pitchFamily="50" charset="-127"/>
+            </a:endParaRPr>
+          </a:p>
+        </p:txBody>
+      </p:sp>
+      <p:cxnSp>
+        <p:nvCxnSpPr>
+          <p:cNvPr id="6" name="직선 연결선 5"/>
+          <p:cNvCxnSpPr/>
+          <p:nvPr/>
+        </p:nvCxnSpPr>
+        <p:spPr>
+          <a:xfrm>
+            <a:off x="0" y="683316"/>
+            <a:ext cx="2968487" cy="0"/>
+          </a:xfrm>
+          <a:prstGeom prst="line">
+            <a:avLst/>
+          </a:prstGeom>
+          <a:ln w="28575">
+            <a:solidFill>
+              <a:srgbClr val="ED553B"/>
+            </a:solidFill>
+            <a:tailEnd type="oval" w="lg" len="lg"/>
+          </a:ln>
+        </p:spPr>
+        <p:style>
+          <a:lnRef idx="1">
+            <a:schemeClr val="accent1"/>
+          </a:lnRef>
+          <a:fillRef idx="0">
+            <a:schemeClr val="accent1"/>
+          </a:fillRef>
+          <a:effectRef idx="0">
+            <a:schemeClr val="accent1"/>
+          </a:effectRef>
+          <a:fontRef idx="minor">
+            <a:schemeClr val="tx1"/>
+          </a:fontRef>
+        </p:style>
+      </p:cxnSp>
+      <p:sp>
+        <p:nvSpPr>
+          <p:cNvPr id="10" name="TextBox 9"/>
+          <p:cNvSpPr txBox="1"/>
+          <p:nvPr/>
+        </p:nvSpPr>
+        <p:spPr>
+          <a:xfrm>
+            <a:off x="322413" y="140957"/>
+            <a:ext cx="5552787" cy="400110"/>
+          </a:xfrm>
+          <a:prstGeom prst="rect">
+            <a:avLst/>
+          </a:prstGeom>
+          <a:noFill/>
+        </p:spPr>
+        <p:txBody>
+          <a:bodyPr wrap="square" rtlCol="0">
+            <a:spAutoFit/>
+          </a:bodyPr>
+          <a:lstStyle/>
+          <a:p>
+            <a:r>
+              <a:rPr lang="en-US" altLang="ko-KR" sz="2000" smtClean="0">
+                <a:ln>
+                  <a:solidFill>
+                    <a:schemeClr val="tx1">
+                      <a:alpha val="29000"/>
+                    </a:schemeClr>
+                  </a:solidFill>
+                </a:ln>
+                <a:latin typeface="+mn-ea"/>
+                <a:cs typeface="맑은 고딕 Semilight" panose="020B0502040204020203" pitchFamily="50" charset="-127"/>
+              </a:rPr>
+              <a:t>JavaScript</a:t>
+            </a:r>
+            <a:r>
+              <a:rPr lang="ko-KR" altLang="en-US" sz="2000" smtClean="0">
+                <a:ln>
+                  <a:solidFill>
+                    <a:schemeClr val="tx1">
+                      <a:alpha val="29000"/>
+                    </a:schemeClr>
+                  </a:solidFill>
+                </a:ln>
+                <a:latin typeface="+mn-ea"/>
+                <a:cs typeface="맑은 고딕 Semilight" panose="020B0502040204020203" pitchFamily="50" charset="-127"/>
+              </a:rPr>
+              <a:t>의 제어문</a:t>
+            </a:r>
+            <a:endParaRPr lang="en-US" altLang="ko-KR" sz="2000" dirty="0">
+              <a:ln>
+                <a:solidFill>
+                  <a:schemeClr val="tx1">
+                    <a:alpha val="29000"/>
+                  </a:schemeClr>
+                </a:solidFill>
+              </a:ln>
+              <a:latin typeface="+mn-ea"/>
+              <a:cs typeface="맑은 고딕 Semilight" panose="020B0502040204020203" pitchFamily="50" charset="-127"/>
+            </a:endParaRPr>
+          </a:p>
+        </p:txBody>
+      </p:sp>
+      <p:pic>
+        <p:nvPicPr>
+          <p:cNvPr id="3" name="그림 2"/>
+          <p:cNvPicPr>
+            <a:picLocks noChangeAspect="1"/>
+          </p:cNvPicPr>
+          <p:nvPr/>
+        </p:nvPicPr>
+        <p:blipFill>
+          <a:blip r:embed="rId3"/>
+          <a:stretch>
+            <a:fillRect/>
+          </a:stretch>
+        </p:blipFill>
+        <p:spPr>
+          <a:xfrm>
+            <a:off x="2060575" y="2434465"/>
+            <a:ext cx="6038850" cy="1800225"/>
+          </a:xfrm>
+          <a:prstGeom prst="rect">
+            <a:avLst/>
+          </a:prstGeom>
+        </p:spPr>
+      </p:pic>
+    </p:spTree>
+    <p:extLst>
+      <p:ext uri="{BB962C8B-B14F-4D97-AF65-F5344CB8AC3E}">
+        <p14:creationId xmlns:p14="http://schemas.microsoft.com/office/powerpoint/2010/main" val="1362610159"/>
+      </p:ext>
+    </p:extLst>
+  </p:cSld>
+  <p:clrMapOvr>
+    <a:masterClrMapping/>
+  </p:clrMapOvr>
+  <p:timing>
+    <p:tnLst>
+      <p:par>
+        <p:cTn id="1" dur="indefinite" restart="never" nodeType="tmRoot"/>
+      </p:par>
+    </p:tnLst>
+  </p:timing>
+</p:sld>
+</file>
+
+<file path=ppt/slides/slide39.xml><?xml version="1.0" encoding="utf-8"?>
+<p:sld xmlns:a="http://schemas.openxmlformats.org/drawingml/2006/main" xmlns:r="http://schemas.openxmlformats.org/officeDocument/2006/relationships" xmlns:p="http://schemas.openxmlformats.org/presentationml/2006/main">
+  <p:cSld>
+    <p:spTree>
+      <p:nvGrpSpPr>
+        <p:cNvPr id="1" name=""/>
+        <p:cNvGrpSpPr/>
+        <p:nvPr/>
+      </p:nvGrpSpPr>
+      <p:grpSpPr>
+        <a:xfrm>
+          <a:off x="0" y="0"/>
+          <a:ext cx="0" cy="0"/>
+          <a:chOff x="0" y="0"/>
+          <a:chExt cx="0" cy="0"/>
+        </a:xfrm>
+      </p:grpSpPr>
+      <p:sp>
+        <p:nvSpPr>
+          <p:cNvPr id="8" name="TextBox 7"/>
+          <p:cNvSpPr txBox="1"/>
+          <p:nvPr/>
+        </p:nvSpPr>
+        <p:spPr>
+          <a:xfrm>
+            <a:off x="267599" y="825566"/>
+            <a:ext cx="9578660" cy="830997"/>
+          </a:xfrm>
+          <a:prstGeom prst="rect">
+            <a:avLst/>
+          </a:prstGeom>
+          <a:noFill/>
+        </p:spPr>
+        <p:txBody>
+          <a:bodyPr wrap="square" rtlCol="0">
+            <a:spAutoFit/>
+          </a:bodyPr>
+          <a:lstStyle/>
+          <a:p>
+            <a:pPr marL="285750" indent="-285750">
+              <a:lnSpc>
+                <a:spcPct val="150000"/>
+              </a:lnSpc>
+              <a:buFont typeface="Arial" panose="020B0604020202020204" pitchFamily="34" charset="0"/>
+              <a:buChar char="•"/>
+            </a:pPr>
+            <a:r>
+              <a:rPr lang="en-US" altLang="ko-KR" sz="1800">
+                <a:ln>
+                  <a:solidFill>
+                    <a:schemeClr val="tx1">
+                      <a:alpha val="29000"/>
+                    </a:schemeClr>
+                  </a:solidFill>
+                </a:ln>
+                <a:latin typeface="+mn-ea"/>
+                <a:cs typeface="맑은 고딕 Semilight" panose="020B0502040204020203" pitchFamily="50" charset="-127"/>
+                <a:sym typeface="Wingdings" panose="05000000000000000000" pitchFamily="2" charset="2"/>
+              </a:rPr>
+              <a:t>continue </a:t>
+            </a:r>
+            <a:r>
+              <a:rPr lang="ko-KR" altLang="en-US" sz="1800" smtClean="0">
+                <a:ln>
+                  <a:solidFill>
+                    <a:schemeClr val="tx1">
+                      <a:alpha val="29000"/>
+                    </a:schemeClr>
+                  </a:solidFill>
+                </a:ln>
+                <a:latin typeface="+mn-ea"/>
+                <a:cs typeface="맑은 고딕 Semilight" panose="020B0502040204020203" pitchFamily="50" charset="-127"/>
+                <a:sym typeface="Wingdings" panose="05000000000000000000" pitchFamily="2" charset="2"/>
+              </a:rPr>
+              <a:t>문</a:t>
+            </a:r>
+            <a:r>
+              <a:rPr lang="ko-KR" altLang="en-US" sz="1800" smtClean="0">
+                <a:ln>
+                  <a:solidFill>
+                    <a:schemeClr val="tx1">
+                      <a:alpha val="29000"/>
+                    </a:schemeClr>
+                  </a:solidFill>
+                </a:ln>
+                <a:latin typeface="+mn-ea"/>
+                <a:cs typeface="맑은 고딕 Semilight" panose="020B0502040204020203" pitchFamily="50" charset="-127"/>
+                <a:sym typeface="Wingdings" panose="05000000000000000000" pitchFamily="2" charset="2"/>
+              </a:rPr>
+              <a:t> </a:t>
+            </a:r>
+            <a:endParaRPr lang="ko-KR" altLang="en-US" sz="1800">
+              <a:ln>
+                <a:solidFill>
+                  <a:schemeClr val="tx1">
+                    <a:alpha val="29000"/>
+                  </a:schemeClr>
+                </a:solidFill>
+              </a:ln>
+              <a:latin typeface="+mn-ea"/>
+              <a:cs typeface="맑은 고딕 Semilight" panose="020B0502040204020203" pitchFamily="50" charset="-127"/>
+              <a:sym typeface="Wingdings" panose="05000000000000000000" pitchFamily="2" charset="2"/>
+            </a:endParaRPr>
+          </a:p>
+          <a:p>
+            <a:pPr marL="449263" lvl="1" indent="-182563">
+              <a:lnSpc>
+                <a:spcPct val="150000"/>
+              </a:lnSpc>
+              <a:buFontTx/>
+              <a:buChar char="-"/>
+              <a:tabLst>
+                <a:tab pos="182563" algn="l"/>
+                <a:tab pos="449263" algn="l"/>
+              </a:tabLst>
+            </a:pPr>
+            <a:r>
+              <a:rPr lang="ko-KR" altLang="en-US" sz="1400">
+                <a:ln>
+                  <a:solidFill>
+                    <a:schemeClr val="tx1">
+                      <a:alpha val="29000"/>
+                    </a:schemeClr>
+                  </a:solidFill>
+                </a:ln>
+                <a:latin typeface="+mn-ea"/>
+                <a:cs typeface="맑은 고딕 Semilight" panose="020B0502040204020203" pitchFamily="50" charset="-127"/>
+              </a:rPr>
+              <a:t>다음 예제는 라벨을 이용하여 구구단의 값이 홀수인 경우에만 </a:t>
+            </a:r>
+            <a:r>
+              <a:rPr lang="ko-KR" altLang="en-US" sz="1400">
+                <a:ln>
+                  <a:solidFill>
+                    <a:schemeClr val="tx1">
+                      <a:alpha val="29000"/>
+                    </a:schemeClr>
+                  </a:solidFill>
+                </a:ln>
+                <a:latin typeface="+mn-ea"/>
+                <a:cs typeface="맑은 고딕 Semilight" panose="020B0502040204020203" pitchFamily="50" charset="-127"/>
+              </a:rPr>
+              <a:t>출력하는 </a:t>
+            </a:r>
+            <a:r>
+              <a:rPr lang="ko-KR" altLang="en-US" sz="1400" smtClean="0">
+                <a:ln>
+                  <a:solidFill>
+                    <a:schemeClr val="tx1">
+                      <a:alpha val="29000"/>
+                    </a:schemeClr>
+                  </a:solidFill>
+                </a:ln>
+                <a:latin typeface="+mn-ea"/>
+                <a:cs typeface="맑은 고딕 Semilight" panose="020B0502040204020203" pitchFamily="50" charset="-127"/>
+              </a:rPr>
+              <a:t>예제</a:t>
+            </a:r>
+            <a:endParaRPr lang="en-US" altLang="ko-KR" sz="1400">
+              <a:ln>
+                <a:solidFill>
+                  <a:schemeClr val="tx1">
+                    <a:alpha val="29000"/>
+                  </a:schemeClr>
+                </a:solidFill>
+              </a:ln>
+              <a:latin typeface="+mn-ea"/>
+              <a:cs typeface="맑은 고딕 Semilight" panose="020B0502040204020203" pitchFamily="50" charset="-127"/>
+            </a:endParaRPr>
+          </a:p>
+        </p:txBody>
+      </p:sp>
+      <p:cxnSp>
+        <p:nvCxnSpPr>
+          <p:cNvPr id="6" name="직선 연결선 5"/>
+          <p:cNvCxnSpPr/>
+          <p:nvPr/>
+        </p:nvCxnSpPr>
+        <p:spPr>
+          <a:xfrm>
+            <a:off x="0" y="683316"/>
+            <a:ext cx="2968487" cy="0"/>
+          </a:xfrm>
+          <a:prstGeom prst="line">
+            <a:avLst/>
+          </a:prstGeom>
+          <a:ln w="28575">
+            <a:solidFill>
+              <a:srgbClr val="ED553B"/>
+            </a:solidFill>
+            <a:tailEnd type="oval" w="lg" len="lg"/>
+          </a:ln>
+        </p:spPr>
+        <p:style>
+          <a:lnRef idx="1">
+            <a:schemeClr val="accent1"/>
+          </a:lnRef>
+          <a:fillRef idx="0">
+            <a:schemeClr val="accent1"/>
+          </a:fillRef>
+          <a:effectRef idx="0">
+            <a:schemeClr val="accent1"/>
+          </a:effectRef>
+          <a:fontRef idx="minor">
+            <a:schemeClr val="tx1"/>
+          </a:fontRef>
+        </p:style>
+      </p:cxnSp>
+      <p:sp>
+        <p:nvSpPr>
+          <p:cNvPr id="10" name="TextBox 9"/>
+          <p:cNvSpPr txBox="1"/>
+          <p:nvPr/>
+        </p:nvSpPr>
+        <p:spPr>
+          <a:xfrm>
+            <a:off x="322413" y="140957"/>
+            <a:ext cx="5552787" cy="400110"/>
+          </a:xfrm>
+          <a:prstGeom prst="rect">
+            <a:avLst/>
+          </a:prstGeom>
+          <a:noFill/>
+        </p:spPr>
+        <p:txBody>
+          <a:bodyPr wrap="square" rtlCol="0">
+            <a:spAutoFit/>
+          </a:bodyPr>
+          <a:lstStyle/>
+          <a:p>
+            <a:r>
+              <a:rPr lang="en-US" altLang="ko-KR" sz="2000" smtClean="0">
+                <a:ln>
+                  <a:solidFill>
+                    <a:schemeClr val="tx1">
+                      <a:alpha val="29000"/>
+                    </a:schemeClr>
+                  </a:solidFill>
+                </a:ln>
+                <a:latin typeface="+mn-ea"/>
+                <a:cs typeface="맑은 고딕 Semilight" panose="020B0502040204020203" pitchFamily="50" charset="-127"/>
+              </a:rPr>
+              <a:t>JavaScript</a:t>
+            </a:r>
+            <a:r>
+              <a:rPr lang="ko-KR" altLang="en-US" sz="2000" smtClean="0">
+                <a:ln>
+                  <a:solidFill>
+                    <a:schemeClr val="tx1">
+                      <a:alpha val="29000"/>
+                    </a:schemeClr>
+                  </a:solidFill>
+                </a:ln>
+                <a:latin typeface="+mn-ea"/>
+                <a:cs typeface="맑은 고딕 Semilight" panose="020B0502040204020203" pitchFamily="50" charset="-127"/>
+              </a:rPr>
+              <a:t>의 제어문</a:t>
+            </a:r>
+            <a:endParaRPr lang="en-US" altLang="ko-KR" sz="2000" dirty="0">
+              <a:ln>
+                <a:solidFill>
+                  <a:schemeClr val="tx1">
+                    <a:alpha val="29000"/>
+                  </a:schemeClr>
+                </a:solidFill>
+              </a:ln>
+              <a:latin typeface="+mn-ea"/>
+              <a:cs typeface="맑은 고딕 Semilight" panose="020B0502040204020203" pitchFamily="50" charset="-127"/>
+            </a:endParaRPr>
+          </a:p>
+        </p:txBody>
+      </p:sp>
+      <p:pic>
+        <p:nvPicPr>
+          <p:cNvPr id="2" name="그림 1"/>
+          <p:cNvPicPr>
+            <a:picLocks noChangeAspect="1"/>
+          </p:cNvPicPr>
+          <p:nvPr/>
+        </p:nvPicPr>
+        <p:blipFill>
+          <a:blip r:embed="rId3"/>
+          <a:stretch>
+            <a:fillRect/>
+          </a:stretch>
+        </p:blipFill>
+        <p:spPr>
+          <a:xfrm>
+            <a:off x="2055812" y="2196547"/>
+            <a:ext cx="6048375" cy="2514600"/>
+          </a:xfrm>
+          <a:prstGeom prst="rect">
+            <a:avLst/>
+          </a:prstGeom>
+        </p:spPr>
+      </p:pic>
+    </p:spTree>
+    <p:extLst>
+      <p:ext uri="{BB962C8B-B14F-4D97-AF65-F5344CB8AC3E}">
+        <p14:creationId xmlns:p14="http://schemas.microsoft.com/office/powerpoint/2010/main" val="962618656"/>
       </p:ext>
     </p:extLst>
   </p:cSld>
@@ -19530,21 +22222,7 @@
                 <a:latin typeface="+mn-ea"/>
                 <a:cs typeface="맑은 고딕 Semilight" panose="020B0502040204020203" pitchFamily="50" charset="-127"/>
               </a:rPr>
-              <a:t>의 </a:t>
-            </a:r>
-            <a:r>
-              <a:rPr lang="ko-KR" altLang="en-US" sz="2000" smtClean="0">
-                <a:ln>
-                  <a:solidFill>
-                    <a:schemeClr val="tx1">
-                      <a:alpha val="29000"/>
-                    </a:schemeClr>
-                  </a:solidFill>
-                </a:ln>
-                <a:latin typeface="+mn-ea"/>
-                <a:cs typeface="맑은 고딕 Semilight" panose="020B0502040204020203" pitchFamily="50" charset="-127"/>
-              </a:rPr>
-              <a:t>제어문</a:t>
+              <a:t>의 제어문</a:t>
             </a:r>
             <a:endParaRPr lang="en-US" altLang="ko-KR" sz="2000" dirty="0">
               <a:ln>
@@ -19564,6 +22242,761 @@
     <p:extLst>
       <p:ext uri="{BB962C8B-B14F-4D97-AF65-F5344CB8AC3E}">
         <p14:creationId xmlns:p14="http://schemas.microsoft.com/office/powerpoint/2010/main" val="3473467036"/>
+      </p:ext>
+    </p:extLst>
+  </p:cSld>
+  <p:clrMapOvr>
+    <a:masterClrMapping/>
+  </p:clrMapOvr>
+  <p:timing>
+    <p:tnLst>
+      <p:par>
+        <p:cTn id="1" dur="indefinite" restart="never" nodeType="tmRoot"/>
+      </p:par>
+    </p:tnLst>
+  </p:timing>
+</p:sld>
+</file>
+
+<file path=ppt/slides/slide40.xml><?xml version="1.0" encoding="utf-8"?>
+<p:sld xmlns:a="http://schemas.openxmlformats.org/drawingml/2006/main" xmlns:r="http://schemas.openxmlformats.org/officeDocument/2006/relationships" xmlns:p="http://schemas.openxmlformats.org/presentationml/2006/main">
+  <p:cSld>
+    <p:spTree>
+      <p:nvGrpSpPr>
+        <p:cNvPr id="1" name=""/>
+        <p:cNvGrpSpPr/>
+        <p:nvPr/>
+      </p:nvGrpSpPr>
+      <p:grpSpPr>
+        <a:xfrm>
+          <a:off x="0" y="0"/>
+          <a:ext cx="0" cy="0"/>
+          <a:chOff x="0" y="0"/>
+          <a:chExt cx="0" cy="0"/>
+        </a:xfrm>
+      </p:grpSpPr>
+      <p:sp>
+        <p:nvSpPr>
+          <p:cNvPr id="8" name="TextBox 7"/>
+          <p:cNvSpPr txBox="1"/>
+          <p:nvPr/>
+        </p:nvSpPr>
+        <p:spPr>
+          <a:xfrm>
+            <a:off x="267599" y="825566"/>
+            <a:ext cx="9578660" cy="1800493"/>
+          </a:xfrm>
+          <a:prstGeom prst="rect">
+            <a:avLst/>
+          </a:prstGeom>
+          <a:noFill/>
+        </p:spPr>
+        <p:txBody>
+          <a:bodyPr wrap="square" rtlCol="0">
+            <a:spAutoFit/>
+          </a:bodyPr>
+          <a:lstStyle/>
+          <a:p>
+            <a:pPr marL="285750" indent="-285750">
+              <a:lnSpc>
+                <a:spcPct val="150000"/>
+              </a:lnSpc>
+              <a:buFont typeface="Arial" panose="020B0604020202020204" pitchFamily="34" charset="0"/>
+              <a:buChar char="•"/>
+            </a:pPr>
+            <a:r>
+              <a:rPr lang="en-US" altLang="ko-KR" sz="1800">
+                <a:ln>
+                  <a:solidFill>
+                    <a:schemeClr val="tx1">
+                      <a:alpha val="29000"/>
+                    </a:schemeClr>
+                  </a:solidFill>
+                </a:ln>
+                <a:latin typeface="+mn-ea"/>
+                <a:cs typeface="맑은 고딕 Semilight" panose="020B0502040204020203" pitchFamily="50" charset="-127"/>
+                <a:sym typeface="Wingdings" panose="05000000000000000000" pitchFamily="2" charset="2"/>
+              </a:rPr>
+              <a:t>break </a:t>
+            </a:r>
+            <a:r>
+              <a:rPr lang="ko-KR" altLang="en-US" sz="1800" smtClean="0">
+                <a:ln>
+                  <a:solidFill>
+                    <a:schemeClr val="tx1">
+                      <a:alpha val="29000"/>
+                    </a:schemeClr>
+                  </a:solidFill>
+                </a:ln>
+                <a:latin typeface="+mn-ea"/>
+                <a:cs typeface="맑은 고딕 Semilight" panose="020B0502040204020203" pitchFamily="50" charset="-127"/>
+                <a:sym typeface="Wingdings" panose="05000000000000000000" pitchFamily="2" charset="2"/>
+              </a:rPr>
+              <a:t>문</a:t>
+            </a:r>
+            <a:r>
+              <a:rPr lang="ko-KR" altLang="en-US" sz="1800" smtClean="0">
+                <a:ln>
+                  <a:solidFill>
+                    <a:schemeClr val="tx1">
+                      <a:alpha val="29000"/>
+                    </a:schemeClr>
+                  </a:solidFill>
+                </a:ln>
+                <a:latin typeface="+mn-ea"/>
+                <a:cs typeface="맑은 고딕 Semilight" panose="020B0502040204020203" pitchFamily="50" charset="-127"/>
+                <a:sym typeface="Wingdings" panose="05000000000000000000" pitchFamily="2" charset="2"/>
+              </a:rPr>
+              <a:t> </a:t>
+            </a:r>
+            <a:endParaRPr lang="ko-KR" altLang="en-US" sz="1800">
+              <a:ln>
+                <a:solidFill>
+                  <a:schemeClr val="tx1">
+                    <a:alpha val="29000"/>
+                  </a:schemeClr>
+                </a:solidFill>
+              </a:ln>
+              <a:latin typeface="+mn-ea"/>
+              <a:cs typeface="맑은 고딕 Semilight" panose="020B0502040204020203" pitchFamily="50" charset="-127"/>
+              <a:sym typeface="Wingdings" panose="05000000000000000000" pitchFamily="2" charset="2"/>
+            </a:endParaRPr>
+          </a:p>
+          <a:p>
+            <a:pPr marL="449263" lvl="1" indent="-182563">
+              <a:lnSpc>
+                <a:spcPct val="150000"/>
+              </a:lnSpc>
+              <a:buFontTx/>
+              <a:buChar char="-"/>
+              <a:tabLst>
+                <a:tab pos="182563" algn="l"/>
+                <a:tab pos="449263" algn="l"/>
+              </a:tabLst>
+            </a:pPr>
+            <a:r>
+              <a:rPr lang="en-US" altLang="ko-KR" sz="1400">
+                <a:ln>
+                  <a:solidFill>
+                    <a:schemeClr val="tx1">
+                      <a:alpha val="29000"/>
+                    </a:schemeClr>
+                  </a:solidFill>
+                </a:ln>
+                <a:latin typeface="+mn-ea"/>
+                <a:cs typeface="맑은 고딕 Semilight" panose="020B0502040204020203" pitchFamily="50" charset="-127"/>
+              </a:rPr>
+              <a:t>break </a:t>
+            </a:r>
+            <a:r>
+              <a:rPr lang="ko-KR" altLang="en-US" sz="1400">
+                <a:ln>
+                  <a:solidFill>
+                    <a:schemeClr val="tx1">
+                      <a:alpha val="29000"/>
+                    </a:schemeClr>
+                  </a:solidFill>
+                </a:ln>
+                <a:latin typeface="+mn-ea"/>
+                <a:cs typeface="맑은 고딕 Semilight" panose="020B0502040204020203" pitchFamily="50" charset="-127"/>
+              </a:rPr>
+              <a:t>문은 루프 내에서 사용하여 해당 반복문을 완전히 종료시키고</a:t>
+            </a:r>
+            <a:r>
+              <a:rPr lang="en-US" altLang="ko-KR" sz="1400">
+                <a:ln>
+                  <a:solidFill>
+                    <a:schemeClr val="tx1">
+                      <a:alpha val="29000"/>
+                    </a:schemeClr>
+                  </a:solidFill>
+                </a:ln>
+                <a:latin typeface="+mn-ea"/>
+                <a:cs typeface="맑은 고딕 Semilight" panose="020B0502040204020203" pitchFamily="50" charset="-127"/>
+              </a:rPr>
+              <a:t>,</a:t>
+            </a:r>
+          </a:p>
+          <a:p>
+            <a:pPr marL="449263" lvl="1" indent="-182563">
+              <a:lnSpc>
+                <a:spcPct val="150000"/>
+              </a:lnSpc>
+              <a:buFontTx/>
+              <a:buChar char="-"/>
+              <a:tabLst>
+                <a:tab pos="182563" algn="l"/>
+                <a:tab pos="449263" algn="l"/>
+              </a:tabLst>
+            </a:pPr>
+            <a:r>
+              <a:rPr lang="en-US" altLang="ko-KR" sz="1400">
+                <a:ln>
+                  <a:solidFill>
+                    <a:schemeClr val="tx1">
+                      <a:alpha val="29000"/>
+                    </a:schemeClr>
+                  </a:solidFill>
+                </a:ln>
+                <a:latin typeface="+mn-ea"/>
+                <a:cs typeface="맑은 고딕 Semilight" panose="020B0502040204020203" pitchFamily="50" charset="-127"/>
+              </a:rPr>
+              <a:t> </a:t>
+            </a:r>
+            <a:r>
+              <a:rPr lang="ko-KR" altLang="en-US" sz="1400">
+                <a:ln>
+                  <a:solidFill>
+                    <a:schemeClr val="tx1">
+                      <a:alpha val="29000"/>
+                    </a:schemeClr>
+                  </a:solidFill>
+                </a:ln>
+                <a:latin typeface="+mn-ea"/>
+                <a:cs typeface="맑은 고딕 Semilight" panose="020B0502040204020203" pitchFamily="50" charset="-127"/>
+              </a:rPr>
+              <a:t>반복문 바로 다음에 위치한 실행문으로 프로그램의 흐름을 이동</a:t>
+            </a:r>
+          </a:p>
+          <a:p>
+            <a:pPr marL="449263" lvl="1" indent="-182563">
+              <a:lnSpc>
+                <a:spcPct val="150000"/>
+              </a:lnSpc>
+              <a:buFontTx/>
+              <a:buChar char="-"/>
+              <a:tabLst>
+                <a:tab pos="182563" algn="l"/>
+                <a:tab pos="449263" algn="l"/>
+              </a:tabLst>
+            </a:pPr>
+            <a:r>
+              <a:rPr lang="ko-KR" altLang="en-US" sz="1400">
+                <a:ln>
+                  <a:solidFill>
+                    <a:schemeClr val="tx1">
+                      <a:alpha val="29000"/>
+                    </a:schemeClr>
+                  </a:solidFill>
+                </a:ln>
+                <a:latin typeface="+mn-ea"/>
+                <a:cs typeface="맑은 고딕 Semilight" panose="020B0502040204020203" pitchFamily="50" charset="-127"/>
+              </a:rPr>
+              <a:t>즉</a:t>
+            </a:r>
+            <a:r>
+              <a:rPr lang="en-US" altLang="ko-KR" sz="1400">
+                <a:ln>
+                  <a:solidFill>
+                    <a:schemeClr val="tx1">
+                      <a:alpha val="29000"/>
+                    </a:schemeClr>
+                  </a:solidFill>
+                </a:ln>
+                <a:latin typeface="+mn-ea"/>
+                <a:cs typeface="맑은 고딕 Semilight" panose="020B0502040204020203" pitchFamily="50" charset="-127"/>
+              </a:rPr>
+              <a:t>, </a:t>
+            </a:r>
+            <a:r>
+              <a:rPr lang="ko-KR" altLang="en-US" sz="1400">
+                <a:ln>
+                  <a:solidFill>
+                    <a:schemeClr val="tx1">
+                      <a:alpha val="29000"/>
+                    </a:schemeClr>
+                  </a:solidFill>
+                </a:ln>
+                <a:latin typeface="+mn-ea"/>
+                <a:cs typeface="맑은 고딕 Semilight" panose="020B0502040204020203" pitchFamily="50" charset="-127"/>
+              </a:rPr>
+              <a:t>루프 내에서 표현식의 판단 결과에 상관없이 반복문을 완전히 빠져나가고 싶을 때 사용</a:t>
+            </a:r>
+          </a:p>
+          <a:p>
+            <a:pPr marL="449263" lvl="1" indent="-182563">
+              <a:lnSpc>
+                <a:spcPct val="150000"/>
+              </a:lnSpc>
+              <a:buFontTx/>
+              <a:buChar char="-"/>
+              <a:tabLst>
+                <a:tab pos="182563" algn="l"/>
+                <a:tab pos="449263" algn="l"/>
+              </a:tabLst>
+            </a:pPr>
+            <a:r>
+              <a:rPr lang="ko-KR" altLang="en-US" sz="1400">
+                <a:ln>
+                  <a:solidFill>
+                    <a:schemeClr val="tx1">
+                      <a:alpha val="29000"/>
+                    </a:schemeClr>
+                  </a:solidFill>
+                </a:ln>
+                <a:latin typeface="+mn-ea"/>
+                <a:cs typeface="맑은 고딕 Semilight" panose="020B0502040204020203" pitchFamily="50" charset="-127"/>
+              </a:rPr>
+              <a:t>자바스크립트에서 </a:t>
+            </a:r>
+            <a:r>
+              <a:rPr lang="en-US" altLang="ko-KR" sz="1400">
+                <a:ln>
+                  <a:solidFill>
+                    <a:schemeClr val="tx1">
+                      <a:alpha val="29000"/>
+                    </a:schemeClr>
+                  </a:solidFill>
+                </a:ln>
+                <a:latin typeface="+mn-ea"/>
+                <a:cs typeface="맑은 고딕 Semilight" panose="020B0502040204020203" pitchFamily="50" charset="-127"/>
+              </a:rPr>
+              <a:t>break </a:t>
+            </a:r>
+            <a:r>
+              <a:rPr lang="ko-KR" altLang="en-US" sz="1400">
+                <a:ln>
+                  <a:solidFill>
+                    <a:schemeClr val="tx1">
+                      <a:alpha val="29000"/>
+                    </a:schemeClr>
+                  </a:solidFill>
+                </a:ln>
+                <a:latin typeface="+mn-ea"/>
+                <a:cs typeface="맑은 고딕 Semilight" panose="020B0502040204020203" pitchFamily="50" charset="-127"/>
+              </a:rPr>
+              <a:t>문은 다음과 같이 두 가지 형태로 사용할 수 있음</a:t>
+            </a:r>
+            <a:endParaRPr lang="en-US" altLang="ko-KR" sz="1400">
+              <a:ln>
+                <a:solidFill>
+                  <a:schemeClr val="tx1">
+                    <a:alpha val="29000"/>
+                  </a:schemeClr>
+                </a:solidFill>
+              </a:ln>
+              <a:latin typeface="+mn-ea"/>
+              <a:cs typeface="맑은 고딕 Semilight" panose="020B0502040204020203" pitchFamily="50" charset="-127"/>
+            </a:endParaRPr>
+          </a:p>
+        </p:txBody>
+      </p:sp>
+      <p:cxnSp>
+        <p:nvCxnSpPr>
+          <p:cNvPr id="6" name="직선 연결선 5"/>
+          <p:cNvCxnSpPr/>
+          <p:nvPr/>
+        </p:nvCxnSpPr>
+        <p:spPr>
+          <a:xfrm>
+            <a:off x="0" y="683316"/>
+            <a:ext cx="2968487" cy="0"/>
+          </a:xfrm>
+          <a:prstGeom prst="line">
+            <a:avLst/>
+          </a:prstGeom>
+          <a:ln w="28575">
+            <a:solidFill>
+              <a:srgbClr val="ED553B"/>
+            </a:solidFill>
+            <a:tailEnd type="oval" w="lg" len="lg"/>
+          </a:ln>
+        </p:spPr>
+        <p:style>
+          <a:lnRef idx="1">
+            <a:schemeClr val="accent1"/>
+          </a:lnRef>
+          <a:fillRef idx="0">
+            <a:schemeClr val="accent1"/>
+          </a:fillRef>
+          <a:effectRef idx="0">
+            <a:schemeClr val="accent1"/>
+          </a:effectRef>
+          <a:fontRef idx="minor">
+            <a:schemeClr val="tx1"/>
+          </a:fontRef>
+        </p:style>
+      </p:cxnSp>
+      <p:sp>
+        <p:nvSpPr>
+          <p:cNvPr id="10" name="TextBox 9"/>
+          <p:cNvSpPr txBox="1"/>
+          <p:nvPr/>
+        </p:nvSpPr>
+        <p:spPr>
+          <a:xfrm>
+            <a:off x="322413" y="140957"/>
+            <a:ext cx="5552787" cy="400110"/>
+          </a:xfrm>
+          <a:prstGeom prst="rect">
+            <a:avLst/>
+          </a:prstGeom>
+          <a:noFill/>
+        </p:spPr>
+        <p:txBody>
+          <a:bodyPr wrap="square" rtlCol="0">
+            <a:spAutoFit/>
+          </a:bodyPr>
+          <a:lstStyle/>
+          <a:p>
+            <a:r>
+              <a:rPr lang="en-US" altLang="ko-KR" sz="2000" smtClean="0">
+                <a:ln>
+                  <a:solidFill>
+                    <a:schemeClr val="tx1">
+                      <a:alpha val="29000"/>
+                    </a:schemeClr>
+                  </a:solidFill>
+                </a:ln>
+                <a:latin typeface="+mn-ea"/>
+                <a:cs typeface="맑은 고딕 Semilight" panose="020B0502040204020203" pitchFamily="50" charset="-127"/>
+              </a:rPr>
+              <a:t>JavaScript</a:t>
+            </a:r>
+            <a:r>
+              <a:rPr lang="ko-KR" altLang="en-US" sz="2000" smtClean="0">
+                <a:ln>
+                  <a:solidFill>
+                    <a:schemeClr val="tx1">
+                      <a:alpha val="29000"/>
+                    </a:schemeClr>
+                  </a:solidFill>
+                </a:ln>
+                <a:latin typeface="+mn-ea"/>
+                <a:cs typeface="맑은 고딕 Semilight" panose="020B0502040204020203" pitchFamily="50" charset="-127"/>
+              </a:rPr>
+              <a:t>의 제어문</a:t>
+            </a:r>
+            <a:endParaRPr lang="en-US" altLang="ko-KR" sz="2000" dirty="0">
+              <a:ln>
+                <a:solidFill>
+                  <a:schemeClr val="tx1">
+                    <a:alpha val="29000"/>
+                  </a:schemeClr>
+                </a:solidFill>
+              </a:ln>
+              <a:latin typeface="+mn-ea"/>
+              <a:cs typeface="맑은 고딕 Semilight" panose="020B0502040204020203" pitchFamily="50" charset="-127"/>
+            </a:endParaRPr>
+          </a:p>
+        </p:txBody>
+      </p:sp>
+      <p:pic>
+        <p:nvPicPr>
+          <p:cNvPr id="3" name="그림 2"/>
+          <p:cNvPicPr>
+            <a:picLocks noChangeAspect="1"/>
+          </p:cNvPicPr>
+          <p:nvPr/>
+        </p:nvPicPr>
+        <p:blipFill>
+          <a:blip r:embed="rId3"/>
+          <a:stretch>
+            <a:fillRect/>
+          </a:stretch>
+        </p:blipFill>
+        <p:spPr>
+          <a:xfrm>
+            <a:off x="2051050" y="2910558"/>
+            <a:ext cx="6057900" cy="819150"/>
+          </a:xfrm>
+          <a:prstGeom prst="rect">
+            <a:avLst/>
+          </a:prstGeom>
+        </p:spPr>
+      </p:pic>
+    </p:spTree>
+    <p:extLst>
+      <p:ext uri="{BB962C8B-B14F-4D97-AF65-F5344CB8AC3E}">
+        <p14:creationId xmlns:p14="http://schemas.microsoft.com/office/powerpoint/2010/main" val="3504024557"/>
+      </p:ext>
+    </p:extLst>
+  </p:cSld>
+  <p:clrMapOvr>
+    <a:masterClrMapping/>
+  </p:clrMapOvr>
+  <p:timing>
+    <p:tnLst>
+      <p:par>
+        <p:cTn id="1" dur="indefinite" restart="never" nodeType="tmRoot"/>
+      </p:par>
+    </p:tnLst>
+  </p:timing>
+</p:sld>
+</file>
+
+<file path=ppt/slides/slide41.xml><?xml version="1.0" encoding="utf-8"?>
+<p:sld xmlns:a="http://schemas.openxmlformats.org/drawingml/2006/main" xmlns:r="http://schemas.openxmlformats.org/officeDocument/2006/relationships" xmlns:p="http://schemas.openxmlformats.org/presentationml/2006/main">
+  <p:cSld>
+    <p:spTree>
+      <p:nvGrpSpPr>
+        <p:cNvPr id="1" name=""/>
+        <p:cNvGrpSpPr/>
+        <p:nvPr/>
+      </p:nvGrpSpPr>
+      <p:grpSpPr>
+        <a:xfrm>
+          <a:off x="0" y="0"/>
+          <a:ext cx="0" cy="0"/>
+          <a:chOff x="0" y="0"/>
+          <a:chExt cx="0" cy="0"/>
+        </a:xfrm>
+      </p:grpSpPr>
+      <p:sp>
+        <p:nvSpPr>
+          <p:cNvPr id="8" name="TextBox 7"/>
+          <p:cNvSpPr txBox="1"/>
+          <p:nvPr/>
+        </p:nvSpPr>
+        <p:spPr>
+          <a:xfrm>
+            <a:off x="267599" y="825566"/>
+            <a:ext cx="9578660" cy="830997"/>
+          </a:xfrm>
+          <a:prstGeom prst="rect">
+            <a:avLst/>
+          </a:prstGeom>
+          <a:noFill/>
+        </p:spPr>
+        <p:txBody>
+          <a:bodyPr wrap="square" rtlCol="0">
+            <a:spAutoFit/>
+          </a:bodyPr>
+          <a:lstStyle/>
+          <a:p>
+            <a:pPr marL="285750" indent="-285750">
+              <a:lnSpc>
+                <a:spcPct val="150000"/>
+              </a:lnSpc>
+              <a:buFont typeface="Arial" panose="020B0604020202020204" pitchFamily="34" charset="0"/>
+              <a:buChar char="•"/>
+            </a:pPr>
+            <a:r>
+              <a:rPr lang="en-US" altLang="ko-KR" sz="1800">
+                <a:ln>
+                  <a:solidFill>
+                    <a:schemeClr val="tx1">
+                      <a:alpha val="29000"/>
+                    </a:schemeClr>
+                  </a:solidFill>
+                </a:ln>
+                <a:latin typeface="+mn-ea"/>
+                <a:cs typeface="맑은 고딕 Semilight" panose="020B0502040204020203" pitchFamily="50" charset="-127"/>
+                <a:sym typeface="Wingdings" panose="05000000000000000000" pitchFamily="2" charset="2"/>
+              </a:rPr>
+              <a:t>break </a:t>
+            </a:r>
+            <a:r>
+              <a:rPr lang="ko-KR" altLang="en-US" sz="1800" smtClean="0">
+                <a:ln>
+                  <a:solidFill>
+                    <a:schemeClr val="tx1">
+                      <a:alpha val="29000"/>
+                    </a:schemeClr>
+                  </a:solidFill>
+                </a:ln>
+                <a:latin typeface="+mn-ea"/>
+                <a:cs typeface="맑은 고딕 Semilight" panose="020B0502040204020203" pitchFamily="50" charset="-127"/>
+                <a:sym typeface="Wingdings" panose="05000000000000000000" pitchFamily="2" charset="2"/>
+              </a:rPr>
+              <a:t>문</a:t>
+            </a:r>
+            <a:r>
+              <a:rPr lang="ko-KR" altLang="en-US" sz="1800" smtClean="0">
+                <a:ln>
+                  <a:solidFill>
+                    <a:schemeClr val="tx1">
+                      <a:alpha val="29000"/>
+                    </a:schemeClr>
+                  </a:solidFill>
+                </a:ln>
+                <a:latin typeface="+mn-ea"/>
+                <a:cs typeface="맑은 고딕 Semilight" panose="020B0502040204020203" pitchFamily="50" charset="-127"/>
+                <a:sym typeface="Wingdings" panose="05000000000000000000" pitchFamily="2" charset="2"/>
+              </a:rPr>
+              <a:t> </a:t>
+            </a:r>
+            <a:endParaRPr lang="ko-KR" altLang="en-US" sz="1800">
+              <a:ln>
+                <a:solidFill>
+                  <a:schemeClr val="tx1">
+                    <a:alpha val="29000"/>
+                  </a:schemeClr>
+                </a:solidFill>
+              </a:ln>
+              <a:latin typeface="+mn-ea"/>
+              <a:cs typeface="맑은 고딕 Semilight" panose="020B0502040204020203" pitchFamily="50" charset="-127"/>
+              <a:sym typeface="Wingdings" panose="05000000000000000000" pitchFamily="2" charset="2"/>
+            </a:endParaRPr>
+          </a:p>
+          <a:p>
+            <a:pPr marL="449263" lvl="1" indent="-182563">
+              <a:lnSpc>
+                <a:spcPct val="150000"/>
+              </a:lnSpc>
+              <a:buFontTx/>
+              <a:buChar char="-"/>
+              <a:tabLst>
+                <a:tab pos="182563" algn="l"/>
+                <a:tab pos="449263" algn="l"/>
+              </a:tabLst>
+            </a:pPr>
+            <a:r>
+              <a:rPr lang="ko-KR" altLang="en-US" sz="1400">
+                <a:ln>
+                  <a:solidFill>
+                    <a:schemeClr val="tx1">
+                      <a:alpha val="29000"/>
+                    </a:schemeClr>
+                  </a:solidFill>
+                </a:ln>
+                <a:latin typeface="+mn-ea"/>
+                <a:cs typeface="맑은 고딕 Semilight" panose="020B0502040204020203" pitchFamily="50" charset="-127"/>
+              </a:rPr>
+              <a:t>다음 예제는 배열에서 특정값을 가지고 있는 인덱스를 출력하는 예제</a:t>
+            </a:r>
+            <a:endParaRPr lang="en-US" altLang="ko-KR" sz="1400">
+              <a:ln>
+                <a:solidFill>
+                  <a:schemeClr val="tx1">
+                    <a:alpha val="29000"/>
+                  </a:schemeClr>
+                </a:solidFill>
+              </a:ln>
+              <a:latin typeface="+mn-ea"/>
+              <a:cs typeface="맑은 고딕 Semilight" panose="020B0502040204020203" pitchFamily="50" charset="-127"/>
+            </a:endParaRPr>
+          </a:p>
+        </p:txBody>
+      </p:sp>
+      <p:cxnSp>
+        <p:nvCxnSpPr>
+          <p:cNvPr id="6" name="직선 연결선 5"/>
+          <p:cNvCxnSpPr/>
+          <p:nvPr/>
+        </p:nvCxnSpPr>
+        <p:spPr>
+          <a:xfrm>
+            <a:off x="0" y="683316"/>
+            <a:ext cx="2968487" cy="0"/>
+          </a:xfrm>
+          <a:prstGeom prst="line">
+            <a:avLst/>
+          </a:prstGeom>
+          <a:ln w="28575">
+            <a:solidFill>
+              <a:srgbClr val="ED553B"/>
+            </a:solidFill>
+            <a:tailEnd type="oval" w="lg" len="lg"/>
+          </a:ln>
+        </p:spPr>
+        <p:style>
+          <a:lnRef idx="1">
+            <a:schemeClr val="accent1"/>
+          </a:lnRef>
+          <a:fillRef idx="0">
+            <a:schemeClr val="accent1"/>
+          </a:fillRef>
+          <a:effectRef idx="0">
+            <a:schemeClr val="accent1"/>
+          </a:effectRef>
+          <a:fontRef idx="minor">
+            <a:schemeClr val="tx1"/>
+          </a:fontRef>
+        </p:style>
+      </p:cxnSp>
+      <p:sp>
+        <p:nvSpPr>
+          <p:cNvPr id="10" name="TextBox 9"/>
+          <p:cNvSpPr txBox="1"/>
+          <p:nvPr/>
+        </p:nvSpPr>
+        <p:spPr>
+          <a:xfrm>
+            <a:off x="322413" y="140957"/>
+            <a:ext cx="5552787" cy="400110"/>
+          </a:xfrm>
+          <a:prstGeom prst="rect">
+            <a:avLst/>
+          </a:prstGeom>
+          <a:noFill/>
+        </p:spPr>
+        <p:txBody>
+          <a:bodyPr wrap="square" rtlCol="0">
+            <a:spAutoFit/>
+          </a:bodyPr>
+          <a:lstStyle/>
+          <a:p>
+            <a:r>
+              <a:rPr lang="en-US" altLang="ko-KR" sz="2000" smtClean="0">
+                <a:ln>
+                  <a:solidFill>
+                    <a:schemeClr val="tx1">
+                      <a:alpha val="29000"/>
+                    </a:schemeClr>
+                  </a:solidFill>
+                </a:ln>
+                <a:latin typeface="+mn-ea"/>
+                <a:cs typeface="맑은 고딕 Semilight" panose="020B0502040204020203" pitchFamily="50" charset="-127"/>
+              </a:rPr>
+              <a:t>JavaScript</a:t>
+            </a:r>
+            <a:r>
+              <a:rPr lang="ko-KR" altLang="en-US" sz="2000" smtClean="0">
+                <a:ln>
+                  <a:solidFill>
+                    <a:schemeClr val="tx1">
+                      <a:alpha val="29000"/>
+                    </a:schemeClr>
+                  </a:solidFill>
+                </a:ln>
+                <a:latin typeface="+mn-ea"/>
+                <a:cs typeface="맑은 고딕 Semilight" panose="020B0502040204020203" pitchFamily="50" charset="-127"/>
+              </a:rPr>
+              <a:t>의 제어문</a:t>
+            </a:r>
+            <a:endParaRPr lang="en-US" altLang="ko-KR" sz="2000" dirty="0">
+              <a:ln>
+                <a:solidFill>
+                  <a:schemeClr val="tx1">
+                    <a:alpha val="29000"/>
+                  </a:schemeClr>
+                </a:solidFill>
+              </a:ln>
+              <a:latin typeface="+mn-ea"/>
+              <a:cs typeface="맑은 고딕 Semilight" panose="020B0502040204020203" pitchFamily="50" charset="-127"/>
+            </a:endParaRPr>
+          </a:p>
+        </p:txBody>
+      </p:sp>
+      <p:pic>
+        <p:nvPicPr>
+          <p:cNvPr id="2" name="그림 1"/>
+          <p:cNvPicPr>
+            <a:picLocks noChangeAspect="1"/>
+          </p:cNvPicPr>
+          <p:nvPr/>
+        </p:nvPicPr>
+        <p:blipFill>
+          <a:blip r:embed="rId3"/>
+          <a:stretch>
+            <a:fillRect/>
+          </a:stretch>
+        </p:blipFill>
+        <p:spPr>
+          <a:xfrm>
+            <a:off x="2065337" y="2138569"/>
+            <a:ext cx="6029325" cy="2286000"/>
+          </a:xfrm>
+          <a:prstGeom prst="rect">
+            <a:avLst/>
+          </a:prstGeom>
+        </p:spPr>
+      </p:pic>
+    </p:spTree>
+    <p:extLst>
+      <p:ext uri="{BB962C8B-B14F-4D97-AF65-F5344CB8AC3E}">
+        <p14:creationId xmlns:p14="http://schemas.microsoft.com/office/powerpoint/2010/main" val="1782299684"/>
       </p:ext>
     </p:extLst>
   </p:cSld>
@@ -20025,21 +23458,7 @@
                 <a:latin typeface="+mn-ea"/>
                 <a:cs typeface="맑은 고딕 Semilight" panose="020B0502040204020203" pitchFamily="50" charset="-127"/>
               </a:rPr>
-              <a:t>의 </a:t>
-            </a:r>
-            <a:r>
-              <a:rPr lang="ko-KR" altLang="en-US" sz="2000" smtClean="0">
-                <a:ln>
-                  <a:solidFill>
-                    <a:schemeClr val="tx1">
-                      <a:alpha val="29000"/>
-                    </a:schemeClr>
-                  </a:solidFill>
-                </a:ln>
-                <a:latin typeface="+mn-ea"/>
-                <a:cs typeface="맑은 고딕 Semilight" panose="020B0502040204020203" pitchFamily="50" charset="-127"/>
-              </a:rPr>
-              <a:t>제어문</a:t>
+              <a:t>의 제어문</a:t>
             </a:r>
             <a:endParaRPr lang="en-US" altLang="ko-KR" sz="2000" dirty="0">
               <a:ln>
@@ -20520,21 +23939,7 @@
                 <a:latin typeface="+mn-ea"/>
                 <a:cs typeface="맑은 고딕 Semilight" panose="020B0502040204020203" pitchFamily="50" charset="-127"/>
               </a:rPr>
-              <a:t>의 </a:t>
-            </a:r>
-            <a:r>
-              <a:rPr lang="ko-KR" altLang="en-US" sz="2000" smtClean="0">
-                <a:ln>
-                  <a:solidFill>
-                    <a:schemeClr val="tx1">
-                      <a:alpha val="29000"/>
-                    </a:schemeClr>
-                  </a:solidFill>
-                </a:ln>
-                <a:latin typeface="+mn-ea"/>
-                <a:cs typeface="맑은 고딕 Semilight" panose="020B0502040204020203" pitchFamily="50" charset="-127"/>
-              </a:rPr>
-              <a:t>제어문</a:t>
+              <a:t>의 제어문</a:t>
             </a:r>
             <a:endParaRPr lang="en-US" altLang="ko-KR" sz="2000" dirty="0">
               <a:ln>
@@ -20837,21 +24242,7 @@
                 <a:latin typeface="+mn-ea"/>
                 <a:cs typeface="맑은 고딕 Semilight" panose="020B0502040204020203" pitchFamily="50" charset="-127"/>
               </a:rPr>
-              <a:t>의 </a:t>
-            </a:r>
-            <a:r>
-              <a:rPr lang="ko-KR" altLang="en-US" sz="2000" smtClean="0">
-                <a:ln>
-                  <a:solidFill>
-                    <a:schemeClr val="tx1">
-                      <a:alpha val="29000"/>
-                    </a:schemeClr>
-                  </a:solidFill>
-                </a:ln>
-                <a:latin typeface="+mn-ea"/>
-                <a:cs typeface="맑은 고딕 Semilight" panose="020B0502040204020203" pitchFamily="50" charset="-127"/>
-              </a:rPr>
-              <a:t>제어문</a:t>
+              <a:t>의 제어문</a:t>
             </a:r>
             <a:endParaRPr lang="en-US" altLang="ko-KR" sz="2000" dirty="0">
               <a:ln>
@@ -21400,21 +24791,7 @@
                 <a:latin typeface="+mn-ea"/>
                 <a:cs typeface="맑은 고딕 Semilight" panose="020B0502040204020203" pitchFamily="50" charset="-127"/>
               </a:rPr>
-              <a:t>의 </a:t>
-            </a:r>
-            <a:r>
-              <a:rPr lang="ko-KR" altLang="en-US" sz="2000" smtClean="0">
-                <a:ln>
-                  <a:solidFill>
-                    <a:schemeClr val="tx1">
-                      <a:alpha val="29000"/>
-                    </a:schemeClr>
-                  </a:solidFill>
-                </a:ln>
-                <a:latin typeface="+mn-ea"/>
-                <a:cs typeface="맑은 고딕 Semilight" panose="020B0502040204020203" pitchFamily="50" charset="-127"/>
-              </a:rPr>
-              <a:t>제어문</a:t>
+              <a:t>의 제어문</a:t>
             </a:r>
             <a:endParaRPr lang="en-US" altLang="ko-KR" sz="2000" dirty="0">
               <a:ln>
@@ -21689,21 +25066,7 @@
                 <a:latin typeface="+mn-ea"/>
                 <a:cs typeface="맑은 고딕 Semilight" panose="020B0502040204020203" pitchFamily="50" charset="-127"/>
               </a:rPr>
-              <a:t>의 </a:t>
-            </a:r>
-            <a:r>
-              <a:rPr lang="ko-KR" altLang="en-US" sz="2000" smtClean="0">
-                <a:ln>
-                  <a:solidFill>
-                    <a:schemeClr val="tx1">
-                      <a:alpha val="29000"/>
-                    </a:schemeClr>
-                  </a:solidFill>
-                </a:ln>
-                <a:latin typeface="+mn-ea"/>
-                <a:cs typeface="맑은 고딕 Semilight" panose="020B0502040204020203" pitchFamily="50" charset="-127"/>
-              </a:rPr>
-              <a:t>제어문</a:t>
+              <a:t>의 제어문</a:t>
             </a:r>
             <a:endParaRPr lang="en-US" altLang="ko-KR" sz="2000" dirty="0">
               <a:ln>
